--- a/Assignments/Flash For Computer Games.pptx
+++ b/Assignments/Flash For Computer Games.pptx
@@ -2,7 +2,7 @@
 <file path=ppt/presentation.xml><?xml version="1.0" encoding="utf-8"?>
 <p:presentation xmlns:a="http://schemas.openxmlformats.org/drawingml/2006/main" xmlns:r="http://schemas.openxmlformats.org/officeDocument/2006/relationships" xmlns:p="http://schemas.openxmlformats.org/presentationml/2006/main" saveSubsetFonts="1">
   <p:sldMasterIdLst>
-    <p:sldMasterId id="2147483660" r:id="rId1"/>
+    <p:sldMasterId id="2147483728" r:id="rId1"/>
   </p:sldMasterIdLst>
   <p:sldIdLst>
     <p:sldId id="256" r:id="rId2"/>
@@ -15,8 +15,10 @@
     <p:sldId id="264" r:id="rId9"/>
     <p:sldId id="265" r:id="rId10"/>
     <p:sldId id="263" r:id="rId11"/>
-    <p:sldId id="266" r:id="rId12"/>
-    <p:sldId id="267" r:id="rId13"/>
+    <p:sldId id="269" r:id="rId12"/>
+    <p:sldId id="266" r:id="rId13"/>
+    <p:sldId id="267" r:id="rId14"/>
+    <p:sldId id="268" r:id="rId15"/>
   </p:sldIdLst>
   <p:sldSz cx="12192000" cy="6858000"/>
   <p:notesSz cx="6858000" cy="9144000"/>
@@ -845,9 +847,9 @@
           <a:p>
             <a:fld id="{062FB6A0-923D-4091-A6A2-B64646B43E76}" type="datetimeFigureOut">
               <a:rPr lang="en-GB" smtClean="0"/>
-              <a:t>16/11/2018</a:t>
+              <a:t>21/12/2018</a:t>
             </a:fld>
-            <a:endParaRPr lang="en-GB"/>
+            <a:endParaRPr lang="en-GB" dirty="0"/>
           </a:p>
         </p:txBody>
       </p:sp>
@@ -866,7 +868,7 @@
           <a:bodyPr/>
           <a:lstStyle/>
           <a:p>
-            <a:endParaRPr lang="en-GB"/>
+            <a:endParaRPr lang="en-GB" dirty="0"/>
           </a:p>
         </p:txBody>
       </p:sp>
@@ -889,14 +891,14 @@
               <a:rPr lang="en-GB" smtClean="0"/>
               <a:t>‹#›</a:t>
             </a:fld>
-            <a:endParaRPr lang="en-GB"/>
+            <a:endParaRPr lang="en-GB" dirty="0"/>
           </a:p>
         </p:txBody>
       </p:sp>
     </p:spTree>
     <p:extLst>
       <p:ext uri="{BB962C8B-B14F-4D97-AF65-F5344CB8AC3E}">
-        <p14:creationId xmlns:p14="http://schemas.microsoft.com/office/powerpoint/2010/main" val="3221254508"/>
+        <p14:creationId xmlns:p14="http://schemas.microsoft.com/office/powerpoint/2010/main" val="4075319880"/>
       </p:ext>
     </p:extLst>
   </p:cSld>
@@ -1096,9 +1098,9 @@
           <a:p>
             <a:fld id="{062FB6A0-923D-4091-A6A2-B64646B43E76}" type="datetimeFigureOut">
               <a:rPr lang="en-GB" smtClean="0"/>
-              <a:t>16/11/2018</a:t>
+              <a:t>21/12/2018</a:t>
             </a:fld>
-            <a:endParaRPr lang="en-GB"/>
+            <a:endParaRPr lang="en-GB" dirty="0"/>
           </a:p>
         </p:txBody>
       </p:sp>
@@ -1117,7 +1119,7 @@
           <a:bodyPr/>
           <a:lstStyle/>
           <a:p>
-            <a:endParaRPr lang="en-GB"/>
+            <a:endParaRPr lang="en-GB" dirty="0"/>
           </a:p>
         </p:txBody>
       </p:sp>
@@ -1140,14 +1142,14 @@
               <a:rPr lang="en-GB" smtClean="0"/>
               <a:t>‹#›</a:t>
             </a:fld>
-            <a:endParaRPr lang="en-GB"/>
+            <a:endParaRPr lang="en-GB" dirty="0"/>
           </a:p>
         </p:txBody>
       </p:sp>
     </p:spTree>
     <p:extLst>
       <p:ext uri="{BB962C8B-B14F-4D97-AF65-F5344CB8AC3E}">
-        <p14:creationId xmlns:p14="http://schemas.microsoft.com/office/powerpoint/2010/main" val="1831777207"/>
+        <p14:creationId xmlns:p14="http://schemas.microsoft.com/office/powerpoint/2010/main" val="2540449372"/>
       </p:ext>
     </p:extLst>
   </p:cSld>
@@ -1410,9 +1412,9 @@
           <a:p>
             <a:fld id="{062FB6A0-923D-4091-A6A2-B64646B43E76}" type="datetimeFigureOut">
               <a:rPr lang="en-GB" smtClean="0"/>
-              <a:t>16/11/2018</a:t>
+              <a:t>21/12/2018</a:t>
             </a:fld>
-            <a:endParaRPr lang="en-GB"/>
+            <a:endParaRPr lang="en-GB" dirty="0"/>
           </a:p>
         </p:txBody>
       </p:sp>
@@ -1431,7 +1433,7 @@
           <a:bodyPr/>
           <a:lstStyle/>
           <a:p>
-            <a:endParaRPr lang="en-GB"/>
+            <a:endParaRPr lang="en-GB" dirty="0"/>
           </a:p>
         </p:txBody>
       </p:sp>
@@ -1454,7 +1456,7 @@
               <a:rPr lang="en-GB" smtClean="0"/>
               <a:t>‹#›</a:t>
             </a:fld>
-            <a:endParaRPr lang="en-GB"/>
+            <a:endParaRPr lang="en-GB" dirty="0"/>
           </a:p>
         </p:txBody>
       </p:sp>
@@ -1551,7 +1553,7 @@
     </p:spTree>
     <p:extLst>
       <p:ext uri="{BB962C8B-B14F-4D97-AF65-F5344CB8AC3E}">
-        <p14:creationId xmlns:p14="http://schemas.microsoft.com/office/powerpoint/2010/main" val="2859721418"/>
+        <p14:creationId xmlns:p14="http://schemas.microsoft.com/office/powerpoint/2010/main" val="2643905333"/>
       </p:ext>
     </p:extLst>
   </p:cSld>
@@ -1751,9 +1753,9 @@
           <a:p>
             <a:fld id="{062FB6A0-923D-4091-A6A2-B64646B43E76}" type="datetimeFigureOut">
               <a:rPr lang="en-GB" smtClean="0"/>
-              <a:t>16/11/2018</a:t>
+              <a:t>21/12/2018</a:t>
             </a:fld>
-            <a:endParaRPr lang="en-GB"/>
+            <a:endParaRPr lang="en-GB" dirty="0"/>
           </a:p>
         </p:txBody>
       </p:sp>
@@ -1772,7 +1774,7 @@
           <a:bodyPr/>
           <a:lstStyle/>
           <a:p>
-            <a:endParaRPr lang="en-GB"/>
+            <a:endParaRPr lang="en-GB" dirty="0"/>
           </a:p>
         </p:txBody>
       </p:sp>
@@ -1795,14 +1797,14 @@
               <a:rPr lang="en-GB" smtClean="0"/>
               <a:t>‹#›</a:t>
             </a:fld>
-            <a:endParaRPr lang="en-GB"/>
+            <a:endParaRPr lang="en-GB" dirty="0"/>
           </a:p>
         </p:txBody>
       </p:sp>
     </p:spTree>
     <p:extLst>
       <p:ext uri="{BB962C8B-B14F-4D97-AF65-F5344CB8AC3E}">
-        <p14:creationId xmlns:p14="http://schemas.microsoft.com/office/powerpoint/2010/main" val="4188439865"/>
+        <p14:creationId xmlns:p14="http://schemas.microsoft.com/office/powerpoint/2010/main" val="2546894249"/>
       </p:ext>
     </p:extLst>
   </p:cSld>
@@ -2065,9 +2067,9 @@
           <a:p>
             <a:fld id="{062FB6A0-923D-4091-A6A2-B64646B43E76}" type="datetimeFigureOut">
               <a:rPr lang="en-GB" smtClean="0"/>
-              <a:t>16/11/2018</a:t>
+              <a:t>21/12/2018</a:t>
             </a:fld>
-            <a:endParaRPr lang="en-GB"/>
+            <a:endParaRPr lang="en-GB" dirty="0"/>
           </a:p>
         </p:txBody>
       </p:sp>
@@ -2086,7 +2088,7 @@
           <a:bodyPr/>
           <a:lstStyle/>
           <a:p>
-            <a:endParaRPr lang="en-GB"/>
+            <a:endParaRPr lang="en-GB" dirty="0"/>
           </a:p>
         </p:txBody>
       </p:sp>
@@ -2109,7 +2111,7 @@
               <a:rPr lang="en-GB" smtClean="0"/>
               <a:t>‹#›</a:t>
             </a:fld>
-            <a:endParaRPr lang="en-GB"/>
+            <a:endParaRPr lang="en-GB" dirty="0"/>
           </a:p>
         </p:txBody>
       </p:sp>
@@ -2198,7 +2200,7 @@
     </p:spTree>
     <p:extLst>
       <p:ext uri="{BB962C8B-B14F-4D97-AF65-F5344CB8AC3E}">
-        <p14:creationId xmlns:p14="http://schemas.microsoft.com/office/powerpoint/2010/main" val="627770359"/>
+        <p14:creationId xmlns:p14="http://schemas.microsoft.com/office/powerpoint/2010/main" val="3125829771"/>
       </p:ext>
     </p:extLst>
   </p:cSld>
@@ -2458,9 +2460,9 @@
           <a:p>
             <a:fld id="{062FB6A0-923D-4091-A6A2-B64646B43E76}" type="datetimeFigureOut">
               <a:rPr lang="en-GB" smtClean="0"/>
-              <a:t>16/11/2018</a:t>
+              <a:t>21/12/2018</a:t>
             </a:fld>
-            <a:endParaRPr lang="en-GB"/>
+            <a:endParaRPr lang="en-GB" dirty="0"/>
           </a:p>
         </p:txBody>
       </p:sp>
@@ -2479,7 +2481,7 @@
           <a:bodyPr/>
           <a:lstStyle/>
           <a:p>
-            <a:endParaRPr lang="en-GB"/>
+            <a:endParaRPr lang="en-GB" dirty="0"/>
           </a:p>
         </p:txBody>
       </p:sp>
@@ -2502,14 +2504,14 @@
               <a:rPr lang="en-GB" smtClean="0"/>
               <a:t>‹#›</a:t>
             </a:fld>
-            <a:endParaRPr lang="en-GB"/>
+            <a:endParaRPr lang="en-GB" dirty="0"/>
           </a:p>
         </p:txBody>
       </p:sp>
     </p:spTree>
     <p:extLst>
       <p:ext uri="{BB962C8B-B14F-4D97-AF65-F5344CB8AC3E}">
-        <p14:creationId xmlns:p14="http://schemas.microsoft.com/office/powerpoint/2010/main" val="3279056230"/>
+        <p14:creationId xmlns:p14="http://schemas.microsoft.com/office/powerpoint/2010/main" val="3018619533"/>
       </p:ext>
     </p:extLst>
   </p:cSld>
@@ -2628,9 +2630,9 @@
           <a:p>
             <a:fld id="{062FB6A0-923D-4091-A6A2-B64646B43E76}" type="datetimeFigureOut">
               <a:rPr lang="en-GB" smtClean="0"/>
-              <a:t>16/11/2018</a:t>
+              <a:t>21/12/2018</a:t>
             </a:fld>
-            <a:endParaRPr lang="en-GB"/>
+            <a:endParaRPr lang="en-GB" dirty="0"/>
           </a:p>
         </p:txBody>
       </p:sp>
@@ -2649,7 +2651,7 @@
           <a:bodyPr/>
           <a:lstStyle/>
           <a:p>
-            <a:endParaRPr lang="en-GB"/>
+            <a:endParaRPr lang="en-GB" dirty="0"/>
           </a:p>
         </p:txBody>
       </p:sp>
@@ -2672,14 +2674,14 @@
               <a:rPr lang="en-GB" smtClean="0"/>
               <a:t>‹#›</a:t>
             </a:fld>
-            <a:endParaRPr lang="en-GB"/>
+            <a:endParaRPr lang="en-GB" dirty="0"/>
           </a:p>
         </p:txBody>
       </p:sp>
     </p:spTree>
     <p:extLst>
       <p:ext uri="{BB962C8B-B14F-4D97-AF65-F5344CB8AC3E}">
-        <p14:creationId xmlns:p14="http://schemas.microsoft.com/office/powerpoint/2010/main" val="4273149283"/>
+        <p14:creationId xmlns:p14="http://schemas.microsoft.com/office/powerpoint/2010/main" val="3112501363"/>
       </p:ext>
     </p:extLst>
   </p:cSld>
@@ -2808,9 +2810,9 @@
           <a:p>
             <a:fld id="{062FB6A0-923D-4091-A6A2-B64646B43E76}" type="datetimeFigureOut">
               <a:rPr lang="en-GB" smtClean="0"/>
-              <a:t>16/11/2018</a:t>
+              <a:t>21/12/2018</a:t>
             </a:fld>
-            <a:endParaRPr lang="en-GB"/>
+            <a:endParaRPr lang="en-GB" dirty="0"/>
           </a:p>
         </p:txBody>
       </p:sp>
@@ -2829,7 +2831,7 @@
           <a:bodyPr/>
           <a:lstStyle/>
           <a:p>
-            <a:endParaRPr lang="en-GB"/>
+            <a:endParaRPr lang="en-GB" dirty="0"/>
           </a:p>
         </p:txBody>
       </p:sp>
@@ -2852,14 +2854,14 @@
               <a:rPr lang="en-GB" smtClean="0"/>
               <a:t>‹#›</a:t>
             </a:fld>
-            <a:endParaRPr lang="en-GB"/>
+            <a:endParaRPr lang="en-GB" dirty="0"/>
           </a:p>
         </p:txBody>
       </p:sp>
     </p:spTree>
     <p:extLst>
       <p:ext uri="{BB962C8B-B14F-4D97-AF65-F5344CB8AC3E}">
-        <p14:creationId xmlns:p14="http://schemas.microsoft.com/office/powerpoint/2010/main" val="608032029"/>
+        <p14:creationId xmlns:p14="http://schemas.microsoft.com/office/powerpoint/2010/main" val="477763067"/>
       </p:ext>
     </p:extLst>
   </p:cSld>
@@ -2984,9 +2986,9 @@
           <a:p>
             <a:fld id="{062FB6A0-923D-4091-A6A2-B64646B43E76}" type="datetimeFigureOut">
               <a:rPr lang="en-GB" smtClean="0"/>
-              <a:t>16/11/2018</a:t>
+              <a:t>21/12/2018</a:t>
             </a:fld>
-            <a:endParaRPr lang="en-GB"/>
+            <a:endParaRPr lang="en-GB" dirty="0"/>
           </a:p>
         </p:txBody>
       </p:sp>
@@ -3005,7 +3007,7 @@
           <a:bodyPr/>
           <a:lstStyle/>
           <a:p>
-            <a:endParaRPr lang="en-GB"/>
+            <a:endParaRPr lang="en-GB" dirty="0"/>
           </a:p>
         </p:txBody>
       </p:sp>
@@ -3028,14 +3030,14 @@
               <a:rPr lang="en-GB" smtClean="0"/>
               <a:t>‹#›</a:t>
             </a:fld>
-            <a:endParaRPr lang="en-GB"/>
+            <a:endParaRPr lang="en-GB" dirty="0"/>
           </a:p>
         </p:txBody>
       </p:sp>
     </p:spTree>
     <p:extLst>
       <p:ext uri="{BB962C8B-B14F-4D97-AF65-F5344CB8AC3E}">
-        <p14:creationId xmlns:p14="http://schemas.microsoft.com/office/powerpoint/2010/main" val="1690125564"/>
+        <p14:creationId xmlns:p14="http://schemas.microsoft.com/office/powerpoint/2010/main" val="462951495"/>
       </p:ext>
     </p:extLst>
   </p:cSld>
@@ -3231,9 +3233,9 @@
           <a:p>
             <a:fld id="{062FB6A0-923D-4091-A6A2-B64646B43E76}" type="datetimeFigureOut">
               <a:rPr lang="en-GB" smtClean="0"/>
-              <a:t>16/11/2018</a:t>
+              <a:t>21/12/2018</a:t>
             </a:fld>
-            <a:endParaRPr lang="en-GB"/>
+            <a:endParaRPr lang="en-GB" dirty="0"/>
           </a:p>
         </p:txBody>
       </p:sp>
@@ -3252,7 +3254,7 @@
           <a:bodyPr/>
           <a:lstStyle/>
           <a:p>
-            <a:endParaRPr lang="en-GB"/>
+            <a:endParaRPr lang="en-GB" dirty="0"/>
           </a:p>
         </p:txBody>
       </p:sp>
@@ -3275,14 +3277,14 @@
               <a:rPr lang="en-GB" smtClean="0"/>
               <a:t>‹#›</a:t>
             </a:fld>
-            <a:endParaRPr lang="en-GB"/>
+            <a:endParaRPr lang="en-GB" dirty="0"/>
           </a:p>
         </p:txBody>
       </p:sp>
     </p:spTree>
     <p:extLst>
       <p:ext uri="{BB962C8B-B14F-4D97-AF65-F5344CB8AC3E}">
-        <p14:creationId xmlns:p14="http://schemas.microsoft.com/office/powerpoint/2010/main" val="1069324758"/>
+        <p14:creationId xmlns:p14="http://schemas.microsoft.com/office/powerpoint/2010/main" val="704258399"/>
       </p:ext>
     </p:extLst>
   </p:cSld>
@@ -3463,9 +3465,9 @@
           <a:p>
             <a:fld id="{062FB6A0-923D-4091-A6A2-B64646B43E76}" type="datetimeFigureOut">
               <a:rPr lang="en-GB" smtClean="0"/>
-              <a:t>16/11/2018</a:t>
+              <a:t>21/12/2018</a:t>
             </a:fld>
-            <a:endParaRPr lang="en-GB"/>
+            <a:endParaRPr lang="en-GB" dirty="0"/>
           </a:p>
         </p:txBody>
       </p:sp>
@@ -3484,7 +3486,7 @@
           <a:bodyPr/>
           <a:lstStyle/>
           <a:p>
-            <a:endParaRPr lang="en-GB"/>
+            <a:endParaRPr lang="en-GB" dirty="0"/>
           </a:p>
         </p:txBody>
       </p:sp>
@@ -3507,14 +3509,14 @@
               <a:rPr lang="en-GB" smtClean="0"/>
               <a:t>‹#›</a:t>
             </a:fld>
-            <a:endParaRPr lang="en-GB"/>
+            <a:endParaRPr lang="en-GB" dirty="0"/>
           </a:p>
         </p:txBody>
       </p:sp>
     </p:spTree>
     <p:extLst>
       <p:ext uri="{BB962C8B-B14F-4D97-AF65-F5344CB8AC3E}">
-        <p14:creationId xmlns:p14="http://schemas.microsoft.com/office/powerpoint/2010/main" val="2294376662"/>
+        <p14:creationId xmlns:p14="http://schemas.microsoft.com/office/powerpoint/2010/main" val="3610512659"/>
       </p:ext>
     </p:extLst>
   </p:cSld>
@@ -3837,9 +3839,9 @@
           <a:p>
             <a:fld id="{062FB6A0-923D-4091-A6A2-B64646B43E76}" type="datetimeFigureOut">
               <a:rPr lang="en-GB" smtClean="0"/>
-              <a:t>16/11/2018</a:t>
+              <a:t>21/12/2018</a:t>
             </a:fld>
-            <a:endParaRPr lang="en-GB"/>
+            <a:endParaRPr lang="en-GB" dirty="0"/>
           </a:p>
         </p:txBody>
       </p:sp>
@@ -3858,7 +3860,7 @@
           <a:bodyPr/>
           <a:lstStyle/>
           <a:p>
-            <a:endParaRPr lang="en-GB"/>
+            <a:endParaRPr lang="en-GB" dirty="0"/>
           </a:p>
         </p:txBody>
       </p:sp>
@@ -3881,14 +3883,14 @@
               <a:rPr lang="en-GB" smtClean="0"/>
               <a:t>‹#›</a:t>
             </a:fld>
-            <a:endParaRPr lang="en-GB"/>
+            <a:endParaRPr lang="en-GB" dirty="0"/>
           </a:p>
         </p:txBody>
       </p:sp>
     </p:spTree>
     <p:extLst>
       <p:ext uri="{BB962C8B-B14F-4D97-AF65-F5344CB8AC3E}">
-        <p14:creationId xmlns:p14="http://schemas.microsoft.com/office/powerpoint/2010/main" val="2392118575"/>
+        <p14:creationId xmlns:p14="http://schemas.microsoft.com/office/powerpoint/2010/main" val="140869358"/>
       </p:ext>
     </p:extLst>
   </p:cSld>
@@ -3960,9 +3962,9 @@
           <a:p>
             <a:fld id="{062FB6A0-923D-4091-A6A2-B64646B43E76}" type="datetimeFigureOut">
               <a:rPr lang="en-GB" smtClean="0"/>
-              <a:t>16/11/2018</a:t>
+              <a:t>21/12/2018</a:t>
             </a:fld>
-            <a:endParaRPr lang="en-GB"/>
+            <a:endParaRPr lang="en-GB" dirty="0"/>
           </a:p>
         </p:txBody>
       </p:sp>
@@ -3981,7 +3983,7 @@
           <a:bodyPr/>
           <a:lstStyle/>
           <a:p>
-            <a:endParaRPr lang="en-GB"/>
+            <a:endParaRPr lang="en-GB" dirty="0"/>
           </a:p>
         </p:txBody>
       </p:sp>
@@ -4004,14 +4006,14 @@
               <a:rPr lang="en-GB" smtClean="0"/>
               <a:t>‹#›</a:t>
             </a:fld>
-            <a:endParaRPr lang="en-GB"/>
+            <a:endParaRPr lang="en-GB" dirty="0"/>
           </a:p>
         </p:txBody>
       </p:sp>
     </p:spTree>
     <p:extLst>
       <p:ext uri="{BB962C8B-B14F-4D97-AF65-F5344CB8AC3E}">
-        <p14:creationId xmlns:p14="http://schemas.microsoft.com/office/powerpoint/2010/main" val="1861923404"/>
+        <p14:creationId xmlns:p14="http://schemas.microsoft.com/office/powerpoint/2010/main" val="812133376"/>
       </p:ext>
     </p:extLst>
   </p:cSld>
@@ -4055,9 +4057,9 @@
           <a:p>
             <a:fld id="{062FB6A0-923D-4091-A6A2-B64646B43E76}" type="datetimeFigureOut">
               <a:rPr lang="en-GB" smtClean="0"/>
-              <a:t>16/11/2018</a:t>
+              <a:t>21/12/2018</a:t>
             </a:fld>
-            <a:endParaRPr lang="en-GB"/>
+            <a:endParaRPr lang="en-GB" dirty="0"/>
           </a:p>
         </p:txBody>
       </p:sp>
@@ -4076,7 +4078,7 @@
           <a:bodyPr/>
           <a:lstStyle/>
           <a:p>
-            <a:endParaRPr lang="en-GB"/>
+            <a:endParaRPr lang="en-GB" dirty="0"/>
           </a:p>
         </p:txBody>
       </p:sp>
@@ -4099,14 +4101,14 @@
               <a:rPr lang="en-GB" smtClean="0"/>
               <a:t>‹#›</a:t>
             </a:fld>
-            <a:endParaRPr lang="en-GB"/>
+            <a:endParaRPr lang="en-GB" dirty="0"/>
           </a:p>
         </p:txBody>
       </p:sp>
     </p:spTree>
     <p:extLst>
       <p:ext uri="{BB962C8B-B14F-4D97-AF65-F5344CB8AC3E}">
-        <p14:creationId xmlns:p14="http://schemas.microsoft.com/office/powerpoint/2010/main" val="689743021"/>
+        <p14:creationId xmlns:p14="http://schemas.microsoft.com/office/powerpoint/2010/main" val="3135991913"/>
       </p:ext>
     </p:extLst>
   </p:cSld>
@@ -4310,9 +4312,9 @@
           <a:p>
             <a:fld id="{062FB6A0-923D-4091-A6A2-B64646B43E76}" type="datetimeFigureOut">
               <a:rPr lang="en-GB" smtClean="0"/>
-              <a:t>16/11/2018</a:t>
+              <a:t>21/12/2018</a:t>
             </a:fld>
-            <a:endParaRPr lang="en-GB"/>
+            <a:endParaRPr lang="en-GB" dirty="0"/>
           </a:p>
         </p:txBody>
       </p:sp>
@@ -4331,7 +4333,7 @@
           <a:bodyPr/>
           <a:lstStyle/>
           <a:p>
-            <a:endParaRPr lang="en-GB"/>
+            <a:endParaRPr lang="en-GB" dirty="0"/>
           </a:p>
         </p:txBody>
       </p:sp>
@@ -4354,14 +4356,14 @@
               <a:rPr lang="en-GB" smtClean="0"/>
               <a:t>‹#›</a:t>
             </a:fld>
-            <a:endParaRPr lang="en-GB"/>
+            <a:endParaRPr lang="en-GB" dirty="0"/>
           </a:p>
         </p:txBody>
       </p:sp>
     </p:spTree>
     <p:extLst>
       <p:ext uri="{BB962C8B-B14F-4D97-AF65-F5344CB8AC3E}">
-        <p14:creationId xmlns:p14="http://schemas.microsoft.com/office/powerpoint/2010/main" val="3034080645"/>
+        <p14:creationId xmlns:p14="http://schemas.microsoft.com/office/powerpoint/2010/main" val="569111424"/>
       </p:ext>
     </p:extLst>
   </p:cSld>
@@ -4482,10 +4484,9 @@
           </a:lstStyle>
           <a:p>
             <a:r>
-              <a:rPr lang="en-US"/>
+              <a:rPr lang="en-US" dirty="0"/>
               <a:t>Click icon to add picture</a:t>
             </a:r>
-            <a:endParaRPr lang="en-US" dirty="0"/>
           </a:p>
         </p:txBody>
       </p:sp>
@@ -4573,9 +4574,9 @@
           <a:p>
             <a:fld id="{062FB6A0-923D-4091-A6A2-B64646B43E76}" type="datetimeFigureOut">
               <a:rPr lang="en-GB" smtClean="0"/>
-              <a:t>16/11/2018</a:t>
+              <a:t>21/12/2018</a:t>
             </a:fld>
-            <a:endParaRPr lang="en-GB"/>
+            <a:endParaRPr lang="en-GB" dirty="0"/>
           </a:p>
         </p:txBody>
       </p:sp>
@@ -4594,7 +4595,7 @@
           <a:bodyPr/>
           <a:lstStyle/>
           <a:p>
-            <a:endParaRPr lang="en-GB"/>
+            <a:endParaRPr lang="en-GB" dirty="0"/>
           </a:p>
         </p:txBody>
       </p:sp>
@@ -4617,14 +4618,14 @@
               <a:rPr lang="en-GB" smtClean="0"/>
               <a:t>‹#›</a:t>
             </a:fld>
-            <a:endParaRPr lang="en-GB"/>
+            <a:endParaRPr lang="en-GB" dirty="0"/>
           </a:p>
         </p:txBody>
       </p:sp>
     </p:spTree>
     <p:extLst>
       <p:ext uri="{BB962C8B-B14F-4D97-AF65-F5344CB8AC3E}">
-        <p14:creationId xmlns:p14="http://schemas.microsoft.com/office/powerpoint/2010/main" val="2891004073"/>
+        <p14:creationId xmlns:p14="http://schemas.microsoft.com/office/powerpoint/2010/main" val="202542336"/>
       </p:ext>
     </p:extLst>
   </p:cSld>
@@ -5316,9 +5317,9 @@
           <a:p>
             <a:fld id="{062FB6A0-923D-4091-A6A2-B64646B43E76}" type="datetimeFigureOut">
               <a:rPr lang="en-GB" smtClean="0"/>
-              <a:t>16/11/2018</a:t>
+              <a:t>21/12/2018</a:t>
             </a:fld>
-            <a:endParaRPr lang="en-GB"/>
+            <a:endParaRPr lang="en-GB" dirty="0"/>
           </a:p>
         </p:txBody>
       </p:sp>
@@ -5355,7 +5356,7 @@
             </a:lvl1pPr>
           </a:lstStyle>
           <a:p>
-            <a:endParaRPr lang="en-GB"/>
+            <a:endParaRPr lang="en-GB" dirty="0"/>
           </a:p>
         </p:txBody>
       </p:sp>
@@ -5394,35 +5395,35 @@
               <a:rPr lang="en-GB" smtClean="0"/>
               <a:t>‹#›</a:t>
             </a:fld>
-            <a:endParaRPr lang="en-GB"/>
+            <a:endParaRPr lang="en-GB" dirty="0"/>
           </a:p>
         </p:txBody>
       </p:sp>
     </p:spTree>
     <p:extLst>
       <p:ext uri="{BB962C8B-B14F-4D97-AF65-F5344CB8AC3E}">
-        <p14:creationId xmlns:p14="http://schemas.microsoft.com/office/powerpoint/2010/main" val="2852659052"/>
+        <p14:creationId xmlns:p14="http://schemas.microsoft.com/office/powerpoint/2010/main" val="2654507044"/>
       </p:ext>
     </p:extLst>
   </p:cSld>
   <p:clrMap bg1="lt1" tx1="dk1" bg2="lt2" tx2="dk2" accent1="accent1" accent2="accent2" accent3="accent3" accent4="accent4" accent5="accent5" accent6="accent6" hlink="hlink" folHlink="folHlink"/>
   <p:sldLayoutIdLst>
-    <p:sldLayoutId id="2147483661" r:id="rId1"/>
-    <p:sldLayoutId id="2147483662" r:id="rId2"/>
-    <p:sldLayoutId id="2147483663" r:id="rId3"/>
-    <p:sldLayoutId id="2147483664" r:id="rId4"/>
-    <p:sldLayoutId id="2147483665" r:id="rId5"/>
-    <p:sldLayoutId id="2147483666" r:id="rId6"/>
-    <p:sldLayoutId id="2147483667" r:id="rId7"/>
-    <p:sldLayoutId id="2147483668" r:id="rId8"/>
-    <p:sldLayoutId id="2147483669" r:id="rId9"/>
-    <p:sldLayoutId id="2147483670" r:id="rId10"/>
-    <p:sldLayoutId id="2147483671" r:id="rId11"/>
-    <p:sldLayoutId id="2147483672" r:id="rId12"/>
-    <p:sldLayoutId id="2147483673" r:id="rId13"/>
-    <p:sldLayoutId id="2147483674" r:id="rId14"/>
-    <p:sldLayoutId id="2147483675" r:id="rId15"/>
-    <p:sldLayoutId id="2147483676" r:id="rId16"/>
+    <p:sldLayoutId id="2147483729" r:id="rId1"/>
+    <p:sldLayoutId id="2147483730" r:id="rId2"/>
+    <p:sldLayoutId id="2147483731" r:id="rId3"/>
+    <p:sldLayoutId id="2147483732" r:id="rId4"/>
+    <p:sldLayoutId id="2147483733" r:id="rId5"/>
+    <p:sldLayoutId id="2147483734" r:id="rId6"/>
+    <p:sldLayoutId id="2147483735" r:id="rId7"/>
+    <p:sldLayoutId id="2147483736" r:id="rId8"/>
+    <p:sldLayoutId id="2147483737" r:id="rId9"/>
+    <p:sldLayoutId id="2147483738" r:id="rId10"/>
+    <p:sldLayoutId id="2147483739" r:id="rId11"/>
+    <p:sldLayoutId id="2147483740" r:id="rId12"/>
+    <p:sldLayoutId id="2147483741" r:id="rId13"/>
+    <p:sldLayoutId id="2147483742" r:id="rId14"/>
+    <p:sldLayoutId id="2147483743" r:id="rId15"/>
+    <p:sldLayoutId id="2147483744" r:id="rId16"/>
   </p:sldLayoutIdLst>
   <p:txStyles>
     <p:titleStyle>
@@ -5963,10 +5964,9 @@
           <a:lstStyle/>
           <a:p>
             <a:r>
-              <a:rPr lang="en-GB"/>
+              <a:rPr lang="en-GB" dirty="0"/>
               <a:t>Story</a:t>
             </a:r>
-            <a:endParaRPr lang="en-GB" dirty="0"/>
           </a:p>
         </p:txBody>
       </p:sp>
@@ -5999,18 +5999,28 @@
           <a:lstStyle/>
           <a:p>
             <a:r>
-              <a:rPr lang="en-GB"/>
+              <a:rPr lang="en-GB" dirty="0"/>
               <a:t>A games story is important to keeping players entertained. </a:t>
             </a:r>
           </a:p>
           <a:p>
             <a:r>
-              <a:rPr lang="en-GB"/>
-              <a:t>It doesn’t have to be long and in depth like God of War, it can be short and only serve to ad meaning to the gameplay like Mario.</a:t>
-            </a:r>
-          </a:p>
-          <a:p>
-            <a:endParaRPr lang="en-GB"/>
+              <a:rPr lang="en-GB" dirty="0"/>
+              <a:t>It doesn’t have to be long and in depth like God of War, it can be short and only serve to add meaning to the gameplay like Mario.</a:t>
+            </a:r>
+          </a:p>
+          <a:p>
+            <a:r>
+              <a:rPr lang="en-GB" dirty="0">
+                <a:solidFill>
+                  <a:srgbClr val="FF0000"/>
+                </a:solidFill>
+              </a:rPr>
+              <a:t>Mario’s story is simply save the princess and defeat Bowser   </a:t>
+            </a:r>
+          </a:p>
+          <a:p>
+            <a:endParaRPr lang="en-GB" dirty="0"/>
           </a:p>
           <a:p>
             <a:endParaRPr lang="en-GB" dirty="0"/>
@@ -6121,62 +6131,6 @@
           </a:extLst>
         </p:spPr>
       </p:pic>
-      <p:sp>
-        <p:nvSpPr>
-          <p:cNvPr id="71" name="Isosceles Triangle 70">
-            <a:extLst>
-              <a:ext uri="{FF2B5EF4-FFF2-40B4-BE49-F238E27FC236}">
-                <a16:creationId xmlns:a16="http://schemas.microsoft.com/office/drawing/2014/main" id="{3BCB5F6A-9EB0-40B0-9D13-3023E9A20508}"/>
-              </a:ext>
-              <a:ext uri="{C183D7F6-B498-43B3-948B-1728B52AA6E4}">
-                <adec:decorative xmlns:adec="http://schemas.microsoft.com/office/drawing/2017/decorative" val="1"/>
-              </a:ext>
-            </a:extLst>
-          </p:cNvPr>
-          <p:cNvSpPr>
-            <a:spLocks noGrp="1" noRot="1" noChangeAspect="1" noMove="1" noResize="1" noEditPoints="1" noAdjustHandles="1" noChangeArrowheads="1" noChangeShapeType="1" noTextEdit="1"/>
-          </p:cNvSpPr>
-          <p:nvPr>
-            <p:extLst>
-              <p:ext uri="{386F3935-93C4-4BCD-93E2-E3B085C9AB24}">
-                <p16:designElem xmlns:p16="http://schemas.microsoft.com/office/powerpoint/2015/main" val="1"/>
-              </p:ext>
-            </p:extLst>
-          </p:nvPr>
-        </p:nvSpPr>
-        <p:spPr>
-          <a:xfrm rot="10800000">
-            <a:off x="0" y="0"/>
-            <a:ext cx="842596" cy="5666154"/>
-          </a:xfrm>
-          <a:prstGeom prst="triangle">
-            <a:avLst>
-              <a:gd name="adj" fmla="val 100000"/>
-            </a:avLst>
-          </a:prstGeom>
-          <a:solidFill>
-            <a:schemeClr val="accent1"/>
-          </a:solidFill>
-          <a:ln>
-            <a:noFill/>
-          </a:ln>
-          <a:effectLst/>
-        </p:spPr>
-        <p:style>
-          <a:lnRef idx="1">
-            <a:schemeClr val="accent1"/>
-          </a:lnRef>
-          <a:fillRef idx="3">
-            <a:schemeClr val="accent1"/>
-          </a:fillRef>
-          <a:effectRef idx="2">
-            <a:schemeClr val="accent1"/>
-          </a:effectRef>
-          <a:fontRef idx="minor">
-            <a:schemeClr val="lt1"/>
-          </a:fontRef>
-        </p:style>
-      </p:sp>
     </p:spTree>
     <p:extLst>
       <p:ext uri="{BB962C8B-B14F-4D97-AF65-F5344CB8AC3E}">
@@ -6193,6 +6147,14 @@
 <file path=ppt/slides/slide11.xml><?xml version="1.0" encoding="utf-8"?>
 <p:sld xmlns:a="http://schemas.openxmlformats.org/drawingml/2006/main" xmlns:r="http://schemas.openxmlformats.org/officeDocument/2006/relationships" xmlns:p="http://schemas.openxmlformats.org/presentationml/2006/main">
   <p:cSld>
+    <p:bg>
+      <p:bgPr>
+        <a:solidFill>
+          <a:schemeClr val="bg2"/>
+        </a:solidFill>
+        <a:effectLst/>
+      </p:bgPr>
+    </p:bg>
     <p:spTree>
       <p:nvGrpSpPr>
         <p:cNvPr id="1" name=""/>
@@ -6212,7 +6174,7 @@
           <p:cNvPr id="2" name="Title 1">
             <a:extLst>
               <a:ext uri="{FF2B5EF4-FFF2-40B4-BE49-F238E27FC236}">
-                <a16:creationId xmlns:a16="http://schemas.microsoft.com/office/drawing/2014/main" id="{FE6B853C-218E-4F39-8F41-E8F74F7150E8}"/>
+                <a16:creationId xmlns:a16="http://schemas.microsoft.com/office/drawing/2014/main" id="{014BB250-3E11-4B25-886C-F96C0A889460}"/>
               </a:ext>
             </a:extLst>
           </p:cNvPr>
@@ -6223,14 +6185,21 @@
             <p:ph type="title"/>
           </p:nvPr>
         </p:nvSpPr>
-        <p:spPr/>
-        <p:txBody>
-          <a:bodyPr/>
-          <a:lstStyle/>
-          <a:p>
-            <a:r>
-              <a:rPr lang="en-GB" dirty="0"/>
-              <a:t>Sound</a:t>
+        <p:spPr>
+          <a:xfrm>
+            <a:off x="5536734" y="609600"/>
+            <a:ext cx="3737268" cy="1320800"/>
+          </a:xfrm>
+        </p:spPr>
+        <p:txBody>
+          <a:bodyPr vert="horz" lIns="91440" tIns="45720" rIns="91440" bIns="45720" rtlCol="0" anchor="t">
+            <a:normAutofit/>
+          </a:bodyPr>
+          <a:lstStyle/>
+          <a:p>
+            <a:r>
+              <a:rPr lang="en-US" dirty="0"/>
+              <a:t>Doom 1993</a:t>
             </a:r>
           </a:p>
         </p:txBody>
@@ -6240,7 +6209,7 @@
           <p:cNvPr id="3" name="Content Placeholder 2">
             <a:extLst>
               <a:ext uri="{FF2B5EF4-FFF2-40B4-BE49-F238E27FC236}">
-                <a16:creationId xmlns:a16="http://schemas.microsoft.com/office/drawing/2014/main" id="{A0B5A588-B146-485A-B674-33F73A2966A8}"/>
+                <a16:creationId xmlns:a16="http://schemas.microsoft.com/office/drawing/2014/main" id="{C2DF6234-5A46-4F00-ACFE-E6E377B09F94}"/>
               </a:ext>
             </a:extLst>
           </p:cNvPr>
@@ -6248,36 +6217,147 @@
             <a:spLocks noGrp="1"/>
           </p:cNvSpPr>
           <p:nvPr>
-            <p:ph idx="1"/>
-          </p:nvPr>
-        </p:nvSpPr>
-        <p:spPr/>
-        <p:txBody>
-          <a:bodyPr/>
-          <a:lstStyle/>
-          <a:p>
-            <a:r>
-              <a:rPr lang="en-GB" dirty="0"/>
-              <a:t>Ambient sound is a good way of making a world believable, whether it’s birds or wind it provides a realistic result with little effort.</a:t>
-            </a:r>
-          </a:p>
-          <a:p>
-            <a:r>
-              <a:rPr lang="en-GB" dirty="0"/>
-              <a:t>Gunshots are a more direct result of a players input. It acts as a confirmation that the player has called for the game to respond. </a:t>
-            </a:r>
-          </a:p>
-        </p:txBody>
-      </p:sp>
+            <p:ph sz="half" idx="1"/>
+          </p:nvPr>
+        </p:nvSpPr>
+        <p:spPr>
+          <a:xfrm>
+            <a:off x="5209563" y="2160589"/>
+            <a:ext cx="4064439" cy="3880773"/>
+          </a:xfrm>
+        </p:spPr>
+        <p:txBody>
+          <a:bodyPr vert="horz" lIns="91440" tIns="45720" rIns="91440" bIns="45720" rtlCol="0">
+            <a:normAutofit/>
+          </a:bodyPr>
+          <a:lstStyle/>
+          <a:p>
+            <a:r>
+              <a:rPr lang="en-US" dirty="0">
+                <a:solidFill>
+                  <a:srgbClr val="FF0000"/>
+                </a:solidFill>
+              </a:rPr>
+              <a:t>Doom is one of the many popular games made with Flash, and is one of to few FPS genre defining games in gaming.</a:t>
+            </a:r>
+          </a:p>
+          <a:p>
+            <a:r>
+              <a:rPr lang="en-US" dirty="0">
+                <a:solidFill>
+                  <a:srgbClr val="FF0000"/>
+                </a:solidFill>
+              </a:rPr>
+              <a:t>Doom’s story is simply to clear out the invading demons.</a:t>
+            </a:r>
+          </a:p>
+        </p:txBody>
+      </p:sp>
+      <p:pic>
+        <p:nvPicPr>
+          <p:cNvPr id="27" name="Content Placeholder 26" descr="A picture containing text, book, person, building&#10;&#10;Description generated with very high confidence">
+            <a:extLst>
+              <a:ext uri="{FF2B5EF4-FFF2-40B4-BE49-F238E27FC236}">
+                <a16:creationId xmlns:a16="http://schemas.microsoft.com/office/drawing/2014/main" id="{AAB9708E-B0D5-48CE-9C3A-5FBF70BACB4C}"/>
+              </a:ext>
+            </a:extLst>
+          </p:cNvPr>
+          <p:cNvPicPr>
+            <a:picLocks noGrp="1" noChangeAspect="1"/>
+          </p:cNvPicPr>
+          <p:nvPr>
+            <p:ph sz="half" idx="2"/>
+          </p:nvPr>
+        </p:nvPicPr>
+        <p:blipFill rotWithShape="1">
+          <a:blip r:embed="rId2">
+            <a:extLst>
+              <a:ext uri="{28A0092B-C50C-407E-A947-70E740481C1C}">
+                <a14:useLocalDpi xmlns:a14="http://schemas.microsoft.com/office/drawing/2010/main" val="0"/>
+              </a:ext>
+            </a:extLst>
+          </a:blip>
+          <a:srcRect l="28578" r="18912" b="-2"/>
+          <a:stretch/>
+        </p:blipFill>
+        <p:spPr>
+          <a:xfrm>
+            <a:off x="20" y="-1"/>
+            <a:ext cx="5394940" cy="6858001"/>
+          </a:xfrm>
+          <a:custGeom>
+            <a:avLst/>
+            <a:gdLst>
+              <a:gd name="connsiteX0" fmla="*/ 842596 w 5394960"/>
+              <a:gd name="connsiteY0" fmla="*/ 0 h 6858000"/>
+              <a:gd name="connsiteX1" fmla="*/ 5394960 w 5394960"/>
+              <a:gd name="connsiteY1" fmla="*/ 0 h 6858000"/>
+              <a:gd name="connsiteX2" fmla="*/ 5394960 w 5394960"/>
+              <a:gd name="connsiteY2" fmla="*/ 21851 h 6858000"/>
+              <a:gd name="connsiteX3" fmla="*/ 4365943 w 5394960"/>
+              <a:gd name="connsiteY3" fmla="*/ 6858000 h 6858000"/>
+              <a:gd name="connsiteX4" fmla="*/ 0 w 5394960"/>
+              <a:gd name="connsiteY4" fmla="*/ 6858000 h 6858000"/>
+              <a:gd name="connsiteX5" fmla="*/ 0 w 5394960"/>
+              <a:gd name="connsiteY5" fmla="*/ 5666154 h 6858000"/>
+            </a:gdLst>
+            <a:ahLst/>
+            <a:cxnLst>
+              <a:cxn ang="0">
+                <a:pos x="connsiteX0" y="connsiteY0"/>
+              </a:cxn>
+              <a:cxn ang="0">
+                <a:pos x="connsiteX1" y="connsiteY1"/>
+              </a:cxn>
+              <a:cxn ang="0">
+                <a:pos x="connsiteX2" y="connsiteY2"/>
+              </a:cxn>
+              <a:cxn ang="0">
+                <a:pos x="connsiteX3" y="connsiteY3"/>
+              </a:cxn>
+              <a:cxn ang="0">
+                <a:pos x="connsiteX4" y="connsiteY4"/>
+              </a:cxn>
+              <a:cxn ang="0">
+                <a:pos x="connsiteX5" y="connsiteY5"/>
+              </a:cxn>
+            </a:cxnLst>
+            <a:rect l="l" t="t" r="r" b="b"/>
+            <a:pathLst>
+              <a:path w="5394960" h="6858000">
+                <a:moveTo>
+                  <a:pt x="842596" y="0"/>
+                </a:moveTo>
+                <a:lnTo>
+                  <a:pt x="5394960" y="0"/>
+                </a:lnTo>
+                <a:lnTo>
+                  <a:pt x="5394960" y="21851"/>
+                </a:lnTo>
+                <a:lnTo>
+                  <a:pt x="4365943" y="6858000"/>
+                </a:lnTo>
+                <a:lnTo>
+                  <a:pt x="0" y="6858000"/>
+                </a:lnTo>
+                <a:lnTo>
+                  <a:pt x="0" y="5666154"/>
+                </a:lnTo>
+                <a:close/>
+              </a:path>
+            </a:pathLst>
+          </a:custGeom>
+        </p:spPr>
+      </p:pic>
     </p:spTree>
     <p:extLst>
       <p:ext uri="{BB962C8B-B14F-4D97-AF65-F5344CB8AC3E}">
-        <p14:creationId xmlns:p14="http://schemas.microsoft.com/office/powerpoint/2010/main" val="3533202544"/>
+        <p14:creationId xmlns:p14="http://schemas.microsoft.com/office/powerpoint/2010/main" val="1343612488"/>
       </p:ext>
     </p:extLst>
   </p:cSld>
   <p:clrMapOvr>
-    <a:masterClrMapping/>
+    <a:overrideClrMapping bg1="dk1" tx1="lt1" bg2="dk2" tx2="lt2" accent1="accent1" accent2="accent2" accent3="accent3" accent4="accent4" accent5="accent5" accent6="accent6" hlink="hlink" folHlink="folHlink"/>
   </p:clrMapOvr>
 </p:sld>
 </file>
@@ -6304,6 +6384,98 @@
           <p:cNvPr id="2" name="Title 1">
             <a:extLst>
               <a:ext uri="{FF2B5EF4-FFF2-40B4-BE49-F238E27FC236}">
+                <a16:creationId xmlns:a16="http://schemas.microsoft.com/office/drawing/2014/main" id="{FE6B853C-218E-4F39-8F41-E8F74F7150E8}"/>
+              </a:ext>
+            </a:extLst>
+          </p:cNvPr>
+          <p:cNvSpPr>
+            <a:spLocks noGrp="1"/>
+          </p:cNvSpPr>
+          <p:nvPr>
+            <p:ph type="title"/>
+          </p:nvPr>
+        </p:nvSpPr>
+        <p:spPr/>
+        <p:txBody>
+          <a:bodyPr/>
+          <a:lstStyle/>
+          <a:p>
+            <a:r>
+              <a:rPr lang="en-GB" dirty="0"/>
+              <a:t>Sound</a:t>
+            </a:r>
+          </a:p>
+        </p:txBody>
+      </p:sp>
+      <p:sp>
+        <p:nvSpPr>
+          <p:cNvPr id="3" name="Content Placeholder 2">
+            <a:extLst>
+              <a:ext uri="{FF2B5EF4-FFF2-40B4-BE49-F238E27FC236}">
+                <a16:creationId xmlns:a16="http://schemas.microsoft.com/office/drawing/2014/main" id="{A0B5A588-B146-485A-B674-33F73A2966A8}"/>
+              </a:ext>
+            </a:extLst>
+          </p:cNvPr>
+          <p:cNvSpPr>
+            <a:spLocks noGrp="1"/>
+          </p:cNvSpPr>
+          <p:nvPr>
+            <p:ph idx="1"/>
+          </p:nvPr>
+        </p:nvSpPr>
+        <p:spPr/>
+        <p:txBody>
+          <a:bodyPr/>
+          <a:lstStyle/>
+          <a:p>
+            <a:r>
+              <a:rPr lang="en-GB" dirty="0"/>
+              <a:t>Ambient sound is a good way of making a world believable, whether it’s birds or wind it provides a realistic result with little effort.</a:t>
+            </a:r>
+          </a:p>
+          <a:p>
+            <a:r>
+              <a:rPr lang="en-GB" dirty="0"/>
+              <a:t>Gunshots are a more direct result of a players input. It acts as a confirmation that the player has called for the game to respond. </a:t>
+            </a:r>
+          </a:p>
+        </p:txBody>
+      </p:sp>
+    </p:spTree>
+    <p:extLst>
+      <p:ext uri="{BB962C8B-B14F-4D97-AF65-F5344CB8AC3E}">
+        <p14:creationId xmlns:p14="http://schemas.microsoft.com/office/powerpoint/2010/main" val="3533202544"/>
+      </p:ext>
+    </p:extLst>
+  </p:cSld>
+  <p:clrMapOvr>
+    <a:masterClrMapping/>
+  </p:clrMapOvr>
+</p:sld>
+</file>
+
+<file path=ppt/slides/slide13.xml><?xml version="1.0" encoding="utf-8"?>
+<p:sld xmlns:a="http://schemas.openxmlformats.org/drawingml/2006/main" xmlns:r="http://schemas.openxmlformats.org/officeDocument/2006/relationships" xmlns:p="http://schemas.openxmlformats.org/presentationml/2006/main">
+  <p:cSld>
+    <p:spTree>
+      <p:nvGrpSpPr>
+        <p:cNvPr id="1" name=""/>
+        <p:cNvGrpSpPr/>
+        <p:nvPr/>
+      </p:nvGrpSpPr>
+      <p:grpSpPr>
+        <a:xfrm>
+          <a:off x="0" y="0"/>
+          <a:ext cx="0" cy="0"/>
+          <a:chOff x="0" y="0"/>
+          <a:chExt cx="0" cy="0"/>
+        </a:xfrm>
+      </p:grpSpPr>
+      <p:sp>
+        <p:nvSpPr>
+          <p:cNvPr id="2" name="Title 1">
+            <a:extLst>
+              <a:ext uri="{FF2B5EF4-FFF2-40B4-BE49-F238E27FC236}">
                 <a16:creationId xmlns:a16="http://schemas.microsoft.com/office/drawing/2014/main" id="{E29ABF18-1251-4CB2-8400-B38A728C60FE}"/>
               </a:ext>
             </a:extLst>
@@ -6458,11 +6630,7 @@
           <a:p>
             <a:r>
               <a:rPr lang="en-GB" dirty="0"/>
-              <a:t>They can be used to give the player an idea of how </a:t>
-            </a:r>
-            <a:r>
-              <a:rPr lang="en-GB"/>
-              <a:t>to compete tasks.</a:t>
+              <a:t>They can be used to give the player an idea of how to compete tasks.</a:t>
             </a:r>
           </a:p>
         </p:txBody>
@@ -6471,6 +6639,1363 @@
     <p:extLst>
       <p:ext uri="{BB962C8B-B14F-4D97-AF65-F5344CB8AC3E}">
         <p14:creationId xmlns:p14="http://schemas.microsoft.com/office/powerpoint/2010/main" val="3961245568"/>
+      </p:ext>
+    </p:extLst>
+  </p:cSld>
+  <p:clrMapOvr>
+    <a:masterClrMapping/>
+  </p:clrMapOvr>
+</p:sld>
+</file>
+
+<file path=ppt/slides/slide14.xml><?xml version="1.0" encoding="utf-8"?>
+<p:sld xmlns:a="http://schemas.openxmlformats.org/drawingml/2006/main" xmlns:r="http://schemas.openxmlformats.org/officeDocument/2006/relationships" xmlns:p="http://schemas.openxmlformats.org/presentationml/2006/main">
+  <p:cSld>
+    <p:spTree>
+      <p:nvGrpSpPr>
+        <p:cNvPr id="1" name=""/>
+        <p:cNvGrpSpPr/>
+        <p:nvPr/>
+      </p:nvGrpSpPr>
+      <p:grpSpPr>
+        <a:xfrm>
+          <a:off x="0" y="0"/>
+          <a:ext cx="0" cy="0"/>
+          <a:chOff x="0" y="0"/>
+          <a:chExt cx="0" cy="0"/>
+        </a:xfrm>
+      </p:grpSpPr>
+      <p:sp>
+        <p:nvSpPr>
+          <p:cNvPr id="2" name="Title 1">
+            <a:extLst>
+              <a:ext uri="{FF2B5EF4-FFF2-40B4-BE49-F238E27FC236}">
+                <a16:creationId xmlns:a16="http://schemas.microsoft.com/office/drawing/2014/main" id="{9DBDF685-270C-4578-999A-92BF90BC15FB}"/>
+              </a:ext>
+            </a:extLst>
+          </p:cNvPr>
+          <p:cNvSpPr>
+            <a:spLocks noGrp="1"/>
+          </p:cNvSpPr>
+          <p:nvPr>
+            <p:ph type="title"/>
+          </p:nvPr>
+        </p:nvSpPr>
+        <p:spPr>
+          <a:xfrm>
+            <a:off x="677334" y="609600"/>
+            <a:ext cx="8596668" cy="757806"/>
+          </a:xfrm>
+        </p:spPr>
+        <p:txBody>
+          <a:bodyPr/>
+          <a:lstStyle/>
+          <a:p>
+            <a:r>
+              <a:rPr lang="en-GB" dirty="0"/>
+              <a:t>How Games Are Made in Flash</a:t>
+            </a:r>
+          </a:p>
+        </p:txBody>
+      </p:sp>
+      <p:graphicFrame>
+        <p:nvGraphicFramePr>
+          <p:cNvPr id="7" name="Content Placeholder 6">
+            <a:extLst>
+              <a:ext uri="{FF2B5EF4-FFF2-40B4-BE49-F238E27FC236}">
+                <a16:creationId xmlns:a16="http://schemas.microsoft.com/office/drawing/2014/main" id="{72F8EFA2-C20F-403A-944B-DBC45EB48047}"/>
+              </a:ext>
+            </a:extLst>
+          </p:cNvPr>
+          <p:cNvGraphicFramePr>
+            <a:graphicFrameLocks noGrp="1"/>
+          </p:cNvGraphicFramePr>
+          <p:nvPr>
+            <p:ph idx="1"/>
+            <p:extLst>
+              <p:ext uri="{D42A27DB-BD31-4B8C-83A1-F6EECF244321}">
+                <p14:modId xmlns:p14="http://schemas.microsoft.com/office/powerpoint/2010/main" val="2872319513"/>
+              </p:ext>
+            </p:extLst>
+          </p:nvPr>
+        </p:nvGraphicFramePr>
+        <p:xfrm>
+          <a:off x="677863" y="2160588"/>
+          <a:ext cx="8825733" cy="4043680"/>
+        </p:xfrm>
+        <a:graphic>
+          <a:graphicData uri="http://schemas.openxmlformats.org/drawingml/2006/table">
+            <a:tbl>
+              <a:tblPr firstRow="1" firstCol="1" bandRow="1">
+                <a:tableStyleId>{5C22544A-7EE6-4342-B048-85BDC9FD1C3A}</a:tableStyleId>
+              </a:tblPr>
+              <a:tblGrid>
+                <a:gridCol w="1285161">
+                  <a:extLst>
+                    <a:ext uri="{9D8B030D-6E8A-4147-A177-3AD203B41FA5}">
+                      <a16:colId xmlns:a16="http://schemas.microsoft.com/office/drawing/2014/main" val="751203606"/>
+                    </a:ext>
+                  </a:extLst>
+                </a:gridCol>
+                <a:gridCol w="507225">
+                  <a:extLst>
+                    <a:ext uri="{9D8B030D-6E8A-4147-A177-3AD203B41FA5}">
+                      <a16:colId xmlns:a16="http://schemas.microsoft.com/office/drawing/2014/main" val="2758846838"/>
+                    </a:ext>
+                  </a:extLst>
+                </a:gridCol>
+                <a:gridCol w="781483">
+                  <a:extLst>
+                    <a:ext uri="{9D8B030D-6E8A-4147-A177-3AD203B41FA5}">
+                      <a16:colId xmlns:a16="http://schemas.microsoft.com/office/drawing/2014/main" val="1417490160"/>
+                    </a:ext>
+                  </a:extLst>
+                </a:gridCol>
+                <a:gridCol w="781483">
+                  <a:extLst>
+                    <a:ext uri="{9D8B030D-6E8A-4147-A177-3AD203B41FA5}">
+                      <a16:colId xmlns:a16="http://schemas.microsoft.com/office/drawing/2014/main" val="1664807031"/>
+                    </a:ext>
+                  </a:extLst>
+                </a:gridCol>
+                <a:gridCol w="781483">
+                  <a:extLst>
+                    <a:ext uri="{9D8B030D-6E8A-4147-A177-3AD203B41FA5}">
+                      <a16:colId xmlns:a16="http://schemas.microsoft.com/office/drawing/2014/main" val="2547082457"/>
+                    </a:ext>
+                  </a:extLst>
+                </a:gridCol>
+                <a:gridCol w="781483">
+                  <a:extLst>
+                    <a:ext uri="{9D8B030D-6E8A-4147-A177-3AD203B41FA5}">
+                      <a16:colId xmlns:a16="http://schemas.microsoft.com/office/drawing/2014/main" val="2820393987"/>
+                    </a:ext>
+                  </a:extLst>
+                </a:gridCol>
+                <a:gridCol w="781483">
+                  <a:extLst>
+                    <a:ext uri="{9D8B030D-6E8A-4147-A177-3AD203B41FA5}">
+                      <a16:colId xmlns:a16="http://schemas.microsoft.com/office/drawing/2014/main" val="3348642086"/>
+                    </a:ext>
+                  </a:extLst>
+                </a:gridCol>
+                <a:gridCol w="781483">
+                  <a:extLst>
+                    <a:ext uri="{9D8B030D-6E8A-4147-A177-3AD203B41FA5}">
+                      <a16:colId xmlns:a16="http://schemas.microsoft.com/office/drawing/2014/main" val="2744365351"/>
+                    </a:ext>
+                  </a:extLst>
+                </a:gridCol>
+                <a:gridCol w="781483">
+                  <a:extLst>
+                    <a:ext uri="{9D8B030D-6E8A-4147-A177-3AD203B41FA5}">
+                      <a16:colId xmlns:a16="http://schemas.microsoft.com/office/drawing/2014/main" val="1054138075"/>
+                    </a:ext>
+                  </a:extLst>
+                </a:gridCol>
+                <a:gridCol w="781483">
+                  <a:extLst>
+                    <a:ext uri="{9D8B030D-6E8A-4147-A177-3AD203B41FA5}">
+                      <a16:colId xmlns:a16="http://schemas.microsoft.com/office/drawing/2014/main" val="791103618"/>
+                    </a:ext>
+                  </a:extLst>
+                </a:gridCol>
+                <a:gridCol w="781483">
+                  <a:extLst>
+                    <a:ext uri="{9D8B030D-6E8A-4147-A177-3AD203B41FA5}">
+                      <a16:colId xmlns:a16="http://schemas.microsoft.com/office/drawing/2014/main" val="2412057988"/>
+                    </a:ext>
+                  </a:extLst>
+                </a:gridCol>
+              </a:tblGrid>
+              <a:tr h="370840">
+                <a:tc>
+                  <a:txBody>
+                    <a:bodyPr/>
+                    <a:lstStyle/>
+                    <a:p>
+                      <a:r>
+                        <a:rPr lang="en-GB" dirty="0"/>
+                        <a:t>Time</a:t>
+                      </a:r>
+                    </a:p>
+                  </a:txBody>
+                  <a:tcPr/>
+                </a:tc>
+                <a:tc>
+                  <a:txBody>
+                    <a:bodyPr/>
+                    <a:lstStyle/>
+                    <a:p>
+                      <a:r>
+                        <a:rPr lang="en-GB" dirty="0"/>
+                        <a:t>10%</a:t>
+                      </a:r>
+                    </a:p>
+                  </a:txBody>
+                  <a:tcPr/>
+                </a:tc>
+                <a:tc>
+                  <a:txBody>
+                    <a:bodyPr/>
+                    <a:lstStyle/>
+                    <a:p>
+                      <a:r>
+                        <a:rPr lang="en-GB" dirty="0"/>
+                        <a:t>20%</a:t>
+                      </a:r>
+                    </a:p>
+                  </a:txBody>
+                  <a:tcPr/>
+                </a:tc>
+                <a:tc>
+                  <a:txBody>
+                    <a:bodyPr/>
+                    <a:lstStyle/>
+                    <a:p>
+                      <a:r>
+                        <a:rPr lang="en-GB" dirty="0"/>
+                        <a:t>30%</a:t>
+                      </a:r>
+                    </a:p>
+                  </a:txBody>
+                  <a:tcPr/>
+                </a:tc>
+                <a:tc>
+                  <a:txBody>
+                    <a:bodyPr/>
+                    <a:lstStyle/>
+                    <a:p>
+                      <a:r>
+                        <a:rPr lang="en-GB" dirty="0"/>
+                        <a:t>40%</a:t>
+                      </a:r>
+                    </a:p>
+                  </a:txBody>
+                  <a:tcPr/>
+                </a:tc>
+                <a:tc>
+                  <a:txBody>
+                    <a:bodyPr/>
+                    <a:lstStyle/>
+                    <a:p>
+                      <a:r>
+                        <a:rPr lang="en-GB" dirty="0"/>
+                        <a:t>50%</a:t>
+                      </a:r>
+                    </a:p>
+                  </a:txBody>
+                  <a:tcPr/>
+                </a:tc>
+                <a:tc>
+                  <a:txBody>
+                    <a:bodyPr/>
+                    <a:lstStyle/>
+                    <a:p>
+                      <a:r>
+                        <a:rPr lang="en-GB" dirty="0"/>
+                        <a:t>60%</a:t>
+                      </a:r>
+                    </a:p>
+                  </a:txBody>
+                  <a:tcPr/>
+                </a:tc>
+                <a:tc>
+                  <a:txBody>
+                    <a:bodyPr/>
+                    <a:lstStyle/>
+                    <a:p>
+                      <a:r>
+                        <a:rPr lang="en-GB" dirty="0"/>
+                        <a:t>70%</a:t>
+                      </a:r>
+                    </a:p>
+                  </a:txBody>
+                  <a:tcPr/>
+                </a:tc>
+                <a:tc>
+                  <a:txBody>
+                    <a:bodyPr/>
+                    <a:lstStyle/>
+                    <a:p>
+                      <a:r>
+                        <a:rPr lang="en-GB" dirty="0"/>
+                        <a:t>80%</a:t>
+                      </a:r>
+                    </a:p>
+                  </a:txBody>
+                  <a:tcPr/>
+                </a:tc>
+                <a:tc>
+                  <a:txBody>
+                    <a:bodyPr/>
+                    <a:lstStyle/>
+                    <a:p>
+                      <a:r>
+                        <a:rPr lang="en-GB" dirty="0"/>
+                        <a:t>90%</a:t>
+                      </a:r>
+                    </a:p>
+                  </a:txBody>
+                  <a:tcPr/>
+                </a:tc>
+                <a:tc>
+                  <a:txBody>
+                    <a:bodyPr/>
+                    <a:lstStyle/>
+                    <a:p>
+                      <a:r>
+                        <a:rPr lang="en-GB" dirty="0"/>
+                        <a:t>100%</a:t>
+                      </a:r>
+                    </a:p>
+                  </a:txBody>
+                  <a:tcPr/>
+                </a:tc>
+                <a:extLst>
+                  <a:ext uri="{0D108BD9-81ED-4DB2-BD59-A6C34878D82A}">
+                    <a16:rowId xmlns:a16="http://schemas.microsoft.com/office/drawing/2014/main" val="2848235493"/>
+                  </a:ext>
+                </a:extLst>
+              </a:tr>
+              <a:tr h="370840">
+                <a:tc>
+                  <a:txBody>
+                    <a:bodyPr/>
+                    <a:lstStyle/>
+                    <a:p>
+                      <a:r>
+                        <a:rPr lang="en-GB" dirty="0"/>
+                        <a:t>Original Concept</a:t>
+                      </a:r>
+                    </a:p>
+                  </a:txBody>
+                  <a:tcPr/>
+                </a:tc>
+                <a:tc>
+                  <a:txBody>
+                    <a:bodyPr/>
+                    <a:lstStyle/>
+                    <a:p>
+                      <a:endParaRPr lang="en-GB" dirty="0">
+                        <a:solidFill>
+                          <a:srgbClr val="FF0000"/>
+                        </a:solidFill>
+                        <a:highlight>
+                          <a:srgbClr val="FFFF00"/>
+                        </a:highlight>
+                      </a:endParaRPr>
+                    </a:p>
+                  </a:txBody>
+                  <a:tcPr>
+                    <a:solidFill>
+                      <a:srgbClr val="00B050"/>
+                    </a:solidFill>
+                  </a:tcPr>
+                </a:tc>
+                <a:tc>
+                  <a:txBody>
+                    <a:bodyPr/>
+                    <a:lstStyle/>
+                    <a:p>
+                      <a:endParaRPr lang="en-GB" dirty="0"/>
+                    </a:p>
+                  </a:txBody>
+                  <a:tcPr/>
+                </a:tc>
+                <a:tc>
+                  <a:txBody>
+                    <a:bodyPr/>
+                    <a:lstStyle/>
+                    <a:p>
+                      <a:endParaRPr lang="en-GB" dirty="0"/>
+                    </a:p>
+                  </a:txBody>
+                  <a:tcPr/>
+                </a:tc>
+                <a:tc>
+                  <a:txBody>
+                    <a:bodyPr/>
+                    <a:lstStyle/>
+                    <a:p>
+                      <a:endParaRPr lang="en-GB" dirty="0"/>
+                    </a:p>
+                  </a:txBody>
+                  <a:tcPr/>
+                </a:tc>
+                <a:tc>
+                  <a:txBody>
+                    <a:bodyPr/>
+                    <a:lstStyle/>
+                    <a:p>
+                      <a:endParaRPr lang="en-GB" dirty="0"/>
+                    </a:p>
+                  </a:txBody>
+                  <a:tcPr/>
+                </a:tc>
+                <a:tc>
+                  <a:txBody>
+                    <a:bodyPr/>
+                    <a:lstStyle/>
+                    <a:p>
+                      <a:endParaRPr lang="en-GB" dirty="0"/>
+                    </a:p>
+                  </a:txBody>
+                  <a:tcPr/>
+                </a:tc>
+                <a:tc>
+                  <a:txBody>
+                    <a:bodyPr/>
+                    <a:lstStyle/>
+                    <a:p>
+                      <a:endParaRPr lang="en-GB" dirty="0"/>
+                    </a:p>
+                  </a:txBody>
+                  <a:tcPr/>
+                </a:tc>
+                <a:tc>
+                  <a:txBody>
+                    <a:bodyPr/>
+                    <a:lstStyle/>
+                    <a:p>
+                      <a:endParaRPr lang="en-GB" dirty="0"/>
+                    </a:p>
+                  </a:txBody>
+                  <a:tcPr/>
+                </a:tc>
+                <a:tc>
+                  <a:txBody>
+                    <a:bodyPr/>
+                    <a:lstStyle/>
+                    <a:p>
+                      <a:endParaRPr lang="en-GB" dirty="0"/>
+                    </a:p>
+                  </a:txBody>
+                  <a:tcPr/>
+                </a:tc>
+                <a:tc>
+                  <a:txBody>
+                    <a:bodyPr/>
+                    <a:lstStyle/>
+                    <a:p>
+                      <a:endParaRPr lang="en-GB" dirty="0"/>
+                    </a:p>
+                  </a:txBody>
+                  <a:tcPr/>
+                </a:tc>
+                <a:extLst>
+                  <a:ext uri="{0D108BD9-81ED-4DB2-BD59-A6C34878D82A}">
+                    <a16:rowId xmlns:a16="http://schemas.microsoft.com/office/drawing/2014/main" val="4054875603"/>
+                  </a:ext>
+                </a:extLst>
+              </a:tr>
+              <a:tr h="370840">
+                <a:tc>
+                  <a:txBody>
+                    <a:bodyPr/>
+                    <a:lstStyle/>
+                    <a:p>
+                      <a:r>
+                        <a:rPr lang="en-GB" dirty="0"/>
+                        <a:t>Asset Creation</a:t>
+                      </a:r>
+                    </a:p>
+                  </a:txBody>
+                  <a:tcPr/>
+                </a:tc>
+                <a:tc>
+                  <a:txBody>
+                    <a:bodyPr/>
+                    <a:lstStyle/>
+                    <a:p>
+                      <a:endParaRPr lang="en-GB" dirty="0"/>
+                    </a:p>
+                  </a:txBody>
+                  <a:tcPr/>
+                </a:tc>
+                <a:tc>
+                  <a:txBody>
+                    <a:bodyPr/>
+                    <a:lstStyle/>
+                    <a:p>
+                      <a:endParaRPr lang="en-GB" dirty="0"/>
+                    </a:p>
+                  </a:txBody>
+                  <a:tcPr>
+                    <a:solidFill>
+                      <a:srgbClr val="00B050"/>
+                    </a:solidFill>
+                  </a:tcPr>
+                </a:tc>
+                <a:tc>
+                  <a:txBody>
+                    <a:bodyPr/>
+                    <a:lstStyle/>
+                    <a:p>
+                      <a:endParaRPr lang="en-GB" dirty="0"/>
+                    </a:p>
+                  </a:txBody>
+                  <a:tcPr>
+                    <a:solidFill>
+                      <a:srgbClr val="00B050"/>
+                    </a:solidFill>
+                  </a:tcPr>
+                </a:tc>
+                <a:tc>
+                  <a:txBody>
+                    <a:bodyPr/>
+                    <a:lstStyle/>
+                    <a:p>
+                      <a:endParaRPr lang="en-GB" dirty="0"/>
+                    </a:p>
+                  </a:txBody>
+                  <a:tcPr>
+                    <a:solidFill>
+                      <a:srgbClr val="00B050"/>
+                    </a:solidFill>
+                  </a:tcPr>
+                </a:tc>
+                <a:tc>
+                  <a:txBody>
+                    <a:bodyPr/>
+                    <a:lstStyle/>
+                    <a:p>
+                      <a:endParaRPr lang="en-GB" dirty="0"/>
+                    </a:p>
+                  </a:txBody>
+                  <a:tcPr>
+                    <a:solidFill>
+                      <a:srgbClr val="00B050"/>
+                    </a:solidFill>
+                  </a:tcPr>
+                </a:tc>
+                <a:tc>
+                  <a:txBody>
+                    <a:bodyPr/>
+                    <a:lstStyle/>
+                    <a:p>
+                      <a:endParaRPr lang="en-GB" dirty="0"/>
+                    </a:p>
+                  </a:txBody>
+                  <a:tcPr>
+                    <a:solidFill>
+                      <a:srgbClr val="00B050"/>
+                    </a:solidFill>
+                  </a:tcPr>
+                </a:tc>
+                <a:tc>
+                  <a:txBody>
+                    <a:bodyPr/>
+                    <a:lstStyle/>
+                    <a:p>
+                      <a:endParaRPr lang="en-GB" dirty="0"/>
+                    </a:p>
+                  </a:txBody>
+                  <a:tcPr>
+                    <a:solidFill>
+                      <a:srgbClr val="00B050"/>
+                    </a:solidFill>
+                  </a:tcPr>
+                </a:tc>
+                <a:tc>
+                  <a:txBody>
+                    <a:bodyPr/>
+                    <a:lstStyle/>
+                    <a:p>
+                      <a:endParaRPr lang="en-GB" dirty="0"/>
+                    </a:p>
+                  </a:txBody>
+                  <a:tcPr>
+                    <a:noFill/>
+                  </a:tcPr>
+                </a:tc>
+                <a:tc>
+                  <a:txBody>
+                    <a:bodyPr/>
+                    <a:lstStyle/>
+                    <a:p>
+                      <a:endParaRPr lang="en-GB" dirty="0"/>
+                    </a:p>
+                  </a:txBody>
+                  <a:tcPr/>
+                </a:tc>
+                <a:tc>
+                  <a:txBody>
+                    <a:bodyPr/>
+                    <a:lstStyle/>
+                    <a:p>
+                      <a:endParaRPr lang="en-GB" dirty="0"/>
+                    </a:p>
+                  </a:txBody>
+                  <a:tcPr/>
+                </a:tc>
+                <a:extLst>
+                  <a:ext uri="{0D108BD9-81ED-4DB2-BD59-A6C34878D82A}">
+                    <a16:rowId xmlns:a16="http://schemas.microsoft.com/office/drawing/2014/main" val="3580205115"/>
+                  </a:ext>
+                </a:extLst>
+              </a:tr>
+              <a:tr h="370840">
+                <a:tc>
+                  <a:txBody>
+                    <a:bodyPr/>
+                    <a:lstStyle/>
+                    <a:p>
+                      <a:r>
+                        <a:rPr lang="en-GB" dirty="0"/>
+                        <a:t>Prototype</a:t>
+                      </a:r>
+                    </a:p>
+                  </a:txBody>
+                  <a:tcPr/>
+                </a:tc>
+                <a:tc>
+                  <a:txBody>
+                    <a:bodyPr/>
+                    <a:lstStyle/>
+                    <a:p>
+                      <a:endParaRPr lang="en-GB" dirty="0"/>
+                    </a:p>
+                  </a:txBody>
+                  <a:tcPr/>
+                </a:tc>
+                <a:tc>
+                  <a:txBody>
+                    <a:bodyPr/>
+                    <a:lstStyle/>
+                    <a:p>
+                      <a:endParaRPr lang="en-GB" dirty="0"/>
+                    </a:p>
+                  </a:txBody>
+                  <a:tcPr/>
+                </a:tc>
+                <a:tc>
+                  <a:txBody>
+                    <a:bodyPr/>
+                    <a:lstStyle/>
+                    <a:p>
+                      <a:endParaRPr lang="en-GB" dirty="0"/>
+                    </a:p>
+                  </a:txBody>
+                  <a:tcPr>
+                    <a:solidFill>
+                      <a:srgbClr val="00B050"/>
+                    </a:solidFill>
+                  </a:tcPr>
+                </a:tc>
+                <a:tc>
+                  <a:txBody>
+                    <a:bodyPr/>
+                    <a:lstStyle/>
+                    <a:p>
+                      <a:endParaRPr lang="en-GB" dirty="0"/>
+                    </a:p>
+                  </a:txBody>
+                  <a:tcPr>
+                    <a:solidFill>
+                      <a:srgbClr val="00B050"/>
+                    </a:solidFill>
+                  </a:tcPr>
+                </a:tc>
+                <a:tc>
+                  <a:txBody>
+                    <a:bodyPr/>
+                    <a:lstStyle/>
+                    <a:p>
+                      <a:endParaRPr lang="en-GB" dirty="0"/>
+                    </a:p>
+                  </a:txBody>
+                  <a:tcPr/>
+                </a:tc>
+                <a:tc>
+                  <a:txBody>
+                    <a:bodyPr/>
+                    <a:lstStyle/>
+                    <a:p>
+                      <a:endParaRPr lang="en-GB" dirty="0"/>
+                    </a:p>
+                  </a:txBody>
+                  <a:tcPr/>
+                </a:tc>
+                <a:tc>
+                  <a:txBody>
+                    <a:bodyPr/>
+                    <a:lstStyle/>
+                    <a:p>
+                      <a:endParaRPr lang="en-GB" dirty="0"/>
+                    </a:p>
+                  </a:txBody>
+                  <a:tcPr/>
+                </a:tc>
+                <a:tc>
+                  <a:txBody>
+                    <a:bodyPr/>
+                    <a:lstStyle/>
+                    <a:p>
+                      <a:endParaRPr lang="en-GB" dirty="0"/>
+                    </a:p>
+                  </a:txBody>
+                  <a:tcPr/>
+                </a:tc>
+                <a:tc>
+                  <a:txBody>
+                    <a:bodyPr/>
+                    <a:lstStyle/>
+                    <a:p>
+                      <a:endParaRPr lang="en-GB" dirty="0"/>
+                    </a:p>
+                  </a:txBody>
+                  <a:tcPr/>
+                </a:tc>
+                <a:tc>
+                  <a:txBody>
+                    <a:bodyPr/>
+                    <a:lstStyle/>
+                    <a:p>
+                      <a:endParaRPr lang="en-GB" dirty="0"/>
+                    </a:p>
+                  </a:txBody>
+                  <a:tcPr/>
+                </a:tc>
+                <a:extLst>
+                  <a:ext uri="{0D108BD9-81ED-4DB2-BD59-A6C34878D82A}">
+                    <a16:rowId xmlns:a16="http://schemas.microsoft.com/office/drawing/2014/main" val="802590354"/>
+                  </a:ext>
+                </a:extLst>
+              </a:tr>
+              <a:tr h="370840">
+                <a:tc>
+                  <a:txBody>
+                    <a:bodyPr/>
+                    <a:lstStyle/>
+                    <a:p>
+                      <a:r>
+                        <a:rPr lang="en-GB" dirty="0"/>
+                        <a:t>Alpha</a:t>
+                      </a:r>
+                    </a:p>
+                  </a:txBody>
+                  <a:tcPr/>
+                </a:tc>
+                <a:tc>
+                  <a:txBody>
+                    <a:bodyPr/>
+                    <a:lstStyle/>
+                    <a:p>
+                      <a:endParaRPr lang="en-GB" dirty="0"/>
+                    </a:p>
+                  </a:txBody>
+                  <a:tcPr/>
+                </a:tc>
+                <a:tc>
+                  <a:txBody>
+                    <a:bodyPr/>
+                    <a:lstStyle/>
+                    <a:p>
+                      <a:endParaRPr lang="en-GB" dirty="0"/>
+                    </a:p>
+                  </a:txBody>
+                  <a:tcPr/>
+                </a:tc>
+                <a:tc>
+                  <a:txBody>
+                    <a:bodyPr/>
+                    <a:lstStyle/>
+                    <a:p>
+                      <a:endParaRPr lang="en-GB" dirty="0"/>
+                    </a:p>
+                  </a:txBody>
+                  <a:tcPr>
+                    <a:solidFill>
+                      <a:srgbClr val="00B050"/>
+                    </a:solidFill>
+                  </a:tcPr>
+                </a:tc>
+                <a:tc>
+                  <a:txBody>
+                    <a:bodyPr/>
+                    <a:lstStyle/>
+                    <a:p>
+                      <a:endParaRPr lang="en-GB" dirty="0"/>
+                    </a:p>
+                  </a:txBody>
+                  <a:tcPr>
+                    <a:solidFill>
+                      <a:srgbClr val="00B050"/>
+                    </a:solidFill>
+                  </a:tcPr>
+                </a:tc>
+                <a:tc>
+                  <a:txBody>
+                    <a:bodyPr/>
+                    <a:lstStyle/>
+                    <a:p>
+                      <a:endParaRPr lang="en-GB" dirty="0"/>
+                    </a:p>
+                  </a:txBody>
+                  <a:tcPr>
+                    <a:solidFill>
+                      <a:srgbClr val="00B050"/>
+                    </a:solidFill>
+                  </a:tcPr>
+                </a:tc>
+                <a:tc>
+                  <a:txBody>
+                    <a:bodyPr/>
+                    <a:lstStyle/>
+                    <a:p>
+                      <a:endParaRPr lang="en-GB" dirty="0"/>
+                    </a:p>
+                  </a:txBody>
+                  <a:tcPr>
+                    <a:solidFill>
+                      <a:srgbClr val="00B050"/>
+                    </a:solidFill>
+                  </a:tcPr>
+                </a:tc>
+                <a:tc>
+                  <a:txBody>
+                    <a:bodyPr/>
+                    <a:lstStyle/>
+                    <a:p>
+                      <a:endParaRPr lang="en-GB" dirty="0"/>
+                    </a:p>
+                  </a:txBody>
+                  <a:tcPr>
+                    <a:solidFill>
+                      <a:srgbClr val="00B050"/>
+                    </a:solidFill>
+                  </a:tcPr>
+                </a:tc>
+                <a:tc>
+                  <a:txBody>
+                    <a:bodyPr/>
+                    <a:lstStyle/>
+                    <a:p>
+                      <a:endParaRPr lang="en-GB" dirty="0"/>
+                    </a:p>
+                  </a:txBody>
+                  <a:tcPr>
+                    <a:noFill/>
+                  </a:tcPr>
+                </a:tc>
+                <a:tc>
+                  <a:txBody>
+                    <a:bodyPr/>
+                    <a:lstStyle/>
+                    <a:p>
+                      <a:endParaRPr lang="en-GB" dirty="0"/>
+                    </a:p>
+                  </a:txBody>
+                  <a:tcPr/>
+                </a:tc>
+                <a:tc>
+                  <a:txBody>
+                    <a:bodyPr/>
+                    <a:lstStyle/>
+                    <a:p>
+                      <a:endParaRPr lang="en-GB" dirty="0"/>
+                    </a:p>
+                  </a:txBody>
+                  <a:tcPr/>
+                </a:tc>
+                <a:extLst>
+                  <a:ext uri="{0D108BD9-81ED-4DB2-BD59-A6C34878D82A}">
+                    <a16:rowId xmlns:a16="http://schemas.microsoft.com/office/drawing/2014/main" val="3471015592"/>
+                  </a:ext>
+                </a:extLst>
+              </a:tr>
+              <a:tr h="370840">
+                <a:tc>
+                  <a:txBody>
+                    <a:bodyPr/>
+                    <a:lstStyle/>
+                    <a:p>
+                      <a:r>
+                        <a:rPr lang="en-GB" dirty="0"/>
+                        <a:t>Beta</a:t>
+                      </a:r>
+                    </a:p>
+                  </a:txBody>
+                  <a:tcPr/>
+                </a:tc>
+                <a:tc>
+                  <a:txBody>
+                    <a:bodyPr/>
+                    <a:lstStyle/>
+                    <a:p>
+                      <a:endParaRPr lang="en-GB" dirty="0"/>
+                    </a:p>
+                  </a:txBody>
+                  <a:tcPr/>
+                </a:tc>
+                <a:tc>
+                  <a:txBody>
+                    <a:bodyPr/>
+                    <a:lstStyle/>
+                    <a:p>
+                      <a:endParaRPr lang="en-GB" dirty="0"/>
+                    </a:p>
+                  </a:txBody>
+                  <a:tcPr/>
+                </a:tc>
+                <a:tc>
+                  <a:txBody>
+                    <a:bodyPr/>
+                    <a:lstStyle/>
+                    <a:p>
+                      <a:endParaRPr lang="en-GB" dirty="0"/>
+                    </a:p>
+                  </a:txBody>
+                  <a:tcPr/>
+                </a:tc>
+                <a:tc>
+                  <a:txBody>
+                    <a:bodyPr/>
+                    <a:lstStyle/>
+                    <a:p>
+                      <a:endParaRPr lang="en-GB" dirty="0"/>
+                    </a:p>
+                  </a:txBody>
+                  <a:tcPr/>
+                </a:tc>
+                <a:tc>
+                  <a:txBody>
+                    <a:bodyPr/>
+                    <a:lstStyle/>
+                    <a:p>
+                      <a:endParaRPr lang="en-GB" dirty="0"/>
+                    </a:p>
+                  </a:txBody>
+                  <a:tcPr/>
+                </a:tc>
+                <a:tc>
+                  <a:txBody>
+                    <a:bodyPr/>
+                    <a:lstStyle/>
+                    <a:p>
+                      <a:endParaRPr lang="en-GB" dirty="0"/>
+                    </a:p>
+                  </a:txBody>
+                  <a:tcPr/>
+                </a:tc>
+                <a:tc>
+                  <a:txBody>
+                    <a:bodyPr/>
+                    <a:lstStyle/>
+                    <a:p>
+                      <a:endParaRPr lang="en-GB" dirty="0"/>
+                    </a:p>
+                  </a:txBody>
+                  <a:tcPr/>
+                </a:tc>
+                <a:tc>
+                  <a:txBody>
+                    <a:bodyPr/>
+                    <a:lstStyle/>
+                    <a:p>
+                      <a:endParaRPr lang="en-GB" dirty="0"/>
+                    </a:p>
+                  </a:txBody>
+                  <a:tcPr>
+                    <a:solidFill>
+                      <a:srgbClr val="00B050"/>
+                    </a:solidFill>
+                  </a:tcPr>
+                </a:tc>
+                <a:tc>
+                  <a:txBody>
+                    <a:bodyPr/>
+                    <a:lstStyle/>
+                    <a:p>
+                      <a:endParaRPr lang="en-GB" dirty="0"/>
+                    </a:p>
+                  </a:txBody>
+                  <a:tcPr/>
+                </a:tc>
+                <a:tc>
+                  <a:txBody>
+                    <a:bodyPr/>
+                    <a:lstStyle/>
+                    <a:p>
+                      <a:endParaRPr lang="en-GB" dirty="0"/>
+                    </a:p>
+                  </a:txBody>
+                  <a:tcPr/>
+                </a:tc>
+                <a:extLst>
+                  <a:ext uri="{0D108BD9-81ED-4DB2-BD59-A6C34878D82A}">
+                    <a16:rowId xmlns:a16="http://schemas.microsoft.com/office/drawing/2014/main" val="4190225838"/>
+                  </a:ext>
+                </a:extLst>
+              </a:tr>
+              <a:tr h="370840">
+                <a:tc>
+                  <a:txBody>
+                    <a:bodyPr/>
+                    <a:lstStyle/>
+                    <a:p>
+                      <a:r>
+                        <a:rPr lang="en-GB" dirty="0"/>
+                        <a:t>Final Testing</a:t>
+                      </a:r>
+                    </a:p>
+                  </a:txBody>
+                  <a:tcPr/>
+                </a:tc>
+                <a:tc>
+                  <a:txBody>
+                    <a:bodyPr/>
+                    <a:lstStyle/>
+                    <a:p>
+                      <a:endParaRPr lang="en-GB" dirty="0"/>
+                    </a:p>
+                  </a:txBody>
+                  <a:tcPr/>
+                </a:tc>
+                <a:tc>
+                  <a:txBody>
+                    <a:bodyPr/>
+                    <a:lstStyle/>
+                    <a:p>
+                      <a:endParaRPr lang="en-GB" dirty="0"/>
+                    </a:p>
+                  </a:txBody>
+                  <a:tcPr/>
+                </a:tc>
+                <a:tc>
+                  <a:txBody>
+                    <a:bodyPr/>
+                    <a:lstStyle/>
+                    <a:p>
+                      <a:endParaRPr lang="en-GB" dirty="0"/>
+                    </a:p>
+                  </a:txBody>
+                  <a:tcPr/>
+                </a:tc>
+                <a:tc>
+                  <a:txBody>
+                    <a:bodyPr/>
+                    <a:lstStyle/>
+                    <a:p>
+                      <a:endParaRPr lang="en-GB" dirty="0"/>
+                    </a:p>
+                  </a:txBody>
+                  <a:tcPr/>
+                </a:tc>
+                <a:tc>
+                  <a:txBody>
+                    <a:bodyPr/>
+                    <a:lstStyle/>
+                    <a:p>
+                      <a:endParaRPr lang="en-GB" dirty="0"/>
+                    </a:p>
+                  </a:txBody>
+                  <a:tcPr/>
+                </a:tc>
+                <a:tc>
+                  <a:txBody>
+                    <a:bodyPr/>
+                    <a:lstStyle/>
+                    <a:p>
+                      <a:endParaRPr lang="en-GB" dirty="0"/>
+                    </a:p>
+                  </a:txBody>
+                  <a:tcPr/>
+                </a:tc>
+                <a:tc>
+                  <a:txBody>
+                    <a:bodyPr/>
+                    <a:lstStyle/>
+                    <a:p>
+                      <a:endParaRPr lang="en-GB" dirty="0"/>
+                    </a:p>
+                  </a:txBody>
+                  <a:tcPr/>
+                </a:tc>
+                <a:tc>
+                  <a:txBody>
+                    <a:bodyPr/>
+                    <a:lstStyle/>
+                    <a:p>
+                      <a:endParaRPr lang="en-GB" dirty="0"/>
+                    </a:p>
+                  </a:txBody>
+                  <a:tcPr/>
+                </a:tc>
+                <a:tc>
+                  <a:txBody>
+                    <a:bodyPr/>
+                    <a:lstStyle/>
+                    <a:p>
+                      <a:endParaRPr lang="en-GB" dirty="0"/>
+                    </a:p>
+                  </a:txBody>
+                  <a:tcPr>
+                    <a:solidFill>
+                      <a:srgbClr val="00B050"/>
+                    </a:solidFill>
+                  </a:tcPr>
+                </a:tc>
+                <a:tc>
+                  <a:txBody>
+                    <a:bodyPr/>
+                    <a:lstStyle/>
+                    <a:p>
+                      <a:endParaRPr lang="en-GB" dirty="0"/>
+                    </a:p>
+                  </a:txBody>
+                  <a:tcPr/>
+                </a:tc>
+                <a:extLst>
+                  <a:ext uri="{0D108BD9-81ED-4DB2-BD59-A6C34878D82A}">
+                    <a16:rowId xmlns:a16="http://schemas.microsoft.com/office/drawing/2014/main" val="1345517751"/>
+                  </a:ext>
+                </a:extLst>
+              </a:tr>
+              <a:tr h="370840">
+                <a:tc>
+                  <a:txBody>
+                    <a:bodyPr/>
+                    <a:lstStyle/>
+                    <a:p>
+                      <a:r>
+                        <a:rPr lang="en-GB" dirty="0"/>
+                        <a:t>Release</a:t>
+                      </a:r>
+                    </a:p>
+                  </a:txBody>
+                  <a:tcPr/>
+                </a:tc>
+                <a:tc>
+                  <a:txBody>
+                    <a:bodyPr/>
+                    <a:lstStyle/>
+                    <a:p>
+                      <a:endParaRPr lang="en-GB" dirty="0"/>
+                    </a:p>
+                  </a:txBody>
+                  <a:tcPr/>
+                </a:tc>
+                <a:tc>
+                  <a:txBody>
+                    <a:bodyPr/>
+                    <a:lstStyle/>
+                    <a:p>
+                      <a:endParaRPr lang="en-GB" dirty="0"/>
+                    </a:p>
+                  </a:txBody>
+                  <a:tcPr/>
+                </a:tc>
+                <a:tc>
+                  <a:txBody>
+                    <a:bodyPr/>
+                    <a:lstStyle/>
+                    <a:p>
+                      <a:endParaRPr lang="en-GB" dirty="0"/>
+                    </a:p>
+                  </a:txBody>
+                  <a:tcPr/>
+                </a:tc>
+                <a:tc>
+                  <a:txBody>
+                    <a:bodyPr/>
+                    <a:lstStyle/>
+                    <a:p>
+                      <a:endParaRPr lang="en-GB" dirty="0"/>
+                    </a:p>
+                  </a:txBody>
+                  <a:tcPr/>
+                </a:tc>
+                <a:tc>
+                  <a:txBody>
+                    <a:bodyPr/>
+                    <a:lstStyle/>
+                    <a:p>
+                      <a:endParaRPr lang="en-GB" dirty="0"/>
+                    </a:p>
+                  </a:txBody>
+                  <a:tcPr/>
+                </a:tc>
+                <a:tc>
+                  <a:txBody>
+                    <a:bodyPr/>
+                    <a:lstStyle/>
+                    <a:p>
+                      <a:endParaRPr lang="en-GB" dirty="0"/>
+                    </a:p>
+                  </a:txBody>
+                  <a:tcPr/>
+                </a:tc>
+                <a:tc>
+                  <a:txBody>
+                    <a:bodyPr/>
+                    <a:lstStyle/>
+                    <a:p>
+                      <a:endParaRPr lang="en-GB" dirty="0"/>
+                    </a:p>
+                  </a:txBody>
+                  <a:tcPr/>
+                </a:tc>
+                <a:tc>
+                  <a:txBody>
+                    <a:bodyPr/>
+                    <a:lstStyle/>
+                    <a:p>
+                      <a:endParaRPr lang="en-GB" dirty="0"/>
+                    </a:p>
+                  </a:txBody>
+                  <a:tcPr/>
+                </a:tc>
+                <a:tc>
+                  <a:txBody>
+                    <a:bodyPr/>
+                    <a:lstStyle/>
+                    <a:p>
+                      <a:endParaRPr lang="en-GB" dirty="0"/>
+                    </a:p>
+                  </a:txBody>
+                  <a:tcPr/>
+                </a:tc>
+                <a:tc>
+                  <a:txBody>
+                    <a:bodyPr/>
+                    <a:lstStyle/>
+                    <a:p>
+                      <a:endParaRPr lang="en-GB" dirty="0"/>
+                    </a:p>
+                  </a:txBody>
+                  <a:tcPr>
+                    <a:solidFill>
+                      <a:srgbClr val="00B050"/>
+                    </a:solidFill>
+                  </a:tcPr>
+                </a:tc>
+                <a:extLst>
+                  <a:ext uri="{0D108BD9-81ED-4DB2-BD59-A6C34878D82A}">
+                    <a16:rowId xmlns:a16="http://schemas.microsoft.com/office/drawing/2014/main" val="3857910711"/>
+                  </a:ext>
+                </a:extLst>
+              </a:tr>
+            </a:tbl>
+          </a:graphicData>
+        </a:graphic>
+      </p:graphicFrame>
+      <p:sp>
+        <p:nvSpPr>
+          <p:cNvPr id="8" name="Title 1">
+            <a:extLst>
+              <a:ext uri="{FF2B5EF4-FFF2-40B4-BE49-F238E27FC236}">
+                <a16:creationId xmlns:a16="http://schemas.microsoft.com/office/drawing/2014/main" id="{D6D34B5D-3867-4649-9322-C6228AB28AE7}"/>
+              </a:ext>
+            </a:extLst>
+          </p:cNvPr>
+          <p:cNvSpPr txBox="1">
+            <a:spLocks/>
+          </p:cNvSpPr>
+          <p:nvPr/>
+        </p:nvSpPr>
+        <p:spPr>
+          <a:xfrm>
+            <a:off x="677334" y="1273729"/>
+            <a:ext cx="8596668" cy="757806"/>
+          </a:xfrm>
+          <a:prstGeom prst="rect">
+            <a:avLst/>
+          </a:prstGeom>
+        </p:spPr>
+        <p:txBody>
+          <a:bodyPr vert="horz" lIns="91440" tIns="45720" rIns="91440" bIns="45720" rtlCol="0" anchor="t">
+            <a:normAutofit/>
+          </a:bodyPr>
+          <a:lstStyle>
+            <a:lvl1pPr algn="l" defTabSz="457200" rtl="0" eaLnBrk="1" latinLnBrk="0" hangingPunct="1">
+              <a:spcBef>
+                <a:spcPct val="0"/>
+              </a:spcBef>
+              <a:buNone/>
+              <a:defRPr sz="3600" kern="1200">
+                <a:solidFill>
+                  <a:schemeClr val="accent1"/>
+                </a:solidFill>
+                <a:latin typeface="+mj-lt"/>
+                <a:ea typeface="+mj-ea"/>
+                <a:cs typeface="+mj-cs"/>
+              </a:defRPr>
+            </a:lvl1pPr>
+            <a:lvl2pPr eaLnBrk="1" hangingPunct="1">
+              <a:defRPr>
+                <a:solidFill>
+                  <a:schemeClr val="tx2"/>
+                </a:solidFill>
+              </a:defRPr>
+            </a:lvl2pPr>
+            <a:lvl3pPr eaLnBrk="1" hangingPunct="1">
+              <a:defRPr>
+                <a:solidFill>
+                  <a:schemeClr val="tx2"/>
+                </a:solidFill>
+              </a:defRPr>
+            </a:lvl3pPr>
+            <a:lvl4pPr eaLnBrk="1" hangingPunct="1">
+              <a:defRPr>
+                <a:solidFill>
+                  <a:schemeClr val="tx2"/>
+                </a:solidFill>
+              </a:defRPr>
+            </a:lvl4pPr>
+            <a:lvl5pPr eaLnBrk="1" hangingPunct="1">
+              <a:defRPr>
+                <a:solidFill>
+                  <a:schemeClr val="tx2"/>
+                </a:solidFill>
+              </a:defRPr>
+            </a:lvl5pPr>
+            <a:lvl6pPr eaLnBrk="1" hangingPunct="1">
+              <a:defRPr>
+                <a:solidFill>
+                  <a:schemeClr val="tx2"/>
+                </a:solidFill>
+              </a:defRPr>
+            </a:lvl6pPr>
+            <a:lvl7pPr eaLnBrk="1" hangingPunct="1">
+              <a:defRPr>
+                <a:solidFill>
+                  <a:schemeClr val="tx2"/>
+                </a:solidFill>
+              </a:defRPr>
+            </a:lvl7pPr>
+            <a:lvl8pPr eaLnBrk="1" hangingPunct="1">
+              <a:defRPr>
+                <a:solidFill>
+                  <a:schemeClr val="tx2"/>
+                </a:solidFill>
+              </a:defRPr>
+            </a:lvl8pPr>
+            <a:lvl9pPr eaLnBrk="1" hangingPunct="1">
+              <a:defRPr>
+                <a:solidFill>
+                  <a:schemeClr val="tx2"/>
+                </a:solidFill>
+              </a:defRPr>
+            </a:lvl9pPr>
+          </a:lstStyle>
+          <a:p>
+            <a:r>
+              <a:rPr lang="en-GB" sz="1800" dirty="0">
+                <a:solidFill>
+                  <a:srgbClr val="FF0000"/>
+                </a:solidFill>
+              </a:rPr>
+              <a:t>This chart displays the development cycle of a game made in flash.</a:t>
+            </a:r>
+          </a:p>
+        </p:txBody>
+      </p:sp>
+    </p:spTree>
+    <p:extLst>
+      <p:ext uri="{BB962C8B-B14F-4D97-AF65-F5344CB8AC3E}">
+        <p14:creationId xmlns:p14="http://schemas.microsoft.com/office/powerpoint/2010/main" val="4013600527"/>
       </p:ext>
     </p:extLst>
   </p:cSld>
@@ -6521,12 +8046,7 @@
             <p:ph type="title"/>
           </p:nvPr>
         </p:nvSpPr>
-        <p:spPr>
-          <a:xfrm>
-            <a:off x="677334" y="609600"/>
-            <a:ext cx="8596668" cy="1320800"/>
-          </a:xfrm>
-        </p:spPr>
+        <p:spPr/>
         <p:txBody>
           <a:bodyPr anchor="t">
             <a:normAutofit/>
@@ -6534,9 +8054,61 @@
           <a:lstStyle/>
           <a:p>
             <a:r>
-              <a:rPr lang="en-GB"/>
+              <a:rPr lang="en-GB" dirty="0"/>
               <a:t>Flash for Game Development</a:t>
             </a:r>
+          </a:p>
+        </p:txBody>
+      </p:sp>
+      <p:sp>
+        <p:nvSpPr>
+          <p:cNvPr id="3" name="Content Placeholder 2">
+            <a:extLst>
+              <a:ext uri="{FF2B5EF4-FFF2-40B4-BE49-F238E27FC236}">
+                <a16:creationId xmlns:a16="http://schemas.microsoft.com/office/drawing/2014/main" id="{E44D85D2-70BD-4E94-852D-116282AA0ACF}"/>
+              </a:ext>
+            </a:extLst>
+          </p:cNvPr>
+          <p:cNvSpPr>
+            <a:spLocks noGrp="1"/>
+          </p:cNvSpPr>
+          <p:nvPr>
+            <p:ph idx="1"/>
+          </p:nvPr>
+        </p:nvSpPr>
+        <p:spPr>
+          <a:xfrm>
+            <a:off x="4063160" y="2160589"/>
+            <a:ext cx="5207839" cy="3880773"/>
+          </a:xfrm>
+        </p:spPr>
+        <p:txBody>
+          <a:bodyPr>
+            <a:normAutofit/>
+          </a:bodyPr>
+          <a:lstStyle/>
+          <a:p>
+            <a:pPr marL="0" indent="0">
+              <a:buNone/>
+            </a:pPr>
+            <a:r>
+              <a:rPr lang="en-GB" dirty="0"/>
+              <a:t>FlashDevelop is an integrated development environment (IDE) for the development of Flash websites, web applications and video games. </a:t>
+            </a:r>
+          </a:p>
+          <a:p>
+            <a:pPr marL="0" indent="0">
+              <a:buNone/>
+            </a:pPr>
+            <a:r>
+              <a:rPr lang="en-GB" dirty="0"/>
+              <a:t>The applications made with FlashDevelop are run on Flash Player or Adobe AIR, on Microsoft Windows, Mac OS X, Android, or iOS. </a:t>
+            </a:r>
+          </a:p>
+          <a:p>
+            <a:pPr marL="0" indent="0">
+              <a:buNone/>
+            </a:pPr>
             <a:endParaRPr lang="en-GB" dirty="0"/>
           </a:p>
         </p:txBody>
@@ -6588,59 +8160,6 @@
           </a:extLst>
         </p:spPr>
       </p:pic>
-      <p:sp>
-        <p:nvSpPr>
-          <p:cNvPr id="3" name="Content Placeholder 2">
-            <a:extLst>
-              <a:ext uri="{FF2B5EF4-FFF2-40B4-BE49-F238E27FC236}">
-                <a16:creationId xmlns:a16="http://schemas.microsoft.com/office/drawing/2014/main" id="{E44D85D2-70BD-4E94-852D-116282AA0ACF}"/>
-              </a:ext>
-            </a:extLst>
-          </p:cNvPr>
-          <p:cNvSpPr>
-            <a:spLocks noGrp="1"/>
-          </p:cNvSpPr>
-          <p:nvPr>
-            <p:ph idx="1"/>
-          </p:nvPr>
-        </p:nvSpPr>
-        <p:spPr>
-          <a:xfrm>
-            <a:off x="4063160" y="2160589"/>
-            <a:ext cx="5207839" cy="3880773"/>
-          </a:xfrm>
-        </p:spPr>
-        <p:txBody>
-          <a:bodyPr>
-            <a:normAutofit/>
-          </a:bodyPr>
-          <a:lstStyle/>
-          <a:p>
-            <a:pPr marL="0" indent="0">
-              <a:buNone/>
-            </a:pPr>
-            <a:r>
-              <a:rPr lang="en-GB"/>
-              <a:t>FlashDevelop is an integrated development environment (IDE) for the development of Flash websites, web applications and video games. </a:t>
-            </a:r>
-          </a:p>
-          <a:p>
-            <a:pPr marL="0" indent="0">
-              <a:buNone/>
-            </a:pPr>
-            <a:r>
-              <a:rPr lang="en-GB"/>
-              <a:t>The applications made with FlashDevelop are run on Flash Player or Adobe AIR, on Microsoft Windows, Mac OS X, Android, or iOS. </a:t>
-            </a:r>
-          </a:p>
-          <a:p>
-            <a:pPr marL="0" indent="0">
-              <a:buNone/>
-            </a:pPr>
-            <a:endParaRPr lang="en-GB" dirty="0"/>
-          </a:p>
-        </p:txBody>
-      </p:sp>
     </p:spTree>
     <p:extLst>
       <p:ext uri="{BB962C8B-B14F-4D97-AF65-F5344CB8AC3E}">
@@ -7094,703 +8613,6 @@
           <a:chExt cx="0" cy="0"/>
         </a:xfrm>
       </p:grpSpPr>
-      <p:grpSp>
-        <p:nvGrpSpPr>
-          <p:cNvPr id="77" name="Group 76">
-            <a:extLst>
-              <a:ext uri="{FF2B5EF4-FFF2-40B4-BE49-F238E27FC236}">
-                <a16:creationId xmlns:a16="http://schemas.microsoft.com/office/drawing/2014/main" id="{10BE40E3-5550-4CDD-B4FD-387C33EBF157}"/>
-              </a:ext>
-              <a:ext uri="{C183D7F6-B498-43B3-948B-1728B52AA6E4}">
-                <adec:decorative xmlns:adec="http://schemas.microsoft.com/office/drawing/2017/decorative" val="1"/>
-              </a:ext>
-            </a:extLst>
-          </p:cNvPr>
-          <p:cNvGrpSpPr>
-            <a:grpSpLocks noGrp="1" noUngrp="1" noRot="1" noChangeAspect="1" noMove="1" noResize="1"/>
-          </p:cNvGrpSpPr>
-          <p:nvPr>
-            <p:extLst>
-              <p:ext uri="{386F3935-93C4-4BCD-93E2-E3B085C9AB24}">
-                <p16:designElem xmlns:p16="http://schemas.microsoft.com/office/powerpoint/2015/main" val="1"/>
-              </p:ext>
-            </p:extLst>
-          </p:nvPr>
-        </p:nvGrpSpPr>
-        <p:grpSpPr>
-          <a:xfrm>
-            <a:off x="0" y="-8467"/>
-            <a:ext cx="12192000" cy="6866467"/>
-            <a:chOff x="0" y="-8467"/>
-            <a:chExt cx="12192000" cy="6866467"/>
-          </a:xfrm>
-        </p:grpSpPr>
-        <p:cxnSp>
-          <p:nvCxnSpPr>
-            <p:cNvPr id="78" name="Straight Connector 77">
-              <a:extLst>
-                <a:ext uri="{FF2B5EF4-FFF2-40B4-BE49-F238E27FC236}">
-                  <a16:creationId xmlns:a16="http://schemas.microsoft.com/office/drawing/2014/main" id="{71A6B738-E50C-4653-B343-B9D6A5EA2771}"/>
-                </a:ext>
-                <a:ext uri="{C183D7F6-B498-43B3-948B-1728B52AA6E4}">
-                  <adec:decorative xmlns:adec="http://schemas.microsoft.com/office/drawing/2017/decorative" val="1"/>
-                </a:ext>
-              </a:extLst>
-            </p:cNvPr>
-            <p:cNvCxnSpPr/>
-            <p:nvPr>
-              <p:extLst>
-                <p:ext uri="{386F3935-93C4-4BCD-93E2-E3B085C9AB24}">
-                  <p16:designElem xmlns:p16="http://schemas.microsoft.com/office/powerpoint/2015/main" val="1"/>
-                </p:ext>
-              </p:extLst>
-            </p:nvPr>
-          </p:nvCxnSpPr>
-          <p:spPr>
-            <a:xfrm>
-              <a:off x="9371012" y="0"/>
-              <a:ext cx="1219200" cy="6858000"/>
-            </a:xfrm>
-            <a:prstGeom prst="line">
-              <a:avLst/>
-            </a:prstGeom>
-            <a:ln w="9525">
-              <a:solidFill>
-                <a:schemeClr val="bg1">
-                  <a:lumMod val="75000"/>
-                </a:schemeClr>
-              </a:solidFill>
-            </a:ln>
-          </p:spPr>
-          <p:style>
-            <a:lnRef idx="2">
-              <a:schemeClr val="accent1"/>
-            </a:lnRef>
-            <a:fillRef idx="0">
-              <a:schemeClr val="accent1"/>
-            </a:fillRef>
-            <a:effectRef idx="1">
-              <a:schemeClr val="accent1"/>
-            </a:effectRef>
-            <a:fontRef idx="minor">
-              <a:schemeClr val="tx1"/>
-            </a:fontRef>
-          </p:style>
-        </p:cxnSp>
-        <p:cxnSp>
-          <p:nvCxnSpPr>
-            <p:cNvPr id="79" name="Straight Connector 78">
-              <a:extLst>
-                <a:ext uri="{FF2B5EF4-FFF2-40B4-BE49-F238E27FC236}">
-                  <a16:creationId xmlns:a16="http://schemas.microsoft.com/office/drawing/2014/main" id="{498768D6-B28C-40A3-B381-39306F5816D5}"/>
-                </a:ext>
-                <a:ext uri="{C183D7F6-B498-43B3-948B-1728B52AA6E4}">
-                  <adec:decorative xmlns:adec="http://schemas.microsoft.com/office/drawing/2017/decorative" val="1"/>
-                </a:ext>
-              </a:extLst>
-            </p:cNvPr>
-            <p:cNvCxnSpPr/>
-            <p:nvPr>
-              <p:extLst>
-                <p:ext uri="{386F3935-93C4-4BCD-93E2-E3B085C9AB24}">
-                  <p16:designElem xmlns:p16="http://schemas.microsoft.com/office/powerpoint/2015/main" val="1"/>
-                </p:ext>
-              </p:extLst>
-            </p:nvPr>
-          </p:nvCxnSpPr>
-          <p:spPr>
-            <a:xfrm flipH="1">
-              <a:off x="7425267" y="3681413"/>
-              <a:ext cx="4763558" cy="3176587"/>
-            </a:xfrm>
-            <a:prstGeom prst="line">
-              <a:avLst/>
-            </a:prstGeom>
-            <a:ln w="9525">
-              <a:solidFill>
-                <a:schemeClr val="bg1">
-                  <a:lumMod val="85000"/>
-                </a:schemeClr>
-              </a:solidFill>
-            </a:ln>
-          </p:spPr>
-          <p:style>
-            <a:lnRef idx="2">
-              <a:schemeClr val="accent1"/>
-            </a:lnRef>
-            <a:fillRef idx="0">
-              <a:schemeClr val="accent1"/>
-            </a:fillRef>
-            <a:effectRef idx="1">
-              <a:schemeClr val="accent1"/>
-            </a:effectRef>
-            <a:fontRef idx="minor">
-              <a:schemeClr val="tx1"/>
-            </a:fontRef>
-          </p:style>
-        </p:cxnSp>
-        <p:sp>
-          <p:nvSpPr>
-            <p:cNvPr id="80" name="Rectangle 23">
-              <a:extLst>
-                <a:ext uri="{FF2B5EF4-FFF2-40B4-BE49-F238E27FC236}">
-                  <a16:creationId xmlns:a16="http://schemas.microsoft.com/office/drawing/2014/main" id="{B27C15B9-7795-4321-AB30-DF1DEF65C19E}"/>
-                </a:ext>
-                <a:ext uri="{C183D7F6-B498-43B3-948B-1728B52AA6E4}">
-                  <adec:decorative xmlns:adec="http://schemas.microsoft.com/office/drawing/2017/decorative" val="1"/>
-                </a:ext>
-              </a:extLst>
-            </p:cNvPr>
-            <p:cNvSpPr/>
-            <p:nvPr>
-              <p:extLst>
-                <p:ext uri="{386F3935-93C4-4BCD-93E2-E3B085C9AB24}">
-                  <p16:designElem xmlns:p16="http://schemas.microsoft.com/office/powerpoint/2015/main" val="1"/>
-                </p:ext>
-              </p:extLst>
-            </p:nvPr>
-          </p:nvSpPr>
-          <p:spPr>
-            <a:xfrm>
-              <a:off x="9181476" y="-8467"/>
-              <a:ext cx="3007349" cy="6866467"/>
-            </a:xfrm>
-            <a:custGeom>
-              <a:avLst/>
-              <a:gdLst/>
-              <a:ahLst/>
-              <a:cxnLst/>
-              <a:rect l="l" t="t" r="r" b="b"/>
-              <a:pathLst>
-                <a:path w="3007349" h="6866467">
-                  <a:moveTo>
-                    <a:pt x="2045532" y="0"/>
-                  </a:moveTo>
-                  <a:lnTo>
-                    <a:pt x="3007349" y="0"/>
-                  </a:lnTo>
-                  <a:lnTo>
-                    <a:pt x="3007349" y="6866467"/>
-                  </a:lnTo>
-                  <a:lnTo>
-                    <a:pt x="0" y="6866467"/>
-                  </a:lnTo>
-                  <a:lnTo>
-                    <a:pt x="2045532" y="0"/>
-                  </a:lnTo>
-                  <a:close/>
-                </a:path>
-              </a:pathLst>
-            </a:custGeom>
-            <a:solidFill>
-              <a:schemeClr val="accent1">
-                <a:alpha val="30000"/>
-              </a:schemeClr>
-            </a:solidFill>
-            <a:ln>
-              <a:noFill/>
-            </a:ln>
-            <a:effectLst/>
-          </p:spPr>
-          <p:style>
-            <a:lnRef idx="1">
-              <a:schemeClr val="accent1"/>
-            </a:lnRef>
-            <a:fillRef idx="3">
-              <a:schemeClr val="accent1"/>
-            </a:fillRef>
-            <a:effectRef idx="2">
-              <a:schemeClr val="accent1"/>
-            </a:effectRef>
-            <a:fontRef idx="minor">
-              <a:schemeClr val="lt1"/>
-            </a:fontRef>
-          </p:style>
-        </p:sp>
-        <p:sp>
-          <p:nvSpPr>
-            <p:cNvPr id="81" name="Rectangle 25">
-              <a:extLst>
-                <a:ext uri="{FF2B5EF4-FFF2-40B4-BE49-F238E27FC236}">
-                  <a16:creationId xmlns:a16="http://schemas.microsoft.com/office/drawing/2014/main" id="{578EC957-1F3F-4C00-B023-C8725C2171CB}"/>
-                </a:ext>
-                <a:ext uri="{C183D7F6-B498-43B3-948B-1728B52AA6E4}">
-                  <adec:decorative xmlns:adec="http://schemas.microsoft.com/office/drawing/2017/decorative" val="1"/>
-                </a:ext>
-              </a:extLst>
-            </p:cNvPr>
-            <p:cNvSpPr/>
-            <p:nvPr>
-              <p:extLst>
-                <p:ext uri="{386F3935-93C4-4BCD-93E2-E3B085C9AB24}">
-                  <p16:designElem xmlns:p16="http://schemas.microsoft.com/office/powerpoint/2015/main" val="1"/>
-                </p:ext>
-              </p:extLst>
-            </p:nvPr>
-          </p:nvSpPr>
-          <p:spPr>
-            <a:xfrm>
-              <a:off x="9603442" y="-8467"/>
-              <a:ext cx="2588558" cy="6866467"/>
-            </a:xfrm>
-            <a:custGeom>
-              <a:avLst/>
-              <a:gdLst/>
-              <a:ahLst/>
-              <a:cxnLst/>
-              <a:rect l="l" t="t" r="r" b="b"/>
-              <a:pathLst>
-                <a:path w="2573311" h="6866467">
-                  <a:moveTo>
-                    <a:pt x="0" y="0"/>
-                  </a:moveTo>
-                  <a:lnTo>
-                    <a:pt x="2573311" y="0"/>
-                  </a:lnTo>
-                  <a:lnTo>
-                    <a:pt x="2573311" y="6866467"/>
-                  </a:lnTo>
-                  <a:lnTo>
-                    <a:pt x="1202336" y="6866467"/>
-                  </a:lnTo>
-                  <a:lnTo>
-                    <a:pt x="0" y="0"/>
-                  </a:lnTo>
-                  <a:close/>
-                </a:path>
-              </a:pathLst>
-            </a:custGeom>
-            <a:solidFill>
-              <a:schemeClr val="accent1">
-                <a:alpha val="20000"/>
-              </a:schemeClr>
-            </a:solidFill>
-            <a:ln>
-              <a:noFill/>
-            </a:ln>
-            <a:effectLst/>
-          </p:spPr>
-          <p:style>
-            <a:lnRef idx="1">
-              <a:schemeClr val="accent1"/>
-            </a:lnRef>
-            <a:fillRef idx="3">
-              <a:schemeClr val="accent1"/>
-            </a:fillRef>
-            <a:effectRef idx="2">
-              <a:schemeClr val="accent1"/>
-            </a:effectRef>
-            <a:fontRef idx="minor">
-              <a:schemeClr val="lt1"/>
-            </a:fontRef>
-          </p:style>
-        </p:sp>
-        <p:sp>
-          <p:nvSpPr>
-            <p:cNvPr id="82" name="Isosceles Triangle 81">
-              <a:extLst>
-                <a:ext uri="{FF2B5EF4-FFF2-40B4-BE49-F238E27FC236}">
-                  <a16:creationId xmlns:a16="http://schemas.microsoft.com/office/drawing/2014/main" id="{3D642632-BBD5-46D6-A91D-9B2BF68219B7}"/>
-                </a:ext>
-                <a:ext uri="{C183D7F6-B498-43B3-948B-1728B52AA6E4}">
-                  <adec:decorative xmlns:adec="http://schemas.microsoft.com/office/drawing/2017/decorative" val="1"/>
-                </a:ext>
-              </a:extLst>
-            </p:cNvPr>
-            <p:cNvSpPr/>
-            <p:nvPr>
-              <p:extLst>
-                <p:ext uri="{386F3935-93C4-4BCD-93E2-E3B085C9AB24}">
-                  <p16:designElem xmlns:p16="http://schemas.microsoft.com/office/powerpoint/2015/main" val="1"/>
-                </p:ext>
-              </p:extLst>
-            </p:nvPr>
-          </p:nvSpPr>
-          <p:spPr>
-            <a:xfrm>
-              <a:off x="8932333" y="3048000"/>
-              <a:ext cx="3259667" cy="3810000"/>
-            </a:xfrm>
-            <a:prstGeom prst="triangle">
-              <a:avLst>
-                <a:gd name="adj" fmla="val 100000"/>
-              </a:avLst>
-            </a:prstGeom>
-            <a:solidFill>
-              <a:schemeClr val="accent2">
-                <a:alpha val="72000"/>
-              </a:schemeClr>
-            </a:solidFill>
-            <a:ln>
-              <a:noFill/>
-            </a:ln>
-            <a:effectLst/>
-          </p:spPr>
-          <p:style>
-            <a:lnRef idx="1">
-              <a:schemeClr val="accent1"/>
-            </a:lnRef>
-            <a:fillRef idx="3">
-              <a:schemeClr val="accent1"/>
-            </a:fillRef>
-            <a:effectRef idx="2">
-              <a:schemeClr val="accent1"/>
-            </a:effectRef>
-            <a:fontRef idx="minor">
-              <a:schemeClr val="lt1"/>
-            </a:fontRef>
-          </p:style>
-        </p:sp>
-        <p:sp>
-          <p:nvSpPr>
-            <p:cNvPr id="83" name="Rectangle 27">
-              <a:extLst>
-                <a:ext uri="{FF2B5EF4-FFF2-40B4-BE49-F238E27FC236}">
-                  <a16:creationId xmlns:a16="http://schemas.microsoft.com/office/drawing/2014/main" id="{BF9D518D-AFF5-4DE2-AEE2-0EC15479A9AF}"/>
-                </a:ext>
-                <a:ext uri="{C183D7F6-B498-43B3-948B-1728B52AA6E4}">
-                  <adec:decorative xmlns:adec="http://schemas.microsoft.com/office/drawing/2017/decorative" val="1"/>
-                </a:ext>
-              </a:extLst>
-            </p:cNvPr>
-            <p:cNvSpPr/>
-            <p:nvPr>
-              <p:extLst>
-                <p:ext uri="{386F3935-93C4-4BCD-93E2-E3B085C9AB24}">
-                  <p16:designElem xmlns:p16="http://schemas.microsoft.com/office/powerpoint/2015/main" val="1"/>
-                </p:ext>
-              </p:extLst>
-            </p:nvPr>
-          </p:nvSpPr>
-          <p:spPr>
-            <a:xfrm>
-              <a:off x="9334500" y="-8467"/>
-              <a:ext cx="2854326" cy="6866467"/>
-            </a:xfrm>
-            <a:custGeom>
-              <a:avLst/>
-              <a:gdLst/>
-              <a:ahLst/>
-              <a:cxnLst/>
-              <a:rect l="l" t="t" r="r" b="b"/>
-              <a:pathLst>
-                <a:path w="2858013" h="6866467">
-                  <a:moveTo>
-                    <a:pt x="0" y="0"/>
-                  </a:moveTo>
-                  <a:lnTo>
-                    <a:pt x="2858013" y="0"/>
-                  </a:lnTo>
-                  <a:lnTo>
-                    <a:pt x="2858013" y="6866467"/>
-                  </a:lnTo>
-                  <a:lnTo>
-                    <a:pt x="2473942" y="6866467"/>
-                  </a:lnTo>
-                  <a:lnTo>
-                    <a:pt x="0" y="0"/>
-                  </a:lnTo>
-                  <a:close/>
-                </a:path>
-              </a:pathLst>
-            </a:custGeom>
-            <a:solidFill>
-              <a:schemeClr val="accent2">
-                <a:lumMod val="75000"/>
-                <a:alpha val="70000"/>
-              </a:schemeClr>
-            </a:solidFill>
-            <a:ln>
-              <a:noFill/>
-            </a:ln>
-            <a:effectLst/>
-          </p:spPr>
-          <p:style>
-            <a:lnRef idx="1">
-              <a:schemeClr val="accent1"/>
-            </a:lnRef>
-            <a:fillRef idx="3">
-              <a:schemeClr val="accent1"/>
-            </a:fillRef>
-            <a:effectRef idx="2">
-              <a:schemeClr val="accent1"/>
-            </a:effectRef>
-            <a:fontRef idx="minor">
-              <a:schemeClr val="lt1"/>
-            </a:fontRef>
-          </p:style>
-        </p:sp>
-        <p:sp>
-          <p:nvSpPr>
-            <p:cNvPr id="84" name="Rectangle 28">
-              <a:extLst>
-                <a:ext uri="{FF2B5EF4-FFF2-40B4-BE49-F238E27FC236}">
-                  <a16:creationId xmlns:a16="http://schemas.microsoft.com/office/drawing/2014/main" id="{14EF979B-B00D-460C-BD56-7EEAFB7E0F98}"/>
-                </a:ext>
-                <a:ext uri="{C183D7F6-B498-43B3-948B-1728B52AA6E4}">
-                  <adec:decorative xmlns:adec="http://schemas.microsoft.com/office/drawing/2017/decorative" val="1"/>
-                </a:ext>
-              </a:extLst>
-            </p:cNvPr>
-            <p:cNvSpPr/>
-            <p:nvPr>
-              <p:extLst>
-                <p:ext uri="{386F3935-93C4-4BCD-93E2-E3B085C9AB24}">
-                  <p16:designElem xmlns:p16="http://schemas.microsoft.com/office/powerpoint/2015/main" val="1"/>
-                </p:ext>
-              </p:extLst>
-            </p:nvPr>
-          </p:nvSpPr>
-          <p:spPr>
-            <a:xfrm>
-              <a:off x="10898730" y="-8467"/>
-              <a:ext cx="1290094" cy="6866467"/>
-            </a:xfrm>
-            <a:custGeom>
-              <a:avLst/>
-              <a:gdLst/>
-              <a:ahLst/>
-              <a:cxnLst/>
-              <a:rect l="l" t="t" r="r" b="b"/>
-              <a:pathLst>
-                <a:path w="1290094" h="6858000">
-                  <a:moveTo>
-                    <a:pt x="1019735" y="0"/>
-                  </a:moveTo>
-                  <a:lnTo>
-                    <a:pt x="1290094" y="0"/>
-                  </a:lnTo>
-                  <a:lnTo>
-                    <a:pt x="1290094" y="6858000"/>
-                  </a:lnTo>
-                  <a:lnTo>
-                    <a:pt x="0" y="6858000"/>
-                  </a:lnTo>
-                  <a:lnTo>
-                    <a:pt x="1019735" y="0"/>
-                  </a:lnTo>
-                  <a:close/>
-                </a:path>
-              </a:pathLst>
-            </a:custGeom>
-            <a:solidFill>
-              <a:schemeClr val="accent1">
-                <a:lumMod val="60000"/>
-                <a:lumOff val="40000"/>
-                <a:alpha val="70000"/>
-              </a:schemeClr>
-            </a:solidFill>
-            <a:ln>
-              <a:noFill/>
-            </a:ln>
-            <a:effectLst/>
-          </p:spPr>
-          <p:style>
-            <a:lnRef idx="1">
-              <a:schemeClr val="accent1"/>
-            </a:lnRef>
-            <a:fillRef idx="3">
-              <a:schemeClr val="accent1"/>
-            </a:fillRef>
-            <a:effectRef idx="2">
-              <a:schemeClr val="accent1"/>
-            </a:effectRef>
-            <a:fontRef idx="minor">
-              <a:schemeClr val="lt1"/>
-            </a:fontRef>
-          </p:style>
-        </p:sp>
-        <p:sp>
-          <p:nvSpPr>
-            <p:cNvPr id="85" name="Rectangle 29">
-              <a:extLst>
-                <a:ext uri="{FF2B5EF4-FFF2-40B4-BE49-F238E27FC236}">
-                  <a16:creationId xmlns:a16="http://schemas.microsoft.com/office/drawing/2014/main" id="{3E40F9A1-6B82-400F-9397-26D1D36F1F04}"/>
-                </a:ext>
-                <a:ext uri="{C183D7F6-B498-43B3-948B-1728B52AA6E4}">
-                  <adec:decorative xmlns:adec="http://schemas.microsoft.com/office/drawing/2017/decorative" val="1"/>
-                </a:ext>
-              </a:extLst>
-            </p:cNvPr>
-            <p:cNvSpPr/>
-            <p:nvPr>
-              <p:extLst>
-                <p:ext uri="{386F3935-93C4-4BCD-93E2-E3B085C9AB24}">
-                  <p16:designElem xmlns:p16="http://schemas.microsoft.com/office/powerpoint/2015/main" val="1"/>
-                </p:ext>
-              </p:extLst>
-            </p:nvPr>
-          </p:nvSpPr>
-          <p:spPr>
-            <a:xfrm>
-              <a:off x="10938999" y="-8467"/>
-              <a:ext cx="1249825" cy="6866467"/>
-            </a:xfrm>
-            <a:custGeom>
-              <a:avLst/>
-              <a:gdLst/>
-              <a:ahLst/>
-              <a:cxnLst/>
-              <a:rect l="l" t="t" r="r" b="b"/>
-              <a:pathLst>
-                <a:path w="1249825" h="6858000">
-                  <a:moveTo>
-                    <a:pt x="0" y="0"/>
-                  </a:moveTo>
-                  <a:lnTo>
-                    <a:pt x="1249825" y="0"/>
-                  </a:lnTo>
-                  <a:lnTo>
-                    <a:pt x="1249825" y="6858000"/>
-                  </a:lnTo>
-                  <a:lnTo>
-                    <a:pt x="1109382" y="6858000"/>
-                  </a:lnTo>
-                  <a:lnTo>
-                    <a:pt x="0" y="0"/>
-                  </a:lnTo>
-                  <a:close/>
-                </a:path>
-              </a:pathLst>
-            </a:custGeom>
-            <a:solidFill>
-              <a:schemeClr val="accent1">
-                <a:alpha val="65000"/>
-              </a:schemeClr>
-            </a:solidFill>
-            <a:ln>
-              <a:noFill/>
-            </a:ln>
-            <a:effectLst/>
-          </p:spPr>
-          <p:style>
-            <a:lnRef idx="1">
-              <a:schemeClr val="accent1"/>
-            </a:lnRef>
-            <a:fillRef idx="3">
-              <a:schemeClr val="accent1"/>
-            </a:fillRef>
-            <a:effectRef idx="2">
-              <a:schemeClr val="accent1"/>
-            </a:effectRef>
-            <a:fontRef idx="minor">
-              <a:schemeClr val="lt1"/>
-            </a:fontRef>
-          </p:style>
-        </p:sp>
-        <p:sp>
-          <p:nvSpPr>
-            <p:cNvPr id="86" name="Isosceles Triangle 85">
-              <a:extLst>
-                <a:ext uri="{FF2B5EF4-FFF2-40B4-BE49-F238E27FC236}">
-                  <a16:creationId xmlns:a16="http://schemas.microsoft.com/office/drawing/2014/main" id="{2EF7DDF1-FF86-4CA4-B08B-8939557EBDB3}"/>
-                </a:ext>
-                <a:ext uri="{C183D7F6-B498-43B3-948B-1728B52AA6E4}">
-                  <adec:decorative xmlns:adec="http://schemas.microsoft.com/office/drawing/2017/decorative" val="1"/>
-                </a:ext>
-              </a:extLst>
-            </p:cNvPr>
-            <p:cNvSpPr/>
-            <p:nvPr>
-              <p:extLst>
-                <p:ext uri="{386F3935-93C4-4BCD-93E2-E3B085C9AB24}">
-                  <p16:designElem xmlns:p16="http://schemas.microsoft.com/office/powerpoint/2015/main" val="1"/>
-                </p:ext>
-              </p:extLst>
-            </p:nvPr>
-          </p:nvSpPr>
-          <p:spPr>
-            <a:xfrm>
-              <a:off x="10371666" y="3589867"/>
-              <a:ext cx="1817159" cy="3268133"/>
-            </a:xfrm>
-            <a:prstGeom prst="triangle">
-              <a:avLst>
-                <a:gd name="adj" fmla="val 100000"/>
-              </a:avLst>
-            </a:prstGeom>
-            <a:solidFill>
-              <a:schemeClr val="accent1">
-                <a:alpha val="80000"/>
-              </a:schemeClr>
-            </a:solidFill>
-            <a:ln>
-              <a:noFill/>
-            </a:ln>
-            <a:effectLst/>
-          </p:spPr>
-          <p:style>
-            <a:lnRef idx="1">
-              <a:schemeClr val="accent1"/>
-            </a:lnRef>
-            <a:fillRef idx="3">
-              <a:schemeClr val="accent1"/>
-            </a:fillRef>
-            <a:effectRef idx="2">
-              <a:schemeClr val="accent1"/>
-            </a:effectRef>
-            <a:fontRef idx="minor">
-              <a:schemeClr val="lt1"/>
-            </a:fontRef>
-          </p:style>
-        </p:sp>
-        <p:sp>
-          <p:nvSpPr>
-            <p:cNvPr id="87" name="Isosceles Triangle 86">
-              <a:extLst>
-                <a:ext uri="{FF2B5EF4-FFF2-40B4-BE49-F238E27FC236}">
-                  <a16:creationId xmlns:a16="http://schemas.microsoft.com/office/drawing/2014/main" id="{6D7C1F89-72B2-4FDC-B9E2-04F52D5C504C}"/>
-                </a:ext>
-                <a:ext uri="{C183D7F6-B498-43B3-948B-1728B52AA6E4}">
-                  <adec:decorative xmlns:adec="http://schemas.microsoft.com/office/drawing/2017/decorative" val="1"/>
-                </a:ext>
-              </a:extLst>
-            </p:cNvPr>
-            <p:cNvSpPr/>
-            <p:nvPr>
-              <p:extLst>
-                <p:ext uri="{386F3935-93C4-4BCD-93E2-E3B085C9AB24}">
-                  <p16:designElem xmlns:p16="http://schemas.microsoft.com/office/powerpoint/2015/main" val="1"/>
-                </p:ext>
-              </p:extLst>
-            </p:nvPr>
-          </p:nvSpPr>
-          <p:spPr>
-            <a:xfrm>
-              <a:off x="0" y="4013200"/>
-              <a:ext cx="448733" cy="2844800"/>
-            </a:xfrm>
-            <a:prstGeom prst="triangle">
-              <a:avLst>
-                <a:gd name="adj" fmla="val 0"/>
-              </a:avLst>
-            </a:prstGeom>
-            <a:solidFill>
-              <a:schemeClr val="accent1">
-                <a:alpha val="85000"/>
-              </a:schemeClr>
-            </a:solidFill>
-            <a:ln>
-              <a:noFill/>
-            </a:ln>
-            <a:effectLst/>
-          </p:spPr>
-          <p:style>
-            <a:lnRef idx="1">
-              <a:schemeClr val="accent1"/>
-            </a:lnRef>
-            <a:fillRef idx="3">
-              <a:schemeClr val="accent1"/>
-            </a:fillRef>
-            <a:effectRef idx="2">
-              <a:schemeClr val="accent1"/>
-            </a:effectRef>
-            <a:fontRef idx="minor">
-              <a:schemeClr val="lt1"/>
-            </a:fontRef>
-          </p:style>
-        </p:sp>
-      </p:grpSp>
       <p:sp>
         <p:nvSpPr>
           <p:cNvPr id="2" name="Title 1">
@@ -7820,97 +8642,8 @@
           <a:lstStyle/>
           <a:p>
             <a:r>
-              <a:rPr lang="en-US" sz="3600"/>
+              <a:rPr lang="en-US" sz="3600" dirty="0"/>
               <a:t>Limitations of Flash</a:t>
-            </a:r>
-          </a:p>
-        </p:txBody>
-      </p:sp>
-      <p:sp>
-        <p:nvSpPr>
-          <p:cNvPr id="4" name="Text Placeholder 3">
-            <a:extLst>
-              <a:ext uri="{FF2B5EF4-FFF2-40B4-BE49-F238E27FC236}">
-                <a16:creationId xmlns:a16="http://schemas.microsoft.com/office/drawing/2014/main" id="{215821ED-339E-4003-B902-A1627CC2541A}"/>
-              </a:ext>
-            </a:extLst>
-          </p:cNvPr>
-          <p:cNvSpPr>
-            <a:spLocks noGrp="1"/>
-          </p:cNvSpPr>
-          <p:nvPr>
-            <p:ph type="body" sz="half" idx="2"/>
-          </p:nvPr>
-        </p:nvSpPr>
-        <p:spPr>
-          <a:xfrm>
-            <a:off x="5209563" y="2160589"/>
-            <a:ext cx="4064439" cy="3880773"/>
-          </a:xfrm>
-        </p:spPr>
-        <p:txBody>
-          <a:bodyPr vert="horz" lIns="91440" tIns="45720" rIns="91440" bIns="45720" rtlCol="0">
-            <a:normAutofit/>
-          </a:bodyPr>
-          <a:lstStyle/>
-          <a:p>
-            <a:pPr marL="285750" indent="-285750">
-              <a:buFont typeface="Wingdings 3" charset="2"/>
-              <a:buChar char=""/>
-            </a:pPr>
-            <a:r>
-              <a:rPr lang="en-US"/>
-              <a:t>Flash is going to be shut-down in 2020.</a:t>
-            </a:r>
-          </a:p>
-          <a:p>
-            <a:pPr marL="285750" indent="-285750">
-              <a:buFont typeface="Wingdings 3" charset="2"/>
-              <a:buChar char=""/>
-            </a:pPr>
-            <a:r>
-              <a:rPr lang="en-US"/>
-              <a:t>ActionScript is cannot compete with other languages. </a:t>
-            </a:r>
-          </a:p>
-          <a:p>
-            <a:pPr marL="285750" indent="-285750">
-              <a:buFont typeface="Wingdings 3" charset="2"/>
-              <a:buChar char=""/>
-            </a:pPr>
-            <a:r>
-              <a:rPr lang="en-US"/>
-              <a:t>Games have to be run using Flash Player. </a:t>
-            </a:r>
-          </a:p>
-          <a:p>
-            <a:pPr marL="285750" indent="-285750">
-              <a:buFont typeface="Wingdings 3" charset="2"/>
-              <a:buChar char=""/>
-            </a:pPr>
-            <a:r>
-              <a:rPr lang="en-US"/>
-              <a:t>Very limited 3D animation capabilities. </a:t>
-            </a:r>
-          </a:p>
-          <a:p>
-            <a:pPr marL="285750" indent="-285750">
-              <a:buFont typeface="Wingdings 3" charset="2"/>
-              <a:buChar char=""/>
-            </a:pPr>
-            <a:r>
-              <a:rPr lang="en-US"/>
-              <a:t>The layout can be confusing.</a:t>
-            </a:r>
-          </a:p>
-          <a:p>
-            <a:pPr marL="285750" indent="-285750">
-              <a:buFont typeface="Wingdings 3" charset="2"/>
-              <a:buChar char=""/>
-            </a:pPr>
-            <a:r>
-              <a:rPr lang="en-US"/>
-              <a:t>Long load-up times.</a:t>
             </a:r>
           </a:p>
         </p:txBody>
@@ -8023,59 +8756,92 @@
       </p:pic>
       <p:sp>
         <p:nvSpPr>
-          <p:cNvPr id="89" name="Isosceles Triangle 88">
+          <p:cNvPr id="4" name="Text Placeholder 3">
             <a:extLst>
               <a:ext uri="{FF2B5EF4-FFF2-40B4-BE49-F238E27FC236}">
-                <a16:creationId xmlns:a16="http://schemas.microsoft.com/office/drawing/2014/main" id="{3BCB5F6A-9EB0-40B0-9D13-3023E9A20508}"/>
-              </a:ext>
-              <a:ext uri="{C183D7F6-B498-43B3-948B-1728B52AA6E4}">
-                <adec:decorative xmlns:adec="http://schemas.microsoft.com/office/drawing/2017/decorative" val="1"/>
+                <a16:creationId xmlns:a16="http://schemas.microsoft.com/office/drawing/2014/main" id="{215821ED-339E-4003-B902-A1627CC2541A}"/>
               </a:ext>
             </a:extLst>
           </p:cNvPr>
           <p:cNvSpPr>
-            <a:spLocks noGrp="1" noRot="1" noChangeAspect="1" noMove="1" noResize="1" noEditPoints="1" noAdjustHandles="1" noChangeArrowheads="1" noChangeShapeType="1" noTextEdit="1"/>
-          </p:cNvSpPr>
-          <p:nvPr>
-            <p:extLst>
-              <p:ext uri="{386F3935-93C4-4BCD-93E2-E3B085C9AB24}">
-                <p16:designElem xmlns:p16="http://schemas.microsoft.com/office/powerpoint/2015/main" val="1"/>
-              </p:ext>
-            </p:extLst>
+            <a:spLocks noGrp="1"/>
+          </p:cNvSpPr>
+          <p:nvPr>
+            <p:ph type="body" sz="half" idx="2"/>
           </p:nvPr>
         </p:nvSpPr>
         <p:spPr>
-          <a:xfrm rot="10800000">
-            <a:off x="0" y="0"/>
-            <a:ext cx="842596" cy="5666154"/>
+          <a:xfrm>
+            <a:off x="5209563" y="2160589"/>
+            <a:ext cx="4064439" cy="3880773"/>
           </a:xfrm>
-          <a:prstGeom prst="triangle">
-            <a:avLst>
-              <a:gd name="adj" fmla="val 100000"/>
-            </a:avLst>
-          </a:prstGeom>
-          <a:solidFill>
-            <a:schemeClr val="accent1"/>
-          </a:solidFill>
-          <a:ln>
-            <a:noFill/>
-          </a:ln>
-          <a:effectLst/>
         </p:spPr>
-        <p:style>
-          <a:lnRef idx="1">
-            <a:schemeClr val="accent1"/>
-          </a:lnRef>
-          <a:fillRef idx="3">
-            <a:schemeClr val="accent1"/>
-          </a:fillRef>
-          <a:effectRef idx="2">
-            <a:schemeClr val="accent1"/>
-          </a:effectRef>
-          <a:fontRef idx="minor">
-            <a:schemeClr val="lt1"/>
-          </a:fontRef>
-        </p:style>
+        <p:txBody>
+          <a:bodyPr vert="horz" lIns="91440" tIns="45720" rIns="91440" bIns="45720" rtlCol="0">
+            <a:normAutofit/>
+          </a:bodyPr>
+          <a:lstStyle/>
+          <a:p>
+            <a:pPr marL="285750" indent="-285750">
+              <a:buFont typeface="Wingdings 3" charset="2"/>
+              <a:buChar char=""/>
+            </a:pPr>
+            <a:r>
+              <a:rPr lang="en-US" dirty="0"/>
+              <a:t>Flash is going to be shut-down in 2020.</a:t>
+            </a:r>
+          </a:p>
+          <a:p>
+            <a:pPr marL="285750" indent="-285750">
+              <a:buFont typeface="Wingdings 3" charset="2"/>
+              <a:buChar char=""/>
+            </a:pPr>
+            <a:r>
+              <a:rPr lang="en-US" dirty="0"/>
+              <a:t>ActionScript is cannot compete with other languages. </a:t>
+            </a:r>
+          </a:p>
+          <a:p>
+            <a:pPr marL="285750" indent="-285750">
+              <a:buFont typeface="Wingdings 3" charset="2"/>
+              <a:buChar char=""/>
+            </a:pPr>
+            <a:r>
+              <a:rPr lang="en-US" dirty="0"/>
+              <a:t>Games have to be run using Flash Player. </a:t>
+            </a:r>
+          </a:p>
+          <a:p>
+            <a:pPr marL="285750" indent="-285750">
+              <a:buFont typeface="Wingdings 3" charset="2"/>
+              <a:buChar char=""/>
+            </a:pPr>
+            <a:r>
+              <a:rPr lang="en-US" dirty="0"/>
+              <a:t>Very limited 3D animation capabilities. </a:t>
+            </a:r>
+          </a:p>
+          <a:p>
+            <a:pPr marL="285750" indent="-285750">
+              <a:buFont typeface="Wingdings 3" charset="2"/>
+              <a:buChar char=""/>
+            </a:pPr>
+            <a:r>
+              <a:rPr lang="en-US" dirty="0"/>
+              <a:t>The layout can be confusing.</a:t>
+            </a:r>
+          </a:p>
+          <a:p>
+            <a:pPr marL="285750" indent="-285750">
+              <a:buFont typeface="Wingdings 3" charset="2"/>
+              <a:buChar char=""/>
+            </a:pPr>
+            <a:r>
+              <a:rPr lang="en-US" dirty="0"/>
+              <a:t>Long load-up times.</a:t>
+            </a:r>
+          </a:p>
+        </p:txBody>
       </p:sp>
     </p:spTree>
     <p:extLst>
@@ -8115,1422 +8881,6 @@
           <a:chExt cx="0" cy="0"/>
         </a:xfrm>
       </p:grpSpPr>
-      <p:grpSp>
-        <p:nvGrpSpPr>
-          <p:cNvPr id="71" name="Group 70">
-            <a:extLst>
-              <a:ext uri="{FF2B5EF4-FFF2-40B4-BE49-F238E27FC236}">
-                <a16:creationId xmlns:a16="http://schemas.microsoft.com/office/drawing/2014/main" id="{1F2B4773-3207-44CC-B7AC-892B70498211}"/>
-              </a:ext>
-              <a:ext uri="{C183D7F6-B498-43B3-948B-1728B52AA6E4}">
-                <adec:decorative xmlns:adec="http://schemas.microsoft.com/office/drawing/2017/decorative" val="1"/>
-              </a:ext>
-            </a:extLst>
-          </p:cNvPr>
-          <p:cNvGrpSpPr>
-            <a:grpSpLocks noGrp="1" noUngrp="1" noRot="1" noChangeAspect="1" noMove="1" noResize="1"/>
-          </p:cNvGrpSpPr>
-          <p:nvPr>
-            <p:extLst>
-              <p:ext uri="{386F3935-93C4-4BCD-93E2-E3B085C9AB24}">
-                <p16:designElem xmlns:p16="http://schemas.microsoft.com/office/powerpoint/2015/main" val="1"/>
-              </p:ext>
-            </p:extLst>
-          </p:nvPr>
-        </p:nvGrpSpPr>
-        <p:grpSpPr>
-          <a:xfrm>
-            <a:off x="0" y="-8467"/>
-            <a:ext cx="12192000" cy="6866467"/>
-            <a:chOff x="0" y="-8467"/>
-            <a:chExt cx="12192000" cy="6866467"/>
-          </a:xfrm>
-        </p:grpSpPr>
-        <p:cxnSp>
-          <p:nvCxnSpPr>
-            <p:cNvPr id="72" name="Straight Connector 71">
-              <a:extLst>
-                <a:ext uri="{FF2B5EF4-FFF2-40B4-BE49-F238E27FC236}">
-                  <a16:creationId xmlns:a16="http://schemas.microsoft.com/office/drawing/2014/main" id="{2B8267CA-A7A5-4E11-9D92-4EAC3DD3E809}"/>
-                </a:ext>
-                <a:ext uri="{C183D7F6-B498-43B3-948B-1728B52AA6E4}">
-                  <adec:decorative xmlns:adec="http://schemas.microsoft.com/office/drawing/2017/decorative" val="1"/>
-                </a:ext>
-              </a:extLst>
-            </p:cNvPr>
-            <p:cNvCxnSpPr/>
-            <p:nvPr>
-              <p:extLst>
-                <p:ext uri="{386F3935-93C4-4BCD-93E2-E3B085C9AB24}">
-                  <p16:designElem xmlns:p16="http://schemas.microsoft.com/office/powerpoint/2015/main" val="1"/>
-                </p:ext>
-              </p:extLst>
-            </p:nvPr>
-          </p:nvCxnSpPr>
-          <p:spPr>
-            <a:xfrm>
-              <a:off x="9371012" y="0"/>
-              <a:ext cx="1219200" cy="6858000"/>
-            </a:xfrm>
-            <a:prstGeom prst="line">
-              <a:avLst/>
-            </a:prstGeom>
-            <a:ln w="9525">
-              <a:solidFill>
-                <a:schemeClr val="bg1">
-                  <a:lumMod val="75000"/>
-                </a:schemeClr>
-              </a:solidFill>
-            </a:ln>
-          </p:spPr>
-          <p:style>
-            <a:lnRef idx="2">
-              <a:schemeClr val="accent1"/>
-            </a:lnRef>
-            <a:fillRef idx="0">
-              <a:schemeClr val="accent1"/>
-            </a:fillRef>
-            <a:effectRef idx="1">
-              <a:schemeClr val="accent1"/>
-            </a:effectRef>
-            <a:fontRef idx="minor">
-              <a:schemeClr val="tx1"/>
-            </a:fontRef>
-          </p:style>
-        </p:cxnSp>
-        <p:cxnSp>
-          <p:nvCxnSpPr>
-            <p:cNvPr id="73" name="Straight Connector 72">
-              <a:extLst>
-                <a:ext uri="{FF2B5EF4-FFF2-40B4-BE49-F238E27FC236}">
-                  <a16:creationId xmlns:a16="http://schemas.microsoft.com/office/drawing/2014/main" id="{E83D61B5-C6B4-4A4B-85AD-FEE7A54912C0}"/>
-                </a:ext>
-                <a:ext uri="{C183D7F6-B498-43B3-948B-1728B52AA6E4}">
-                  <adec:decorative xmlns:adec="http://schemas.microsoft.com/office/drawing/2017/decorative" val="1"/>
-                </a:ext>
-              </a:extLst>
-            </p:cNvPr>
-            <p:cNvCxnSpPr/>
-            <p:nvPr>
-              <p:extLst>
-                <p:ext uri="{386F3935-93C4-4BCD-93E2-E3B085C9AB24}">
-                  <p16:designElem xmlns:p16="http://schemas.microsoft.com/office/powerpoint/2015/main" val="1"/>
-                </p:ext>
-              </p:extLst>
-            </p:nvPr>
-          </p:nvCxnSpPr>
-          <p:spPr>
-            <a:xfrm flipH="1">
-              <a:off x="7425267" y="3681413"/>
-              <a:ext cx="4763558" cy="3176587"/>
-            </a:xfrm>
-            <a:prstGeom prst="line">
-              <a:avLst/>
-            </a:prstGeom>
-            <a:ln w="9525">
-              <a:solidFill>
-                <a:schemeClr val="bg1">
-                  <a:lumMod val="85000"/>
-                </a:schemeClr>
-              </a:solidFill>
-            </a:ln>
-          </p:spPr>
-          <p:style>
-            <a:lnRef idx="2">
-              <a:schemeClr val="accent1"/>
-            </a:lnRef>
-            <a:fillRef idx="0">
-              <a:schemeClr val="accent1"/>
-            </a:fillRef>
-            <a:effectRef idx="1">
-              <a:schemeClr val="accent1"/>
-            </a:effectRef>
-            <a:fontRef idx="minor">
-              <a:schemeClr val="tx1"/>
-            </a:fontRef>
-          </p:style>
-        </p:cxnSp>
-        <p:sp>
-          <p:nvSpPr>
-            <p:cNvPr id="74" name="Rectangle 23">
-              <a:extLst>
-                <a:ext uri="{FF2B5EF4-FFF2-40B4-BE49-F238E27FC236}">
-                  <a16:creationId xmlns:a16="http://schemas.microsoft.com/office/drawing/2014/main" id="{A0B67FE4-688F-4497-8BFD-157613A697D3}"/>
-                </a:ext>
-                <a:ext uri="{C183D7F6-B498-43B3-948B-1728B52AA6E4}">
-                  <adec:decorative xmlns:adec="http://schemas.microsoft.com/office/drawing/2017/decorative" val="1"/>
-                </a:ext>
-              </a:extLst>
-            </p:cNvPr>
-            <p:cNvSpPr/>
-            <p:nvPr>
-              <p:extLst>
-                <p:ext uri="{386F3935-93C4-4BCD-93E2-E3B085C9AB24}">
-                  <p16:designElem xmlns:p16="http://schemas.microsoft.com/office/powerpoint/2015/main" val="1"/>
-                </p:ext>
-              </p:extLst>
-            </p:nvPr>
-          </p:nvSpPr>
-          <p:spPr>
-            <a:xfrm>
-              <a:off x="9181476" y="-8467"/>
-              <a:ext cx="3007349" cy="6866467"/>
-            </a:xfrm>
-            <a:custGeom>
-              <a:avLst/>
-              <a:gdLst/>
-              <a:ahLst/>
-              <a:cxnLst/>
-              <a:rect l="l" t="t" r="r" b="b"/>
-              <a:pathLst>
-                <a:path w="3007349" h="6866467">
-                  <a:moveTo>
-                    <a:pt x="2045532" y="0"/>
-                  </a:moveTo>
-                  <a:lnTo>
-                    <a:pt x="3007349" y="0"/>
-                  </a:lnTo>
-                  <a:lnTo>
-                    <a:pt x="3007349" y="6866467"/>
-                  </a:lnTo>
-                  <a:lnTo>
-                    <a:pt x="0" y="6866467"/>
-                  </a:lnTo>
-                  <a:lnTo>
-                    <a:pt x="2045532" y="0"/>
-                  </a:lnTo>
-                  <a:close/>
-                </a:path>
-              </a:pathLst>
-            </a:custGeom>
-            <a:solidFill>
-              <a:schemeClr val="accent1">
-                <a:alpha val="30000"/>
-              </a:schemeClr>
-            </a:solidFill>
-            <a:ln>
-              <a:noFill/>
-            </a:ln>
-            <a:effectLst/>
-          </p:spPr>
-          <p:style>
-            <a:lnRef idx="1">
-              <a:schemeClr val="accent1"/>
-            </a:lnRef>
-            <a:fillRef idx="3">
-              <a:schemeClr val="accent1"/>
-            </a:fillRef>
-            <a:effectRef idx="2">
-              <a:schemeClr val="accent1"/>
-            </a:effectRef>
-            <a:fontRef idx="minor">
-              <a:schemeClr val="lt1"/>
-            </a:fontRef>
-          </p:style>
-        </p:sp>
-        <p:sp>
-          <p:nvSpPr>
-            <p:cNvPr id="75" name="Rectangle 25">
-              <a:extLst>
-                <a:ext uri="{FF2B5EF4-FFF2-40B4-BE49-F238E27FC236}">
-                  <a16:creationId xmlns:a16="http://schemas.microsoft.com/office/drawing/2014/main" id="{3BF5BE1A-9BAC-4581-A82B-FD8FE31595B4}"/>
-                </a:ext>
-                <a:ext uri="{C183D7F6-B498-43B3-948B-1728B52AA6E4}">
-                  <adec:decorative xmlns:adec="http://schemas.microsoft.com/office/drawing/2017/decorative" val="1"/>
-                </a:ext>
-              </a:extLst>
-            </p:cNvPr>
-            <p:cNvSpPr/>
-            <p:nvPr>
-              <p:extLst>
-                <p:ext uri="{386F3935-93C4-4BCD-93E2-E3B085C9AB24}">
-                  <p16:designElem xmlns:p16="http://schemas.microsoft.com/office/powerpoint/2015/main" val="1"/>
-                </p:ext>
-              </p:extLst>
-            </p:nvPr>
-          </p:nvSpPr>
-          <p:spPr>
-            <a:xfrm>
-              <a:off x="9603442" y="-8467"/>
-              <a:ext cx="2588558" cy="6866467"/>
-            </a:xfrm>
-            <a:custGeom>
-              <a:avLst/>
-              <a:gdLst/>
-              <a:ahLst/>
-              <a:cxnLst/>
-              <a:rect l="l" t="t" r="r" b="b"/>
-              <a:pathLst>
-                <a:path w="2573311" h="6866467">
-                  <a:moveTo>
-                    <a:pt x="0" y="0"/>
-                  </a:moveTo>
-                  <a:lnTo>
-                    <a:pt x="2573311" y="0"/>
-                  </a:lnTo>
-                  <a:lnTo>
-                    <a:pt x="2573311" y="6866467"/>
-                  </a:lnTo>
-                  <a:lnTo>
-                    <a:pt x="1202336" y="6866467"/>
-                  </a:lnTo>
-                  <a:lnTo>
-                    <a:pt x="0" y="0"/>
-                  </a:lnTo>
-                  <a:close/>
-                </a:path>
-              </a:pathLst>
-            </a:custGeom>
-            <a:solidFill>
-              <a:schemeClr val="accent1">
-                <a:alpha val="20000"/>
-              </a:schemeClr>
-            </a:solidFill>
-            <a:ln>
-              <a:noFill/>
-            </a:ln>
-            <a:effectLst/>
-          </p:spPr>
-          <p:style>
-            <a:lnRef idx="1">
-              <a:schemeClr val="accent1"/>
-            </a:lnRef>
-            <a:fillRef idx="3">
-              <a:schemeClr val="accent1"/>
-            </a:fillRef>
-            <a:effectRef idx="2">
-              <a:schemeClr val="accent1"/>
-            </a:effectRef>
-            <a:fontRef idx="minor">
-              <a:schemeClr val="lt1"/>
-            </a:fontRef>
-          </p:style>
-        </p:sp>
-        <p:sp>
-          <p:nvSpPr>
-            <p:cNvPr id="76" name="Isosceles Triangle 75">
-              <a:extLst>
-                <a:ext uri="{FF2B5EF4-FFF2-40B4-BE49-F238E27FC236}">
-                  <a16:creationId xmlns:a16="http://schemas.microsoft.com/office/drawing/2014/main" id="{971E5644-6772-414A-8199-E30BFB02A5DF}"/>
-                </a:ext>
-                <a:ext uri="{C183D7F6-B498-43B3-948B-1728B52AA6E4}">
-                  <adec:decorative xmlns:adec="http://schemas.microsoft.com/office/drawing/2017/decorative" val="1"/>
-                </a:ext>
-              </a:extLst>
-            </p:cNvPr>
-            <p:cNvSpPr/>
-            <p:nvPr>
-              <p:extLst>
-                <p:ext uri="{386F3935-93C4-4BCD-93E2-E3B085C9AB24}">
-                  <p16:designElem xmlns:p16="http://schemas.microsoft.com/office/powerpoint/2015/main" val="1"/>
-                </p:ext>
-              </p:extLst>
-            </p:nvPr>
-          </p:nvSpPr>
-          <p:spPr>
-            <a:xfrm>
-              <a:off x="8932333" y="3048000"/>
-              <a:ext cx="3259667" cy="3810000"/>
-            </a:xfrm>
-            <a:prstGeom prst="triangle">
-              <a:avLst>
-                <a:gd name="adj" fmla="val 100000"/>
-              </a:avLst>
-            </a:prstGeom>
-            <a:solidFill>
-              <a:schemeClr val="accent2">
-                <a:alpha val="72000"/>
-              </a:schemeClr>
-            </a:solidFill>
-            <a:ln>
-              <a:noFill/>
-            </a:ln>
-            <a:effectLst/>
-          </p:spPr>
-          <p:style>
-            <a:lnRef idx="1">
-              <a:schemeClr val="accent1"/>
-            </a:lnRef>
-            <a:fillRef idx="3">
-              <a:schemeClr val="accent1"/>
-            </a:fillRef>
-            <a:effectRef idx="2">
-              <a:schemeClr val="accent1"/>
-            </a:effectRef>
-            <a:fontRef idx="minor">
-              <a:schemeClr val="lt1"/>
-            </a:fontRef>
-          </p:style>
-        </p:sp>
-        <p:sp>
-          <p:nvSpPr>
-            <p:cNvPr id="77" name="Rectangle 27">
-              <a:extLst>
-                <a:ext uri="{FF2B5EF4-FFF2-40B4-BE49-F238E27FC236}">
-                  <a16:creationId xmlns:a16="http://schemas.microsoft.com/office/drawing/2014/main" id="{E8246D50-BB0C-408E-93FD-7B8D63A7F784}"/>
-                </a:ext>
-                <a:ext uri="{C183D7F6-B498-43B3-948B-1728B52AA6E4}">
-                  <adec:decorative xmlns:adec="http://schemas.microsoft.com/office/drawing/2017/decorative" val="1"/>
-                </a:ext>
-              </a:extLst>
-            </p:cNvPr>
-            <p:cNvSpPr/>
-            <p:nvPr>
-              <p:extLst>
-                <p:ext uri="{386F3935-93C4-4BCD-93E2-E3B085C9AB24}">
-                  <p16:designElem xmlns:p16="http://schemas.microsoft.com/office/powerpoint/2015/main" val="1"/>
-                </p:ext>
-              </p:extLst>
-            </p:nvPr>
-          </p:nvSpPr>
-          <p:spPr>
-            <a:xfrm>
-              <a:off x="9334500" y="-8467"/>
-              <a:ext cx="2854326" cy="6866467"/>
-            </a:xfrm>
-            <a:custGeom>
-              <a:avLst/>
-              <a:gdLst/>
-              <a:ahLst/>
-              <a:cxnLst/>
-              <a:rect l="l" t="t" r="r" b="b"/>
-              <a:pathLst>
-                <a:path w="2858013" h="6866467">
-                  <a:moveTo>
-                    <a:pt x="0" y="0"/>
-                  </a:moveTo>
-                  <a:lnTo>
-                    <a:pt x="2858013" y="0"/>
-                  </a:lnTo>
-                  <a:lnTo>
-                    <a:pt x="2858013" y="6866467"/>
-                  </a:lnTo>
-                  <a:lnTo>
-                    <a:pt x="2473942" y="6866467"/>
-                  </a:lnTo>
-                  <a:lnTo>
-                    <a:pt x="0" y="0"/>
-                  </a:lnTo>
-                  <a:close/>
-                </a:path>
-              </a:pathLst>
-            </a:custGeom>
-            <a:solidFill>
-              <a:schemeClr val="accent2">
-                <a:lumMod val="75000"/>
-                <a:alpha val="70000"/>
-              </a:schemeClr>
-            </a:solidFill>
-            <a:ln>
-              <a:noFill/>
-            </a:ln>
-            <a:effectLst/>
-          </p:spPr>
-          <p:style>
-            <a:lnRef idx="1">
-              <a:schemeClr val="accent1"/>
-            </a:lnRef>
-            <a:fillRef idx="3">
-              <a:schemeClr val="accent1"/>
-            </a:fillRef>
-            <a:effectRef idx="2">
-              <a:schemeClr val="accent1"/>
-            </a:effectRef>
-            <a:fontRef idx="minor">
-              <a:schemeClr val="lt1"/>
-            </a:fontRef>
-          </p:style>
-        </p:sp>
-        <p:sp>
-          <p:nvSpPr>
-            <p:cNvPr id="78" name="Rectangle 28">
-              <a:extLst>
-                <a:ext uri="{FF2B5EF4-FFF2-40B4-BE49-F238E27FC236}">
-                  <a16:creationId xmlns:a16="http://schemas.microsoft.com/office/drawing/2014/main" id="{AFBC5D22-68C1-44FB-8181-CB84ECAA83FC}"/>
-                </a:ext>
-                <a:ext uri="{C183D7F6-B498-43B3-948B-1728B52AA6E4}">
-                  <adec:decorative xmlns:adec="http://schemas.microsoft.com/office/drawing/2017/decorative" val="1"/>
-                </a:ext>
-              </a:extLst>
-            </p:cNvPr>
-            <p:cNvSpPr/>
-            <p:nvPr>
-              <p:extLst>
-                <p:ext uri="{386F3935-93C4-4BCD-93E2-E3B085C9AB24}">
-                  <p16:designElem xmlns:p16="http://schemas.microsoft.com/office/powerpoint/2015/main" val="1"/>
-                </p:ext>
-              </p:extLst>
-            </p:nvPr>
-          </p:nvSpPr>
-          <p:spPr>
-            <a:xfrm>
-              <a:off x="10898730" y="-8467"/>
-              <a:ext cx="1290094" cy="6866467"/>
-            </a:xfrm>
-            <a:custGeom>
-              <a:avLst/>
-              <a:gdLst/>
-              <a:ahLst/>
-              <a:cxnLst/>
-              <a:rect l="l" t="t" r="r" b="b"/>
-              <a:pathLst>
-                <a:path w="1290094" h="6858000">
-                  <a:moveTo>
-                    <a:pt x="1019735" y="0"/>
-                  </a:moveTo>
-                  <a:lnTo>
-                    <a:pt x="1290094" y="0"/>
-                  </a:lnTo>
-                  <a:lnTo>
-                    <a:pt x="1290094" y="6858000"/>
-                  </a:lnTo>
-                  <a:lnTo>
-                    <a:pt x="0" y="6858000"/>
-                  </a:lnTo>
-                  <a:lnTo>
-                    <a:pt x="1019735" y="0"/>
-                  </a:lnTo>
-                  <a:close/>
-                </a:path>
-              </a:pathLst>
-            </a:custGeom>
-            <a:solidFill>
-              <a:schemeClr val="accent1">
-                <a:lumMod val="60000"/>
-                <a:lumOff val="40000"/>
-                <a:alpha val="70000"/>
-              </a:schemeClr>
-            </a:solidFill>
-            <a:ln>
-              <a:noFill/>
-            </a:ln>
-            <a:effectLst/>
-          </p:spPr>
-          <p:style>
-            <a:lnRef idx="1">
-              <a:schemeClr val="accent1"/>
-            </a:lnRef>
-            <a:fillRef idx="3">
-              <a:schemeClr val="accent1"/>
-            </a:fillRef>
-            <a:effectRef idx="2">
-              <a:schemeClr val="accent1"/>
-            </a:effectRef>
-            <a:fontRef idx="minor">
-              <a:schemeClr val="lt1"/>
-            </a:fontRef>
-          </p:style>
-        </p:sp>
-        <p:sp>
-          <p:nvSpPr>
-            <p:cNvPr id="79" name="Rectangle 29">
-              <a:extLst>
-                <a:ext uri="{FF2B5EF4-FFF2-40B4-BE49-F238E27FC236}">
-                  <a16:creationId xmlns:a16="http://schemas.microsoft.com/office/drawing/2014/main" id="{FB6D0FCE-FBDB-4655-A1A7-640B1E86B56A}"/>
-                </a:ext>
-                <a:ext uri="{C183D7F6-B498-43B3-948B-1728B52AA6E4}">
-                  <adec:decorative xmlns:adec="http://schemas.microsoft.com/office/drawing/2017/decorative" val="1"/>
-                </a:ext>
-              </a:extLst>
-            </p:cNvPr>
-            <p:cNvSpPr/>
-            <p:nvPr>
-              <p:extLst>
-                <p:ext uri="{386F3935-93C4-4BCD-93E2-E3B085C9AB24}">
-                  <p16:designElem xmlns:p16="http://schemas.microsoft.com/office/powerpoint/2015/main" val="1"/>
-                </p:ext>
-              </p:extLst>
-            </p:nvPr>
-          </p:nvSpPr>
-          <p:spPr>
-            <a:xfrm>
-              <a:off x="10938999" y="-8467"/>
-              <a:ext cx="1249825" cy="6866467"/>
-            </a:xfrm>
-            <a:custGeom>
-              <a:avLst/>
-              <a:gdLst/>
-              <a:ahLst/>
-              <a:cxnLst/>
-              <a:rect l="l" t="t" r="r" b="b"/>
-              <a:pathLst>
-                <a:path w="1249825" h="6858000">
-                  <a:moveTo>
-                    <a:pt x="0" y="0"/>
-                  </a:moveTo>
-                  <a:lnTo>
-                    <a:pt x="1249825" y="0"/>
-                  </a:lnTo>
-                  <a:lnTo>
-                    <a:pt x="1249825" y="6858000"/>
-                  </a:lnTo>
-                  <a:lnTo>
-                    <a:pt x="1109382" y="6858000"/>
-                  </a:lnTo>
-                  <a:lnTo>
-                    <a:pt x="0" y="0"/>
-                  </a:lnTo>
-                  <a:close/>
-                </a:path>
-              </a:pathLst>
-            </a:custGeom>
-            <a:solidFill>
-              <a:schemeClr val="accent1">
-                <a:alpha val="65000"/>
-              </a:schemeClr>
-            </a:solidFill>
-            <a:ln>
-              <a:noFill/>
-            </a:ln>
-            <a:effectLst/>
-          </p:spPr>
-          <p:style>
-            <a:lnRef idx="1">
-              <a:schemeClr val="accent1"/>
-            </a:lnRef>
-            <a:fillRef idx="3">
-              <a:schemeClr val="accent1"/>
-            </a:fillRef>
-            <a:effectRef idx="2">
-              <a:schemeClr val="accent1"/>
-            </a:effectRef>
-            <a:fontRef idx="minor">
-              <a:schemeClr val="lt1"/>
-            </a:fontRef>
-          </p:style>
-        </p:sp>
-        <p:sp>
-          <p:nvSpPr>
-            <p:cNvPr id="80" name="Isosceles Triangle 79">
-              <a:extLst>
-                <a:ext uri="{FF2B5EF4-FFF2-40B4-BE49-F238E27FC236}">
-                  <a16:creationId xmlns:a16="http://schemas.microsoft.com/office/drawing/2014/main" id="{BC8157DF-FD90-4AD6-B803-3AC0ACD8E6A0}"/>
-                </a:ext>
-                <a:ext uri="{C183D7F6-B498-43B3-948B-1728B52AA6E4}">
-                  <adec:decorative xmlns:adec="http://schemas.microsoft.com/office/drawing/2017/decorative" val="1"/>
-                </a:ext>
-              </a:extLst>
-            </p:cNvPr>
-            <p:cNvSpPr/>
-            <p:nvPr>
-              <p:extLst>
-                <p:ext uri="{386F3935-93C4-4BCD-93E2-E3B085C9AB24}">
-                  <p16:designElem xmlns:p16="http://schemas.microsoft.com/office/powerpoint/2015/main" val="1"/>
-                </p:ext>
-              </p:extLst>
-            </p:nvPr>
-          </p:nvSpPr>
-          <p:spPr>
-            <a:xfrm>
-              <a:off x="10371666" y="3589867"/>
-              <a:ext cx="1817159" cy="3268133"/>
-            </a:xfrm>
-            <a:prstGeom prst="triangle">
-              <a:avLst>
-                <a:gd name="adj" fmla="val 100000"/>
-              </a:avLst>
-            </a:prstGeom>
-            <a:solidFill>
-              <a:schemeClr val="accent1">
-                <a:alpha val="80000"/>
-              </a:schemeClr>
-            </a:solidFill>
-            <a:ln>
-              <a:noFill/>
-            </a:ln>
-            <a:effectLst/>
-          </p:spPr>
-          <p:style>
-            <a:lnRef idx="1">
-              <a:schemeClr val="accent1"/>
-            </a:lnRef>
-            <a:fillRef idx="3">
-              <a:schemeClr val="accent1"/>
-            </a:fillRef>
-            <a:effectRef idx="2">
-              <a:schemeClr val="accent1"/>
-            </a:effectRef>
-            <a:fontRef idx="minor">
-              <a:schemeClr val="lt1"/>
-            </a:fontRef>
-          </p:style>
-        </p:sp>
-        <p:sp>
-          <p:nvSpPr>
-            <p:cNvPr id="81" name="Isosceles Triangle 80">
-              <a:extLst>
-                <a:ext uri="{FF2B5EF4-FFF2-40B4-BE49-F238E27FC236}">
-                  <a16:creationId xmlns:a16="http://schemas.microsoft.com/office/drawing/2014/main" id="{3548B067-9D63-4D21-92EF-CBC9E6338C85}"/>
-                </a:ext>
-                <a:ext uri="{C183D7F6-B498-43B3-948B-1728B52AA6E4}">
-                  <adec:decorative xmlns:adec="http://schemas.microsoft.com/office/drawing/2017/decorative" val="1"/>
-                </a:ext>
-              </a:extLst>
-            </p:cNvPr>
-            <p:cNvSpPr/>
-            <p:nvPr>
-              <p:extLst>
-                <p:ext uri="{386F3935-93C4-4BCD-93E2-E3B085C9AB24}">
-                  <p16:designElem xmlns:p16="http://schemas.microsoft.com/office/powerpoint/2015/main" val="1"/>
-                </p:ext>
-              </p:extLst>
-            </p:nvPr>
-          </p:nvSpPr>
-          <p:spPr>
-            <a:xfrm>
-              <a:off x="0" y="4013200"/>
-              <a:ext cx="448733" cy="2844800"/>
-            </a:xfrm>
-            <a:prstGeom prst="triangle">
-              <a:avLst>
-                <a:gd name="adj" fmla="val 0"/>
-              </a:avLst>
-            </a:prstGeom>
-            <a:solidFill>
-              <a:schemeClr val="accent1">
-                <a:alpha val="85000"/>
-              </a:schemeClr>
-            </a:solidFill>
-            <a:ln>
-              <a:noFill/>
-            </a:ln>
-            <a:effectLst/>
-          </p:spPr>
-          <p:style>
-            <a:lnRef idx="1">
-              <a:schemeClr val="accent1"/>
-            </a:lnRef>
-            <a:fillRef idx="3">
-              <a:schemeClr val="accent1"/>
-            </a:fillRef>
-            <a:effectRef idx="2">
-              <a:schemeClr val="accent1"/>
-            </a:effectRef>
-            <a:fontRef idx="minor">
-              <a:schemeClr val="lt1"/>
-            </a:fontRef>
-          </p:style>
-        </p:sp>
-      </p:grpSp>
-      <p:sp useBgFill="1">
-        <p:nvSpPr>
-          <p:cNvPr id="83" name="Rectangle 82">
-            <a:extLst>
-              <a:ext uri="{FF2B5EF4-FFF2-40B4-BE49-F238E27FC236}">
-                <a16:creationId xmlns:a16="http://schemas.microsoft.com/office/drawing/2014/main" id="{A65AC7D1-EAA9-48F5-B509-60A7F50BF703}"/>
-              </a:ext>
-              <a:ext uri="{C183D7F6-B498-43B3-948B-1728B52AA6E4}">
-                <adec:decorative xmlns:adec="http://schemas.microsoft.com/office/drawing/2017/decorative" val="1"/>
-              </a:ext>
-            </a:extLst>
-          </p:cNvPr>
-          <p:cNvSpPr>
-            <a:spLocks noGrp="1" noRot="1" noChangeAspect="1" noMove="1" noResize="1" noEditPoints="1" noAdjustHandles="1" noChangeArrowheads="1" noChangeShapeType="1" noTextEdit="1"/>
-          </p:cNvSpPr>
-          <p:nvPr>
-            <p:extLst>
-              <p:ext uri="{386F3935-93C4-4BCD-93E2-E3B085C9AB24}">
-                <p16:designElem xmlns:p16="http://schemas.microsoft.com/office/powerpoint/2015/main" val="1"/>
-              </p:ext>
-            </p:extLst>
-          </p:nvPr>
-        </p:nvSpPr>
-        <p:spPr>
-          <a:xfrm>
-            <a:off x="0" y="0"/>
-            <a:ext cx="12192000" cy="6858000"/>
-          </a:xfrm>
-          <a:prstGeom prst="rect">
-            <a:avLst/>
-          </a:prstGeom>
-          <a:ln>
-            <a:noFill/>
-          </a:ln>
-        </p:spPr>
-        <p:style>
-          <a:lnRef idx="2">
-            <a:schemeClr val="accent1">
-              <a:shade val="50000"/>
-            </a:schemeClr>
-          </a:lnRef>
-          <a:fillRef idx="1">
-            <a:schemeClr val="accent1"/>
-          </a:fillRef>
-          <a:effectRef idx="0">
-            <a:schemeClr val="accent1"/>
-          </a:effectRef>
-          <a:fontRef idx="minor">
-            <a:schemeClr val="lt1"/>
-          </a:fontRef>
-        </p:style>
-        <p:txBody>
-          <a:bodyPr rtlCol="0" anchor="ctr"/>
-          <a:lstStyle/>
-          <a:p>
-            <a:pPr algn="ctr"/>
-            <a:endParaRPr lang="en-US" dirty="0"/>
-          </a:p>
-        </p:txBody>
-      </p:sp>
-      <p:sp useBgFill="1">
-        <p:nvSpPr>
-          <p:cNvPr id="85" name="Rectangle 84">
-            <a:extLst>
-              <a:ext uri="{FF2B5EF4-FFF2-40B4-BE49-F238E27FC236}">
-                <a16:creationId xmlns:a16="http://schemas.microsoft.com/office/drawing/2014/main" id="{D6320AF9-619A-4175-865B-5663E1AEF4C5}"/>
-              </a:ext>
-              <a:ext uri="{C183D7F6-B498-43B3-948B-1728B52AA6E4}">
-                <adec:decorative xmlns:adec="http://schemas.microsoft.com/office/drawing/2017/decorative" val="1"/>
-              </a:ext>
-            </a:extLst>
-          </p:cNvPr>
-          <p:cNvSpPr>
-            <a:spLocks noGrp="1" noRot="1" noChangeAspect="1" noMove="1" noResize="1" noEditPoints="1" noAdjustHandles="1" noChangeArrowheads="1" noChangeShapeType="1" noTextEdit="1"/>
-          </p:cNvSpPr>
-          <p:nvPr>
-            <p:extLst>
-              <p:ext uri="{386F3935-93C4-4BCD-93E2-E3B085C9AB24}">
-                <p16:designElem xmlns:p16="http://schemas.microsoft.com/office/powerpoint/2015/main" val="1"/>
-              </p:ext>
-            </p:extLst>
-          </p:nvPr>
-        </p:nvSpPr>
-        <p:spPr>
-          <a:xfrm>
-            <a:off x="0" y="0"/>
-            <a:ext cx="12192000" cy="6858000"/>
-          </a:xfrm>
-          <a:prstGeom prst="rect">
-            <a:avLst/>
-          </a:prstGeom>
-          <a:ln>
-            <a:noFill/>
-          </a:ln>
-        </p:spPr>
-        <p:style>
-          <a:lnRef idx="2">
-            <a:schemeClr val="accent1">
-              <a:shade val="50000"/>
-            </a:schemeClr>
-          </a:lnRef>
-          <a:fillRef idx="1">
-            <a:schemeClr val="accent1"/>
-          </a:fillRef>
-          <a:effectRef idx="0">
-            <a:schemeClr val="accent1"/>
-          </a:effectRef>
-          <a:fontRef idx="minor">
-            <a:schemeClr val="lt1"/>
-          </a:fontRef>
-        </p:style>
-        <p:txBody>
-          <a:bodyPr rtlCol="0" anchor="ctr"/>
-          <a:lstStyle/>
-          <a:p>
-            <a:pPr algn="ctr"/>
-            <a:endParaRPr lang="en-US"/>
-          </a:p>
-        </p:txBody>
-      </p:sp>
-      <p:cxnSp>
-        <p:nvCxnSpPr>
-          <p:cNvPr id="87" name="Straight Connector 86">
-            <a:extLst>
-              <a:ext uri="{FF2B5EF4-FFF2-40B4-BE49-F238E27FC236}">
-                <a16:creationId xmlns:a16="http://schemas.microsoft.com/office/drawing/2014/main" id="{063B6EC6-D752-4EE7-908B-F8F19E8C7FEA}"/>
-              </a:ext>
-              <a:ext uri="{C183D7F6-B498-43B3-948B-1728B52AA6E4}">
-                <adec:decorative xmlns:adec="http://schemas.microsoft.com/office/drawing/2017/decorative" val="1"/>
-              </a:ext>
-            </a:extLst>
-          </p:cNvPr>
-          <p:cNvCxnSpPr>
-            <a:cxnSpLocks noGrp="1" noRot="1" noChangeAspect="1" noMove="1" noResize="1" noEditPoints="1" noAdjustHandles="1" noChangeArrowheads="1" noChangeShapeType="1"/>
-          </p:cNvCxnSpPr>
-          <p:nvPr>
-            <p:extLst>
-              <p:ext uri="{386F3935-93C4-4BCD-93E2-E3B085C9AB24}">
-                <p16:designElem xmlns:p16="http://schemas.microsoft.com/office/powerpoint/2015/main" val="1"/>
-              </p:ext>
-            </p:extLst>
-          </p:nvPr>
-        </p:nvCxnSpPr>
-        <p:spPr>
-          <a:xfrm>
-            <a:off x="5111313" y="0"/>
-            <a:ext cx="1219200" cy="6858000"/>
-          </a:xfrm>
-          <a:prstGeom prst="line">
-            <a:avLst/>
-          </a:prstGeom>
-          <a:ln w="9525">
-            <a:solidFill>
-              <a:schemeClr val="accent1">
-                <a:lumMod val="75000"/>
-              </a:schemeClr>
-            </a:solidFill>
-          </a:ln>
-        </p:spPr>
-        <p:style>
-          <a:lnRef idx="2">
-            <a:schemeClr val="accent1"/>
-          </a:lnRef>
-          <a:fillRef idx="0">
-            <a:schemeClr val="accent1"/>
-          </a:fillRef>
-          <a:effectRef idx="1">
-            <a:schemeClr val="accent1"/>
-          </a:effectRef>
-          <a:fontRef idx="minor">
-            <a:schemeClr val="tx1"/>
-          </a:fontRef>
-        </p:style>
-      </p:cxnSp>
-      <p:cxnSp>
-        <p:nvCxnSpPr>
-          <p:cNvPr id="89" name="Straight Connector 88">
-            <a:extLst>
-              <a:ext uri="{FF2B5EF4-FFF2-40B4-BE49-F238E27FC236}">
-                <a16:creationId xmlns:a16="http://schemas.microsoft.com/office/drawing/2014/main" id="{EFECD4E8-AD3E-4228-82A2-9461958EA94D}"/>
-              </a:ext>
-              <a:ext uri="{C183D7F6-B498-43B3-948B-1728B52AA6E4}">
-                <adec:decorative xmlns:adec="http://schemas.microsoft.com/office/drawing/2017/decorative" val="1"/>
-              </a:ext>
-            </a:extLst>
-          </p:cNvPr>
-          <p:cNvCxnSpPr>
-            <a:cxnSpLocks noGrp="1" noRot="1" noChangeAspect="1" noMove="1" noResize="1" noEditPoints="1" noAdjustHandles="1" noChangeArrowheads="1" noChangeShapeType="1"/>
-          </p:cNvCxnSpPr>
-          <p:nvPr>
-            <p:extLst>
-              <p:ext uri="{386F3935-93C4-4BCD-93E2-E3B085C9AB24}">
-                <p16:designElem xmlns:p16="http://schemas.microsoft.com/office/powerpoint/2015/main" val="1"/>
-              </p:ext>
-            </p:extLst>
-          </p:nvPr>
-        </p:nvCxnSpPr>
-        <p:spPr>
-          <a:xfrm flipH="1">
-            <a:off x="3290979" y="3681413"/>
-            <a:ext cx="4763558" cy="3176587"/>
-          </a:xfrm>
-          <a:prstGeom prst="line">
-            <a:avLst/>
-          </a:prstGeom>
-          <a:ln w="9525">
-            <a:solidFill>
-              <a:schemeClr val="tx1">
-                <a:lumMod val="50000"/>
-                <a:lumOff val="50000"/>
-                <a:alpha val="80000"/>
-              </a:schemeClr>
-            </a:solidFill>
-          </a:ln>
-        </p:spPr>
-        <p:style>
-          <a:lnRef idx="2">
-            <a:schemeClr val="accent1"/>
-          </a:lnRef>
-          <a:fillRef idx="0">
-            <a:schemeClr val="accent1"/>
-          </a:fillRef>
-          <a:effectRef idx="1">
-            <a:schemeClr val="accent1"/>
-          </a:effectRef>
-          <a:fontRef idx="minor">
-            <a:schemeClr val="tx1"/>
-          </a:fontRef>
-        </p:style>
-      </p:cxnSp>
-      <p:sp>
-        <p:nvSpPr>
-          <p:cNvPr id="91" name="Rectangle 23">
-            <a:extLst>
-              <a:ext uri="{FF2B5EF4-FFF2-40B4-BE49-F238E27FC236}">
-                <a16:creationId xmlns:a16="http://schemas.microsoft.com/office/drawing/2014/main" id="{7E018740-5C2B-4A41-AC1A-7E68D1EC1954}"/>
-              </a:ext>
-              <a:ext uri="{C183D7F6-B498-43B3-948B-1728B52AA6E4}">
-                <adec:decorative xmlns:adec="http://schemas.microsoft.com/office/drawing/2017/decorative" val="1"/>
-              </a:ext>
-            </a:extLst>
-          </p:cNvPr>
-          <p:cNvSpPr>
-            <a:spLocks noGrp="1" noRot="1" noChangeAspect="1" noMove="1" noResize="1" noEditPoints="1" noAdjustHandles="1" noChangeArrowheads="1" noChangeShapeType="1" noTextEdit="1"/>
-          </p:cNvSpPr>
-          <p:nvPr>
-            <p:extLst>
-              <p:ext uri="{386F3935-93C4-4BCD-93E2-E3B085C9AB24}">
-                <p16:designElem xmlns:p16="http://schemas.microsoft.com/office/powerpoint/2015/main" val="1"/>
-              </p:ext>
-            </p:extLst>
-          </p:nvPr>
-        </p:nvSpPr>
-        <p:spPr>
-          <a:xfrm>
-            <a:off x="4482568" y="-8467"/>
-            <a:ext cx="3007349" cy="6866467"/>
-          </a:xfrm>
-          <a:custGeom>
-            <a:avLst/>
-            <a:gdLst/>
-            <a:ahLst/>
-            <a:cxnLst/>
-            <a:rect l="l" t="t" r="r" b="b"/>
-            <a:pathLst>
-              <a:path w="3007349" h="6866467">
-                <a:moveTo>
-                  <a:pt x="2045532" y="0"/>
-                </a:moveTo>
-                <a:lnTo>
-                  <a:pt x="3007349" y="0"/>
-                </a:lnTo>
-                <a:lnTo>
-                  <a:pt x="3007349" y="6866467"/>
-                </a:lnTo>
-                <a:lnTo>
-                  <a:pt x="0" y="6866467"/>
-                </a:lnTo>
-                <a:lnTo>
-                  <a:pt x="2045532" y="0"/>
-                </a:lnTo>
-                <a:close/>
-              </a:path>
-            </a:pathLst>
-          </a:custGeom>
-          <a:solidFill>
-            <a:schemeClr val="accent1">
-              <a:alpha val="30000"/>
-            </a:schemeClr>
-          </a:solidFill>
-          <a:ln>
-            <a:noFill/>
-          </a:ln>
-          <a:effectLst/>
-        </p:spPr>
-        <p:style>
-          <a:lnRef idx="1">
-            <a:schemeClr val="accent1"/>
-          </a:lnRef>
-          <a:fillRef idx="3">
-            <a:schemeClr val="accent1"/>
-          </a:fillRef>
-          <a:effectRef idx="2">
-            <a:schemeClr val="accent1"/>
-          </a:effectRef>
-          <a:fontRef idx="minor">
-            <a:schemeClr val="lt1"/>
-          </a:fontRef>
-        </p:style>
-      </p:sp>
-      <p:sp>
-        <p:nvSpPr>
-          <p:cNvPr id="93" name="Rectangle 25">
-            <a:extLst>
-              <a:ext uri="{FF2B5EF4-FFF2-40B4-BE49-F238E27FC236}">
-                <a16:creationId xmlns:a16="http://schemas.microsoft.com/office/drawing/2014/main" id="{166F75A4-C475-4941-8EE2-B80A06A2C1BB}"/>
-              </a:ext>
-              <a:ext uri="{C183D7F6-B498-43B3-948B-1728B52AA6E4}">
-                <adec:decorative xmlns:adec="http://schemas.microsoft.com/office/drawing/2017/decorative" val="1"/>
-              </a:ext>
-            </a:extLst>
-          </p:cNvPr>
-          <p:cNvSpPr>
-            <a:spLocks noGrp="1" noRot="1" noChangeAspect="1" noMove="1" noResize="1" noEditPoints="1" noAdjustHandles="1" noChangeArrowheads="1" noChangeShapeType="1" noTextEdit="1"/>
-          </p:cNvSpPr>
-          <p:nvPr>
-            <p:extLst>
-              <p:ext uri="{386F3935-93C4-4BCD-93E2-E3B085C9AB24}">
-                <p16:designElem xmlns:p16="http://schemas.microsoft.com/office/powerpoint/2015/main" val="1"/>
-              </p:ext>
-            </p:extLst>
-          </p:nvPr>
-        </p:nvSpPr>
-        <p:spPr>
-          <a:xfrm>
-            <a:off x="4904534" y="-8467"/>
-            <a:ext cx="2588558" cy="6866467"/>
-          </a:xfrm>
-          <a:custGeom>
-            <a:avLst/>
-            <a:gdLst/>
-            <a:ahLst/>
-            <a:cxnLst/>
-            <a:rect l="l" t="t" r="r" b="b"/>
-            <a:pathLst>
-              <a:path w="2573311" h="6866467">
-                <a:moveTo>
-                  <a:pt x="0" y="0"/>
-                </a:moveTo>
-                <a:lnTo>
-                  <a:pt x="2573311" y="0"/>
-                </a:lnTo>
-                <a:lnTo>
-                  <a:pt x="2573311" y="6866467"/>
-                </a:lnTo>
-                <a:lnTo>
-                  <a:pt x="1202336" y="6866467"/>
-                </a:lnTo>
-                <a:lnTo>
-                  <a:pt x="0" y="0"/>
-                </a:lnTo>
-                <a:close/>
-              </a:path>
-            </a:pathLst>
-          </a:custGeom>
-          <a:solidFill>
-            <a:schemeClr val="accent1">
-              <a:alpha val="20000"/>
-            </a:schemeClr>
-          </a:solidFill>
-          <a:ln>
-            <a:noFill/>
-          </a:ln>
-          <a:effectLst/>
-        </p:spPr>
-        <p:style>
-          <a:lnRef idx="1">
-            <a:schemeClr val="accent1"/>
-          </a:lnRef>
-          <a:fillRef idx="3">
-            <a:schemeClr val="accent1"/>
-          </a:fillRef>
-          <a:effectRef idx="2">
-            <a:schemeClr val="accent1"/>
-          </a:effectRef>
-          <a:fontRef idx="minor">
-            <a:schemeClr val="lt1"/>
-          </a:fontRef>
-        </p:style>
-      </p:sp>
-      <p:sp>
-        <p:nvSpPr>
-          <p:cNvPr id="95" name="Isosceles Triangle 94">
-            <a:extLst>
-              <a:ext uri="{FF2B5EF4-FFF2-40B4-BE49-F238E27FC236}">
-                <a16:creationId xmlns:a16="http://schemas.microsoft.com/office/drawing/2014/main" id="{A032553A-72E8-4B0D-8405-FF9771C9AF05}"/>
-              </a:ext>
-              <a:ext uri="{C183D7F6-B498-43B3-948B-1728B52AA6E4}">
-                <adec:decorative xmlns:adec="http://schemas.microsoft.com/office/drawing/2017/decorative" val="1"/>
-              </a:ext>
-            </a:extLst>
-          </p:cNvPr>
-          <p:cNvSpPr>
-            <a:spLocks noGrp="1" noRot="1" noChangeAspect="1" noMove="1" noResize="1" noEditPoints="1" noAdjustHandles="1" noChangeArrowheads="1" noChangeShapeType="1" noTextEdit="1"/>
-          </p:cNvSpPr>
-          <p:nvPr>
-            <p:extLst>
-              <p:ext uri="{386F3935-93C4-4BCD-93E2-E3B085C9AB24}">
-                <p16:designElem xmlns:p16="http://schemas.microsoft.com/office/powerpoint/2015/main" val="1"/>
-              </p:ext>
-            </p:extLst>
-          </p:nvPr>
-        </p:nvSpPr>
-        <p:spPr>
-          <a:xfrm>
-            <a:off x="4233425" y="3048000"/>
-            <a:ext cx="3259667" cy="3810000"/>
-          </a:xfrm>
-          <a:prstGeom prst="triangle">
-            <a:avLst>
-              <a:gd name="adj" fmla="val 100000"/>
-            </a:avLst>
-          </a:prstGeom>
-          <a:solidFill>
-            <a:schemeClr val="accent2">
-              <a:alpha val="72000"/>
-            </a:schemeClr>
-          </a:solidFill>
-          <a:ln>
-            <a:noFill/>
-          </a:ln>
-          <a:effectLst/>
-        </p:spPr>
-        <p:style>
-          <a:lnRef idx="1">
-            <a:schemeClr val="accent1"/>
-          </a:lnRef>
-          <a:fillRef idx="3">
-            <a:schemeClr val="accent1"/>
-          </a:fillRef>
-          <a:effectRef idx="2">
-            <a:schemeClr val="accent1"/>
-          </a:effectRef>
-          <a:fontRef idx="minor">
-            <a:schemeClr val="lt1"/>
-          </a:fontRef>
-        </p:style>
-      </p:sp>
-      <p:sp>
-        <p:nvSpPr>
-          <p:cNvPr id="97" name="Rectangle 27">
-            <a:extLst>
-              <a:ext uri="{FF2B5EF4-FFF2-40B4-BE49-F238E27FC236}">
-                <a16:creationId xmlns:a16="http://schemas.microsoft.com/office/drawing/2014/main" id="{765800AC-C3B9-498E-87BC-29FAE4C76B21}"/>
-              </a:ext>
-              <a:ext uri="{C183D7F6-B498-43B3-948B-1728B52AA6E4}">
-                <adec:decorative xmlns:adec="http://schemas.microsoft.com/office/drawing/2017/decorative" val="1"/>
-              </a:ext>
-            </a:extLst>
-          </p:cNvPr>
-          <p:cNvSpPr>
-            <a:spLocks noGrp="1" noRot="1" noChangeAspect="1" noMove="1" noResize="1" noEditPoints="1" noAdjustHandles="1" noChangeArrowheads="1" noChangeShapeType="1" noTextEdit="1"/>
-          </p:cNvSpPr>
-          <p:nvPr>
-            <p:extLst>
-              <p:ext uri="{386F3935-93C4-4BCD-93E2-E3B085C9AB24}">
-                <p16:designElem xmlns:p16="http://schemas.microsoft.com/office/powerpoint/2015/main" val="1"/>
-              </p:ext>
-            </p:extLst>
-          </p:nvPr>
-        </p:nvSpPr>
-        <p:spPr>
-          <a:xfrm>
-            <a:off x="4635592" y="-8467"/>
-            <a:ext cx="2854326" cy="6866467"/>
-          </a:xfrm>
-          <a:custGeom>
-            <a:avLst/>
-            <a:gdLst/>
-            <a:ahLst/>
-            <a:cxnLst/>
-            <a:rect l="l" t="t" r="r" b="b"/>
-            <a:pathLst>
-              <a:path w="2858013" h="6866467">
-                <a:moveTo>
-                  <a:pt x="0" y="0"/>
-                </a:moveTo>
-                <a:lnTo>
-                  <a:pt x="2858013" y="0"/>
-                </a:lnTo>
-                <a:lnTo>
-                  <a:pt x="2858013" y="6866467"/>
-                </a:lnTo>
-                <a:lnTo>
-                  <a:pt x="2473942" y="6866467"/>
-                </a:lnTo>
-                <a:lnTo>
-                  <a:pt x="0" y="0"/>
-                </a:lnTo>
-                <a:close/>
-              </a:path>
-            </a:pathLst>
-          </a:custGeom>
-          <a:solidFill>
-            <a:schemeClr val="accent2">
-              <a:lumMod val="75000"/>
-              <a:alpha val="70000"/>
-            </a:schemeClr>
-          </a:solidFill>
-          <a:ln>
-            <a:noFill/>
-          </a:ln>
-          <a:effectLst/>
-        </p:spPr>
-        <p:style>
-          <a:lnRef idx="1">
-            <a:schemeClr val="accent1"/>
-          </a:lnRef>
-          <a:fillRef idx="3">
-            <a:schemeClr val="accent1"/>
-          </a:fillRef>
-          <a:effectRef idx="2">
-            <a:schemeClr val="accent1"/>
-          </a:effectRef>
-          <a:fontRef idx="minor">
-            <a:schemeClr val="lt1"/>
-          </a:fontRef>
-        </p:style>
-      </p:sp>
-      <p:sp>
-        <p:nvSpPr>
-          <p:cNvPr id="99" name="Isosceles Triangle 98">
-            <a:extLst>
-              <a:ext uri="{FF2B5EF4-FFF2-40B4-BE49-F238E27FC236}">
-                <a16:creationId xmlns:a16="http://schemas.microsoft.com/office/drawing/2014/main" id="{1F9D6ACB-2FF4-49F9-978A-E0D5327FC635}"/>
-              </a:ext>
-              <a:ext uri="{C183D7F6-B498-43B3-948B-1728B52AA6E4}">
-                <adec:decorative xmlns:adec="http://schemas.microsoft.com/office/drawing/2017/decorative" val="1"/>
-              </a:ext>
-            </a:extLst>
-          </p:cNvPr>
-          <p:cNvSpPr>
-            <a:spLocks noGrp="1" noRot="1" noChangeAspect="1" noMove="1" noResize="1" noEditPoints="1" noAdjustHandles="1" noChangeArrowheads="1" noChangeShapeType="1" noTextEdit="1"/>
-          </p:cNvSpPr>
-          <p:nvPr>
-            <p:extLst>
-              <p:ext uri="{386F3935-93C4-4BCD-93E2-E3B085C9AB24}">
-                <p16:designElem xmlns:p16="http://schemas.microsoft.com/office/powerpoint/2015/main" val="1"/>
-              </p:ext>
-            </p:extLst>
-          </p:nvPr>
-        </p:nvSpPr>
-        <p:spPr>
-          <a:xfrm>
-            <a:off x="5672758" y="3589867"/>
-            <a:ext cx="1817159" cy="3268133"/>
-          </a:xfrm>
-          <a:prstGeom prst="triangle">
-            <a:avLst>
-              <a:gd name="adj" fmla="val 100000"/>
-            </a:avLst>
-          </a:prstGeom>
-          <a:solidFill>
-            <a:schemeClr val="accent1">
-              <a:alpha val="80000"/>
-            </a:schemeClr>
-          </a:solidFill>
-          <a:ln>
-            <a:noFill/>
-          </a:ln>
-          <a:effectLst/>
-        </p:spPr>
-        <p:style>
-          <a:lnRef idx="1">
-            <a:schemeClr val="accent1"/>
-          </a:lnRef>
-          <a:fillRef idx="3">
-            <a:schemeClr val="accent1"/>
-          </a:fillRef>
-          <a:effectRef idx="2">
-            <a:schemeClr val="accent1"/>
-          </a:effectRef>
-          <a:fontRef idx="minor">
-            <a:schemeClr val="lt1"/>
-          </a:fontRef>
-        </p:style>
-      </p:sp>
-      <p:sp>
-        <p:nvSpPr>
-          <p:cNvPr id="101" name="Freeform: Shape 100">
-            <a:extLst>
-              <a:ext uri="{FF2B5EF4-FFF2-40B4-BE49-F238E27FC236}">
-                <a16:creationId xmlns:a16="http://schemas.microsoft.com/office/drawing/2014/main" id="{A5EC319D-0FEA-4B95-A3EA-01E35672C95B}"/>
-              </a:ext>
-              <a:ext uri="{C183D7F6-B498-43B3-948B-1728B52AA6E4}">
-                <adec:decorative xmlns:adec="http://schemas.microsoft.com/office/drawing/2017/decorative" val="1"/>
-              </a:ext>
-            </a:extLst>
-          </p:cNvPr>
-          <p:cNvSpPr>
-            <a:spLocks noGrp="1" noRot="1" noChangeAspect="1" noMove="1" noResize="1" noEditPoints="1" noAdjustHandles="1" noChangeArrowheads="1" noChangeShapeType="1" noTextEdit="1"/>
-          </p:cNvSpPr>
-          <p:nvPr>
-            <p:extLst>
-              <p:ext uri="{386F3935-93C4-4BCD-93E2-E3B085C9AB24}">
-                <p16:designElem xmlns:p16="http://schemas.microsoft.com/office/powerpoint/2015/main" val="1"/>
-              </p:ext>
-            </p:extLst>
-          </p:nvPr>
-        </p:nvSpPr>
-        <p:spPr>
-          <a:xfrm>
-            <a:off x="6197631" y="-8467"/>
-            <a:ext cx="5994369" cy="6866467"/>
-          </a:xfrm>
-          <a:custGeom>
-            <a:avLst/>
-            <a:gdLst>
-              <a:gd name="connsiteX0" fmla="*/ 0 w 5994369"/>
-              <a:gd name="connsiteY0" fmla="*/ 0 h 6866467"/>
-              <a:gd name="connsiteX1" fmla="*/ 1249825 w 5994369"/>
-              <a:gd name="connsiteY1" fmla="*/ 0 h 6866467"/>
-              <a:gd name="connsiteX2" fmla="*/ 1249825 w 5994369"/>
-              <a:gd name="connsiteY2" fmla="*/ 8467 h 6866467"/>
-              <a:gd name="connsiteX3" fmla="*/ 5994369 w 5994369"/>
-              <a:gd name="connsiteY3" fmla="*/ 8467 h 6866467"/>
-              <a:gd name="connsiteX4" fmla="*/ 5994369 w 5994369"/>
-              <a:gd name="connsiteY4" fmla="*/ 6866467 h 6866467"/>
-              <a:gd name="connsiteX5" fmla="*/ 1249825 w 5994369"/>
-              <a:gd name="connsiteY5" fmla="*/ 6866467 h 6866467"/>
-              <a:gd name="connsiteX6" fmla="*/ 1109382 w 5994369"/>
-              <a:gd name="connsiteY6" fmla="*/ 6866467 h 6866467"/>
-            </a:gdLst>
-            <a:ahLst/>
-            <a:cxnLst>
-              <a:cxn ang="0">
-                <a:pos x="connsiteX0" y="connsiteY0"/>
-              </a:cxn>
-              <a:cxn ang="0">
-                <a:pos x="connsiteX1" y="connsiteY1"/>
-              </a:cxn>
-              <a:cxn ang="0">
-                <a:pos x="connsiteX2" y="connsiteY2"/>
-              </a:cxn>
-              <a:cxn ang="0">
-                <a:pos x="connsiteX3" y="connsiteY3"/>
-              </a:cxn>
-              <a:cxn ang="0">
-                <a:pos x="connsiteX4" y="connsiteY4"/>
-              </a:cxn>
-              <a:cxn ang="0">
-                <a:pos x="connsiteX5" y="connsiteY5"/>
-              </a:cxn>
-              <a:cxn ang="0">
-                <a:pos x="connsiteX6" y="connsiteY6"/>
-              </a:cxn>
-            </a:cxnLst>
-            <a:rect l="l" t="t" r="r" b="b"/>
-            <a:pathLst>
-              <a:path w="5994369" h="6866467">
-                <a:moveTo>
-                  <a:pt x="0" y="0"/>
-                </a:moveTo>
-                <a:lnTo>
-                  <a:pt x="1249825" y="0"/>
-                </a:lnTo>
-                <a:lnTo>
-                  <a:pt x="1249825" y="8467"/>
-                </a:lnTo>
-                <a:lnTo>
-                  <a:pt x="5994369" y="8467"/>
-                </a:lnTo>
-                <a:lnTo>
-                  <a:pt x="5994369" y="6866467"/>
-                </a:lnTo>
-                <a:lnTo>
-                  <a:pt x="1249825" y="6866467"/>
-                </a:lnTo>
-                <a:lnTo>
-                  <a:pt x="1109382" y="6866467"/>
-                </a:lnTo>
-                <a:close/>
-              </a:path>
-            </a:pathLst>
-          </a:custGeom>
-          <a:solidFill>
-            <a:schemeClr val="accent1"/>
-          </a:solidFill>
-          <a:ln>
-            <a:noFill/>
-          </a:ln>
-        </p:spPr>
-        <p:style>
-          <a:lnRef idx="2">
-            <a:schemeClr val="accent1">
-              <a:shade val="50000"/>
-            </a:schemeClr>
-          </a:lnRef>
-          <a:fillRef idx="1">
-            <a:schemeClr val="accent1"/>
-          </a:fillRef>
-          <a:effectRef idx="0">
-            <a:schemeClr val="accent1"/>
-          </a:effectRef>
-          <a:fontRef idx="minor">
-            <a:schemeClr val="lt1"/>
-          </a:fontRef>
-        </p:style>
-        <p:txBody>
-          <a:bodyPr wrap="square" rtlCol="0" anchor="ctr">
-            <a:noAutofit/>
-          </a:bodyPr>
-          <a:lstStyle/>
-          <a:p>
-            <a:pPr algn="ctr"/>
-            <a:endParaRPr lang="en-US"/>
-          </a:p>
-        </p:txBody>
-      </p:sp>
       <p:sp>
         <p:nvSpPr>
           <p:cNvPr id="2" name="Title 1">
@@ -9560,7 +8910,7 @@
           <a:lstStyle/>
           <a:p>
             <a:r>
-              <a:rPr lang="en-US" sz="3600">
+              <a:rPr lang="en-US" sz="3600" dirty="0">
                 <a:solidFill>
                   <a:srgbClr val="FFFFFF"/>
                 </a:solidFill>
@@ -9637,7 +8987,7 @@
         </p:nvSpPr>
         <p:spPr>
           <a:xfrm>
-            <a:off x="7181725" y="2837329"/>
+            <a:off x="4723751" y="2736661"/>
             <a:ext cx="4512988" cy="3317938"/>
           </a:xfrm>
         </p:spPr>
@@ -9652,40 +9002,48 @@
               <a:buChar char=""/>
             </a:pPr>
             <a:r>
-              <a:rPr lang="en-US">
+              <a:rPr lang="en-US" dirty="0">
+                <a:solidFill>
+                  <a:schemeClr val="tx1"/>
+                </a:solidFill>
+              </a:rPr>
+              <a:t>A lightweight version of Flash Player.</a:t>
+            </a:r>
+          </a:p>
+          <a:p>
+            <a:pPr marL="285750" indent="-285750">
+              <a:buFont typeface="Wingdings 3" charset="2"/>
+              <a:buChar char=""/>
+            </a:pPr>
+            <a:r>
+              <a:rPr lang="en-US" dirty="0">
+                <a:solidFill>
+                  <a:schemeClr val="tx1"/>
+                </a:solidFill>
+              </a:rPr>
+              <a:t>Used for lower-end platforms, like mobile and Wii. </a:t>
+            </a:r>
+          </a:p>
+          <a:p>
+            <a:pPr marL="285750" indent="-285750">
+              <a:buFont typeface="Wingdings 3" charset="2"/>
+              <a:buChar char=""/>
+            </a:pPr>
+            <a:r>
+              <a:rPr lang="en-US" dirty="0">
+                <a:solidFill>
+                  <a:schemeClr val="tx1"/>
+                </a:solidFill>
+              </a:rPr>
+              <a:t>It allows multimedia content to be developed</a:t>
+            </a:r>
+            <a:r>
+              <a:rPr lang="en-US" dirty="0">
                 <a:solidFill>
                   <a:srgbClr val="FFFFFF"/>
                 </a:solidFill>
               </a:rPr>
-              <a:t>A lightweight version of Flash Player.</a:t>
-            </a:r>
-          </a:p>
-          <a:p>
-            <a:pPr marL="285750" indent="-285750">
-              <a:buFont typeface="Wingdings 3" charset="2"/>
-              <a:buChar char=""/>
-            </a:pPr>
-            <a:r>
-              <a:rPr lang="en-US">
-                <a:solidFill>
-                  <a:srgbClr val="FFFFFF"/>
-                </a:solidFill>
-              </a:rPr>
-              <a:t>Used for lower-end platforms, like mobile and Wii. </a:t>
-            </a:r>
-          </a:p>
-          <a:p>
-            <a:pPr marL="285750" indent="-285750">
-              <a:buFont typeface="Wingdings 3" charset="2"/>
-              <a:buChar char=""/>
-            </a:pPr>
-            <a:r>
-              <a:rPr lang="en-US">
-                <a:solidFill>
-                  <a:srgbClr val="FFFFFF"/>
-                </a:solidFill>
-              </a:rPr>
-              <a:t>It allows multimedia content to be developed using Adobe Flashs tools.</a:t>
+              <a:t> using Adobe Flash's tools.</a:t>
             </a:r>
           </a:p>
           <a:p>
@@ -9693,7 +9051,7 @@
               <a:buFont typeface="Wingdings 3" charset="2"/>
               <a:buChar char=""/>
             </a:pPr>
-            <a:endParaRPr lang="en-US">
+            <a:endParaRPr lang="en-US" dirty="0">
               <a:solidFill>
                 <a:srgbClr val="FFFFFF"/>
               </a:solidFill>
@@ -9739,703 +9097,41 @@
           <a:chExt cx="0" cy="0"/>
         </a:xfrm>
       </p:grpSpPr>
-      <p:grpSp>
-        <p:nvGrpSpPr>
-          <p:cNvPr id="71" name="Group 70">
+      <p:sp>
+        <p:nvSpPr>
+          <p:cNvPr id="2" name="Title 1">
             <a:extLst>
               <a:ext uri="{FF2B5EF4-FFF2-40B4-BE49-F238E27FC236}">
-                <a16:creationId xmlns:a16="http://schemas.microsoft.com/office/drawing/2014/main" id="{10BE40E3-5550-4CDD-B4FD-387C33EBF157}"/>
-              </a:ext>
-              <a:ext uri="{C183D7F6-B498-43B3-948B-1728B52AA6E4}">
-                <adec:decorative xmlns:adec="http://schemas.microsoft.com/office/drawing/2017/decorative" val="1"/>
+                <a16:creationId xmlns:a16="http://schemas.microsoft.com/office/drawing/2014/main" id="{F81E5DE9-7155-4A45-9009-3A74D955A985}"/>
               </a:ext>
             </a:extLst>
           </p:cNvPr>
-          <p:cNvGrpSpPr>
-            <a:grpSpLocks noGrp="1" noUngrp="1" noRot="1" noChangeAspect="1" noMove="1" noResize="1"/>
-          </p:cNvGrpSpPr>
-          <p:nvPr>
-            <p:extLst>
-              <p:ext uri="{386F3935-93C4-4BCD-93E2-E3B085C9AB24}">
-                <p16:designElem xmlns:p16="http://schemas.microsoft.com/office/powerpoint/2015/main" val="1"/>
-              </p:ext>
-            </p:extLst>
-          </p:nvPr>
-        </p:nvGrpSpPr>
-        <p:grpSpPr>
+          <p:cNvSpPr>
+            <a:spLocks noGrp="1"/>
+          </p:cNvSpPr>
+          <p:nvPr>
+            <p:ph type="title"/>
+          </p:nvPr>
+        </p:nvSpPr>
+        <p:spPr>
           <a:xfrm>
-            <a:off x="0" y="-8467"/>
-            <a:ext cx="12192000" cy="6866467"/>
-            <a:chOff x="0" y="-8467"/>
-            <a:chExt cx="12192000" cy="6866467"/>
+            <a:off x="677333" y="609600"/>
+            <a:ext cx="3851123" cy="1320800"/>
           </a:xfrm>
-        </p:grpSpPr>
-        <p:cxnSp>
-          <p:nvCxnSpPr>
-            <p:cNvPr id="72" name="Straight Connector 71">
-              <a:extLst>
-                <a:ext uri="{FF2B5EF4-FFF2-40B4-BE49-F238E27FC236}">
-                  <a16:creationId xmlns:a16="http://schemas.microsoft.com/office/drawing/2014/main" id="{71A6B738-E50C-4653-B343-B9D6A5EA2771}"/>
-                </a:ext>
-                <a:ext uri="{C183D7F6-B498-43B3-948B-1728B52AA6E4}">
-                  <adec:decorative xmlns:adec="http://schemas.microsoft.com/office/drawing/2017/decorative" val="1"/>
-                </a:ext>
-              </a:extLst>
-            </p:cNvPr>
-            <p:cNvCxnSpPr/>
-            <p:nvPr>
-              <p:extLst>
-                <p:ext uri="{386F3935-93C4-4BCD-93E2-E3B085C9AB24}">
-                  <p16:designElem xmlns:p16="http://schemas.microsoft.com/office/powerpoint/2015/main" val="1"/>
-                </p:ext>
-              </p:extLst>
-            </p:nvPr>
-          </p:nvCxnSpPr>
-          <p:spPr>
-            <a:xfrm>
-              <a:off x="9371012" y="0"/>
-              <a:ext cx="1219200" cy="6858000"/>
-            </a:xfrm>
-            <a:prstGeom prst="line">
-              <a:avLst/>
-            </a:prstGeom>
-            <a:ln w="9525">
-              <a:solidFill>
-                <a:schemeClr val="bg1">
-                  <a:lumMod val="75000"/>
-                </a:schemeClr>
-              </a:solidFill>
-            </a:ln>
-          </p:spPr>
-          <p:style>
-            <a:lnRef idx="2">
-              <a:schemeClr val="accent1"/>
-            </a:lnRef>
-            <a:fillRef idx="0">
-              <a:schemeClr val="accent1"/>
-            </a:fillRef>
-            <a:effectRef idx="1">
-              <a:schemeClr val="accent1"/>
-            </a:effectRef>
-            <a:fontRef idx="minor">
-              <a:schemeClr val="tx1"/>
-            </a:fontRef>
-          </p:style>
-        </p:cxnSp>
-        <p:cxnSp>
-          <p:nvCxnSpPr>
-            <p:cNvPr id="73" name="Straight Connector 72">
-              <a:extLst>
-                <a:ext uri="{FF2B5EF4-FFF2-40B4-BE49-F238E27FC236}">
-                  <a16:creationId xmlns:a16="http://schemas.microsoft.com/office/drawing/2014/main" id="{498768D6-B28C-40A3-B381-39306F5816D5}"/>
-                </a:ext>
-                <a:ext uri="{C183D7F6-B498-43B3-948B-1728B52AA6E4}">
-                  <adec:decorative xmlns:adec="http://schemas.microsoft.com/office/drawing/2017/decorative" val="1"/>
-                </a:ext>
-              </a:extLst>
-            </p:cNvPr>
-            <p:cNvCxnSpPr/>
-            <p:nvPr>
-              <p:extLst>
-                <p:ext uri="{386F3935-93C4-4BCD-93E2-E3B085C9AB24}">
-                  <p16:designElem xmlns:p16="http://schemas.microsoft.com/office/powerpoint/2015/main" val="1"/>
-                </p:ext>
-              </p:extLst>
-            </p:nvPr>
-          </p:nvCxnSpPr>
-          <p:spPr>
-            <a:xfrm flipH="1">
-              <a:off x="7425267" y="3681413"/>
-              <a:ext cx="4763558" cy="3176587"/>
-            </a:xfrm>
-            <a:prstGeom prst="line">
-              <a:avLst/>
-            </a:prstGeom>
-            <a:ln w="9525">
-              <a:solidFill>
-                <a:schemeClr val="bg1">
-                  <a:lumMod val="85000"/>
-                </a:schemeClr>
-              </a:solidFill>
-            </a:ln>
-          </p:spPr>
-          <p:style>
-            <a:lnRef idx="2">
-              <a:schemeClr val="accent1"/>
-            </a:lnRef>
-            <a:fillRef idx="0">
-              <a:schemeClr val="accent1"/>
-            </a:fillRef>
-            <a:effectRef idx="1">
-              <a:schemeClr val="accent1"/>
-            </a:effectRef>
-            <a:fontRef idx="minor">
-              <a:schemeClr val="tx1"/>
-            </a:fontRef>
-          </p:style>
-        </p:cxnSp>
-        <p:sp>
-          <p:nvSpPr>
-            <p:cNvPr id="74" name="Rectangle 23">
-              <a:extLst>
-                <a:ext uri="{FF2B5EF4-FFF2-40B4-BE49-F238E27FC236}">
-                  <a16:creationId xmlns:a16="http://schemas.microsoft.com/office/drawing/2014/main" id="{B27C15B9-7795-4321-AB30-DF1DEF65C19E}"/>
-                </a:ext>
-                <a:ext uri="{C183D7F6-B498-43B3-948B-1728B52AA6E4}">
-                  <adec:decorative xmlns:adec="http://schemas.microsoft.com/office/drawing/2017/decorative" val="1"/>
-                </a:ext>
-              </a:extLst>
-            </p:cNvPr>
-            <p:cNvSpPr/>
-            <p:nvPr>
-              <p:extLst>
-                <p:ext uri="{386F3935-93C4-4BCD-93E2-E3B085C9AB24}">
-                  <p16:designElem xmlns:p16="http://schemas.microsoft.com/office/powerpoint/2015/main" val="1"/>
-                </p:ext>
-              </p:extLst>
-            </p:nvPr>
-          </p:nvSpPr>
-          <p:spPr>
-            <a:xfrm>
-              <a:off x="9181476" y="-8467"/>
-              <a:ext cx="3007349" cy="6866467"/>
-            </a:xfrm>
-            <a:custGeom>
-              <a:avLst/>
-              <a:gdLst/>
-              <a:ahLst/>
-              <a:cxnLst/>
-              <a:rect l="l" t="t" r="r" b="b"/>
-              <a:pathLst>
-                <a:path w="3007349" h="6866467">
-                  <a:moveTo>
-                    <a:pt x="2045532" y="0"/>
-                  </a:moveTo>
-                  <a:lnTo>
-                    <a:pt x="3007349" y="0"/>
-                  </a:lnTo>
-                  <a:lnTo>
-                    <a:pt x="3007349" y="6866467"/>
-                  </a:lnTo>
-                  <a:lnTo>
-                    <a:pt x="0" y="6866467"/>
-                  </a:lnTo>
-                  <a:lnTo>
-                    <a:pt x="2045532" y="0"/>
-                  </a:lnTo>
-                  <a:close/>
-                </a:path>
-              </a:pathLst>
-            </a:custGeom>
-            <a:solidFill>
-              <a:schemeClr val="accent1">
-                <a:alpha val="30000"/>
-              </a:schemeClr>
-            </a:solidFill>
-            <a:ln>
-              <a:noFill/>
-            </a:ln>
-            <a:effectLst/>
-          </p:spPr>
-          <p:style>
-            <a:lnRef idx="1">
-              <a:schemeClr val="accent1"/>
-            </a:lnRef>
-            <a:fillRef idx="3">
-              <a:schemeClr val="accent1"/>
-            </a:fillRef>
-            <a:effectRef idx="2">
-              <a:schemeClr val="accent1"/>
-            </a:effectRef>
-            <a:fontRef idx="minor">
-              <a:schemeClr val="lt1"/>
-            </a:fontRef>
-          </p:style>
-        </p:sp>
-        <p:sp>
-          <p:nvSpPr>
-            <p:cNvPr id="75" name="Rectangle 25">
-              <a:extLst>
-                <a:ext uri="{FF2B5EF4-FFF2-40B4-BE49-F238E27FC236}">
-                  <a16:creationId xmlns:a16="http://schemas.microsoft.com/office/drawing/2014/main" id="{578EC957-1F3F-4C00-B023-C8725C2171CB}"/>
-                </a:ext>
-                <a:ext uri="{C183D7F6-B498-43B3-948B-1728B52AA6E4}">
-                  <adec:decorative xmlns:adec="http://schemas.microsoft.com/office/drawing/2017/decorative" val="1"/>
-                </a:ext>
-              </a:extLst>
-            </p:cNvPr>
-            <p:cNvSpPr/>
-            <p:nvPr>
-              <p:extLst>
-                <p:ext uri="{386F3935-93C4-4BCD-93E2-E3B085C9AB24}">
-                  <p16:designElem xmlns:p16="http://schemas.microsoft.com/office/powerpoint/2015/main" val="1"/>
-                </p:ext>
-              </p:extLst>
-            </p:nvPr>
-          </p:nvSpPr>
-          <p:spPr>
-            <a:xfrm>
-              <a:off x="9603442" y="-8467"/>
-              <a:ext cx="2588558" cy="6866467"/>
-            </a:xfrm>
-            <a:custGeom>
-              <a:avLst/>
-              <a:gdLst/>
-              <a:ahLst/>
-              <a:cxnLst/>
-              <a:rect l="l" t="t" r="r" b="b"/>
-              <a:pathLst>
-                <a:path w="2573311" h="6866467">
-                  <a:moveTo>
-                    <a:pt x="0" y="0"/>
-                  </a:moveTo>
-                  <a:lnTo>
-                    <a:pt x="2573311" y="0"/>
-                  </a:lnTo>
-                  <a:lnTo>
-                    <a:pt x="2573311" y="6866467"/>
-                  </a:lnTo>
-                  <a:lnTo>
-                    <a:pt x="1202336" y="6866467"/>
-                  </a:lnTo>
-                  <a:lnTo>
-                    <a:pt x="0" y="0"/>
-                  </a:lnTo>
-                  <a:close/>
-                </a:path>
-              </a:pathLst>
-            </a:custGeom>
-            <a:solidFill>
-              <a:schemeClr val="accent1">
-                <a:alpha val="20000"/>
-              </a:schemeClr>
-            </a:solidFill>
-            <a:ln>
-              <a:noFill/>
-            </a:ln>
-            <a:effectLst/>
-          </p:spPr>
-          <p:style>
-            <a:lnRef idx="1">
-              <a:schemeClr val="accent1"/>
-            </a:lnRef>
-            <a:fillRef idx="3">
-              <a:schemeClr val="accent1"/>
-            </a:fillRef>
-            <a:effectRef idx="2">
-              <a:schemeClr val="accent1"/>
-            </a:effectRef>
-            <a:fontRef idx="minor">
-              <a:schemeClr val="lt1"/>
-            </a:fontRef>
-          </p:style>
-        </p:sp>
-        <p:sp>
-          <p:nvSpPr>
-            <p:cNvPr id="76" name="Isosceles Triangle 75">
-              <a:extLst>
-                <a:ext uri="{FF2B5EF4-FFF2-40B4-BE49-F238E27FC236}">
-                  <a16:creationId xmlns:a16="http://schemas.microsoft.com/office/drawing/2014/main" id="{3D642632-BBD5-46D6-A91D-9B2BF68219B7}"/>
-                </a:ext>
-                <a:ext uri="{C183D7F6-B498-43B3-948B-1728B52AA6E4}">
-                  <adec:decorative xmlns:adec="http://schemas.microsoft.com/office/drawing/2017/decorative" val="1"/>
-                </a:ext>
-              </a:extLst>
-            </p:cNvPr>
-            <p:cNvSpPr/>
-            <p:nvPr>
-              <p:extLst>
-                <p:ext uri="{386F3935-93C4-4BCD-93E2-E3B085C9AB24}">
-                  <p16:designElem xmlns:p16="http://schemas.microsoft.com/office/powerpoint/2015/main" val="1"/>
-                </p:ext>
-              </p:extLst>
-            </p:nvPr>
-          </p:nvSpPr>
-          <p:spPr>
-            <a:xfrm>
-              <a:off x="8932333" y="3048000"/>
-              <a:ext cx="3259667" cy="3810000"/>
-            </a:xfrm>
-            <a:prstGeom prst="triangle">
-              <a:avLst>
-                <a:gd name="adj" fmla="val 100000"/>
-              </a:avLst>
-            </a:prstGeom>
-            <a:solidFill>
-              <a:schemeClr val="accent2">
-                <a:alpha val="72000"/>
-              </a:schemeClr>
-            </a:solidFill>
-            <a:ln>
-              <a:noFill/>
-            </a:ln>
-            <a:effectLst/>
-          </p:spPr>
-          <p:style>
-            <a:lnRef idx="1">
-              <a:schemeClr val="accent1"/>
-            </a:lnRef>
-            <a:fillRef idx="3">
-              <a:schemeClr val="accent1"/>
-            </a:fillRef>
-            <a:effectRef idx="2">
-              <a:schemeClr val="accent1"/>
-            </a:effectRef>
-            <a:fontRef idx="minor">
-              <a:schemeClr val="lt1"/>
-            </a:fontRef>
-          </p:style>
-        </p:sp>
-        <p:sp>
-          <p:nvSpPr>
-            <p:cNvPr id="77" name="Rectangle 27">
-              <a:extLst>
-                <a:ext uri="{FF2B5EF4-FFF2-40B4-BE49-F238E27FC236}">
-                  <a16:creationId xmlns:a16="http://schemas.microsoft.com/office/drawing/2014/main" id="{BF9D518D-AFF5-4DE2-AEE2-0EC15479A9AF}"/>
-                </a:ext>
-                <a:ext uri="{C183D7F6-B498-43B3-948B-1728B52AA6E4}">
-                  <adec:decorative xmlns:adec="http://schemas.microsoft.com/office/drawing/2017/decorative" val="1"/>
-                </a:ext>
-              </a:extLst>
-            </p:cNvPr>
-            <p:cNvSpPr/>
-            <p:nvPr>
-              <p:extLst>
-                <p:ext uri="{386F3935-93C4-4BCD-93E2-E3B085C9AB24}">
-                  <p16:designElem xmlns:p16="http://schemas.microsoft.com/office/powerpoint/2015/main" val="1"/>
-                </p:ext>
-              </p:extLst>
-            </p:nvPr>
-          </p:nvSpPr>
-          <p:spPr>
-            <a:xfrm>
-              <a:off x="9334500" y="-8467"/>
-              <a:ext cx="2854326" cy="6866467"/>
-            </a:xfrm>
-            <a:custGeom>
-              <a:avLst/>
-              <a:gdLst/>
-              <a:ahLst/>
-              <a:cxnLst/>
-              <a:rect l="l" t="t" r="r" b="b"/>
-              <a:pathLst>
-                <a:path w="2858013" h="6866467">
-                  <a:moveTo>
-                    <a:pt x="0" y="0"/>
-                  </a:moveTo>
-                  <a:lnTo>
-                    <a:pt x="2858013" y="0"/>
-                  </a:lnTo>
-                  <a:lnTo>
-                    <a:pt x="2858013" y="6866467"/>
-                  </a:lnTo>
-                  <a:lnTo>
-                    <a:pt x="2473942" y="6866467"/>
-                  </a:lnTo>
-                  <a:lnTo>
-                    <a:pt x="0" y="0"/>
-                  </a:lnTo>
-                  <a:close/>
-                </a:path>
-              </a:pathLst>
-            </a:custGeom>
-            <a:solidFill>
-              <a:schemeClr val="accent2">
-                <a:lumMod val="75000"/>
-                <a:alpha val="70000"/>
-              </a:schemeClr>
-            </a:solidFill>
-            <a:ln>
-              <a:noFill/>
-            </a:ln>
-            <a:effectLst/>
-          </p:spPr>
-          <p:style>
-            <a:lnRef idx="1">
-              <a:schemeClr val="accent1"/>
-            </a:lnRef>
-            <a:fillRef idx="3">
-              <a:schemeClr val="accent1"/>
-            </a:fillRef>
-            <a:effectRef idx="2">
-              <a:schemeClr val="accent1"/>
-            </a:effectRef>
-            <a:fontRef idx="minor">
-              <a:schemeClr val="lt1"/>
-            </a:fontRef>
-          </p:style>
-        </p:sp>
-        <p:sp>
-          <p:nvSpPr>
-            <p:cNvPr id="78" name="Rectangle 28">
-              <a:extLst>
-                <a:ext uri="{FF2B5EF4-FFF2-40B4-BE49-F238E27FC236}">
-                  <a16:creationId xmlns:a16="http://schemas.microsoft.com/office/drawing/2014/main" id="{14EF979B-B00D-460C-BD56-7EEAFB7E0F98}"/>
-                </a:ext>
-                <a:ext uri="{C183D7F6-B498-43B3-948B-1728B52AA6E4}">
-                  <adec:decorative xmlns:adec="http://schemas.microsoft.com/office/drawing/2017/decorative" val="1"/>
-                </a:ext>
-              </a:extLst>
-            </p:cNvPr>
-            <p:cNvSpPr/>
-            <p:nvPr>
-              <p:extLst>
-                <p:ext uri="{386F3935-93C4-4BCD-93E2-E3B085C9AB24}">
-                  <p16:designElem xmlns:p16="http://schemas.microsoft.com/office/powerpoint/2015/main" val="1"/>
-                </p:ext>
-              </p:extLst>
-            </p:nvPr>
-          </p:nvSpPr>
-          <p:spPr>
-            <a:xfrm>
-              <a:off x="10898730" y="-8467"/>
-              <a:ext cx="1290094" cy="6866467"/>
-            </a:xfrm>
-            <a:custGeom>
-              <a:avLst/>
-              <a:gdLst/>
-              <a:ahLst/>
-              <a:cxnLst/>
-              <a:rect l="l" t="t" r="r" b="b"/>
-              <a:pathLst>
-                <a:path w="1290094" h="6858000">
-                  <a:moveTo>
-                    <a:pt x="1019735" y="0"/>
-                  </a:moveTo>
-                  <a:lnTo>
-                    <a:pt x="1290094" y="0"/>
-                  </a:lnTo>
-                  <a:lnTo>
-                    <a:pt x="1290094" y="6858000"/>
-                  </a:lnTo>
-                  <a:lnTo>
-                    <a:pt x="0" y="6858000"/>
-                  </a:lnTo>
-                  <a:lnTo>
-                    <a:pt x="1019735" y="0"/>
-                  </a:lnTo>
-                  <a:close/>
-                </a:path>
-              </a:pathLst>
-            </a:custGeom>
-            <a:solidFill>
-              <a:schemeClr val="accent1">
-                <a:lumMod val="60000"/>
-                <a:lumOff val="40000"/>
-                <a:alpha val="70000"/>
-              </a:schemeClr>
-            </a:solidFill>
-            <a:ln>
-              <a:noFill/>
-            </a:ln>
-            <a:effectLst/>
-          </p:spPr>
-          <p:style>
-            <a:lnRef idx="1">
-              <a:schemeClr val="accent1"/>
-            </a:lnRef>
-            <a:fillRef idx="3">
-              <a:schemeClr val="accent1"/>
-            </a:fillRef>
-            <a:effectRef idx="2">
-              <a:schemeClr val="accent1"/>
-            </a:effectRef>
-            <a:fontRef idx="minor">
-              <a:schemeClr val="lt1"/>
-            </a:fontRef>
-          </p:style>
-        </p:sp>
-        <p:sp>
-          <p:nvSpPr>
-            <p:cNvPr id="79" name="Rectangle 29">
-              <a:extLst>
-                <a:ext uri="{FF2B5EF4-FFF2-40B4-BE49-F238E27FC236}">
-                  <a16:creationId xmlns:a16="http://schemas.microsoft.com/office/drawing/2014/main" id="{3E40F9A1-6B82-400F-9397-26D1D36F1F04}"/>
-                </a:ext>
-                <a:ext uri="{C183D7F6-B498-43B3-948B-1728B52AA6E4}">
-                  <adec:decorative xmlns:adec="http://schemas.microsoft.com/office/drawing/2017/decorative" val="1"/>
-                </a:ext>
-              </a:extLst>
-            </p:cNvPr>
-            <p:cNvSpPr/>
-            <p:nvPr>
-              <p:extLst>
-                <p:ext uri="{386F3935-93C4-4BCD-93E2-E3B085C9AB24}">
-                  <p16:designElem xmlns:p16="http://schemas.microsoft.com/office/powerpoint/2015/main" val="1"/>
-                </p:ext>
-              </p:extLst>
-            </p:nvPr>
-          </p:nvSpPr>
-          <p:spPr>
-            <a:xfrm>
-              <a:off x="10938999" y="-8467"/>
-              <a:ext cx="1249825" cy="6866467"/>
-            </a:xfrm>
-            <a:custGeom>
-              <a:avLst/>
-              <a:gdLst/>
-              <a:ahLst/>
-              <a:cxnLst/>
-              <a:rect l="l" t="t" r="r" b="b"/>
-              <a:pathLst>
-                <a:path w="1249825" h="6858000">
-                  <a:moveTo>
-                    <a:pt x="0" y="0"/>
-                  </a:moveTo>
-                  <a:lnTo>
-                    <a:pt x="1249825" y="0"/>
-                  </a:lnTo>
-                  <a:lnTo>
-                    <a:pt x="1249825" y="6858000"/>
-                  </a:lnTo>
-                  <a:lnTo>
-                    <a:pt x="1109382" y="6858000"/>
-                  </a:lnTo>
-                  <a:lnTo>
-                    <a:pt x="0" y="0"/>
-                  </a:lnTo>
-                  <a:close/>
-                </a:path>
-              </a:pathLst>
-            </a:custGeom>
-            <a:solidFill>
-              <a:schemeClr val="accent1">
-                <a:alpha val="65000"/>
-              </a:schemeClr>
-            </a:solidFill>
-            <a:ln>
-              <a:noFill/>
-            </a:ln>
-            <a:effectLst/>
-          </p:spPr>
-          <p:style>
-            <a:lnRef idx="1">
-              <a:schemeClr val="accent1"/>
-            </a:lnRef>
-            <a:fillRef idx="3">
-              <a:schemeClr val="accent1"/>
-            </a:fillRef>
-            <a:effectRef idx="2">
-              <a:schemeClr val="accent1"/>
-            </a:effectRef>
-            <a:fontRef idx="minor">
-              <a:schemeClr val="lt1"/>
-            </a:fontRef>
-          </p:style>
-        </p:sp>
-        <p:sp>
-          <p:nvSpPr>
-            <p:cNvPr id="80" name="Isosceles Triangle 79">
-              <a:extLst>
-                <a:ext uri="{FF2B5EF4-FFF2-40B4-BE49-F238E27FC236}">
-                  <a16:creationId xmlns:a16="http://schemas.microsoft.com/office/drawing/2014/main" id="{2EF7DDF1-FF86-4CA4-B08B-8939557EBDB3}"/>
-                </a:ext>
-                <a:ext uri="{C183D7F6-B498-43B3-948B-1728B52AA6E4}">
-                  <adec:decorative xmlns:adec="http://schemas.microsoft.com/office/drawing/2017/decorative" val="1"/>
-                </a:ext>
-              </a:extLst>
-            </p:cNvPr>
-            <p:cNvSpPr/>
-            <p:nvPr>
-              <p:extLst>
-                <p:ext uri="{386F3935-93C4-4BCD-93E2-E3B085C9AB24}">
-                  <p16:designElem xmlns:p16="http://schemas.microsoft.com/office/powerpoint/2015/main" val="1"/>
-                </p:ext>
-              </p:extLst>
-            </p:nvPr>
-          </p:nvSpPr>
-          <p:spPr>
-            <a:xfrm>
-              <a:off x="10371666" y="3589867"/>
-              <a:ext cx="1817159" cy="3268133"/>
-            </a:xfrm>
-            <a:prstGeom prst="triangle">
-              <a:avLst>
-                <a:gd name="adj" fmla="val 100000"/>
-              </a:avLst>
-            </a:prstGeom>
-            <a:solidFill>
-              <a:schemeClr val="accent1">
-                <a:alpha val="80000"/>
-              </a:schemeClr>
-            </a:solidFill>
-            <a:ln>
-              <a:noFill/>
-            </a:ln>
-            <a:effectLst/>
-          </p:spPr>
-          <p:style>
-            <a:lnRef idx="1">
-              <a:schemeClr val="accent1"/>
-            </a:lnRef>
-            <a:fillRef idx="3">
-              <a:schemeClr val="accent1"/>
-            </a:fillRef>
-            <a:effectRef idx="2">
-              <a:schemeClr val="accent1"/>
-            </a:effectRef>
-            <a:fontRef idx="minor">
-              <a:schemeClr val="lt1"/>
-            </a:fontRef>
-          </p:style>
-        </p:sp>
-        <p:sp>
-          <p:nvSpPr>
-            <p:cNvPr id="81" name="Isosceles Triangle 80">
-              <a:extLst>
-                <a:ext uri="{FF2B5EF4-FFF2-40B4-BE49-F238E27FC236}">
-                  <a16:creationId xmlns:a16="http://schemas.microsoft.com/office/drawing/2014/main" id="{6D7C1F89-72B2-4FDC-B9E2-04F52D5C504C}"/>
-                </a:ext>
-                <a:ext uri="{C183D7F6-B498-43B3-948B-1728B52AA6E4}">
-                  <adec:decorative xmlns:adec="http://schemas.microsoft.com/office/drawing/2017/decorative" val="1"/>
-                </a:ext>
-              </a:extLst>
-            </p:cNvPr>
-            <p:cNvSpPr/>
-            <p:nvPr>
-              <p:extLst>
-                <p:ext uri="{386F3935-93C4-4BCD-93E2-E3B085C9AB24}">
-                  <p16:designElem xmlns:p16="http://schemas.microsoft.com/office/powerpoint/2015/main" val="1"/>
-                </p:ext>
-              </p:extLst>
-            </p:nvPr>
-          </p:nvSpPr>
-          <p:spPr>
-            <a:xfrm>
-              <a:off x="0" y="4013200"/>
-              <a:ext cx="448733" cy="2844800"/>
-            </a:xfrm>
-            <a:prstGeom prst="triangle">
-              <a:avLst>
-                <a:gd name="adj" fmla="val 0"/>
-              </a:avLst>
-            </a:prstGeom>
-            <a:solidFill>
-              <a:schemeClr val="accent1">
-                <a:alpha val="85000"/>
-              </a:schemeClr>
-            </a:solidFill>
-            <a:ln>
-              <a:noFill/>
-            </a:ln>
-            <a:effectLst/>
-          </p:spPr>
-          <p:style>
-            <a:lnRef idx="1">
-              <a:schemeClr val="accent1"/>
-            </a:lnRef>
-            <a:fillRef idx="3">
-              <a:schemeClr val="accent1"/>
-            </a:fillRef>
-            <a:effectRef idx="2">
-              <a:schemeClr val="accent1"/>
-            </a:effectRef>
-            <a:fontRef idx="minor">
-              <a:schemeClr val="lt1"/>
-            </a:fontRef>
-          </p:style>
-        </p:sp>
-      </p:grpSp>
+        </p:spPr>
+        <p:txBody>
+          <a:bodyPr vert="horz" lIns="91440" tIns="45720" rIns="91440" bIns="45720" rtlCol="0" anchor="t">
+            <a:normAutofit/>
+          </a:bodyPr>
+          <a:lstStyle/>
+          <a:p>
+            <a:r>
+              <a:rPr lang="en-US" sz="3600" dirty="0"/>
+              <a:t>Making Artificial Worlds</a:t>
+            </a:r>
+          </a:p>
+        </p:txBody>
+      </p:sp>
       <p:pic>
         <p:nvPicPr>
           <p:cNvPr id="4098" name="Picture 2" descr="Image result for 2d game world">
@@ -10460,13 +9156,12 @@
               </a:ext>
             </a:extLst>
           </a:blip>
-          <a:srcRect l="17336" r="17686"/>
           <a:stretch/>
         </p:blipFill>
         <p:spPr bwMode="auto">
           <a:xfrm>
-            <a:off x="4269854" y="-1"/>
-            <a:ext cx="7922146" cy="6858001"/>
+            <a:off x="4760913" y="2008577"/>
+            <a:ext cx="4513262" cy="2539221"/>
           </a:xfrm>
           <a:custGeom>
             <a:avLst/>
@@ -10625,41 +9320,6 @@
       </p:pic>
       <p:sp>
         <p:nvSpPr>
-          <p:cNvPr id="2" name="Title 1">
-            <a:extLst>
-              <a:ext uri="{FF2B5EF4-FFF2-40B4-BE49-F238E27FC236}">
-                <a16:creationId xmlns:a16="http://schemas.microsoft.com/office/drawing/2014/main" id="{F81E5DE9-7155-4A45-9009-3A74D955A985}"/>
-              </a:ext>
-            </a:extLst>
-          </p:cNvPr>
-          <p:cNvSpPr>
-            <a:spLocks noGrp="1"/>
-          </p:cNvSpPr>
-          <p:nvPr>
-            <p:ph type="title"/>
-          </p:nvPr>
-        </p:nvSpPr>
-        <p:spPr>
-          <a:xfrm>
-            <a:off x="677333" y="609600"/>
-            <a:ext cx="3851123" cy="1320800"/>
-          </a:xfrm>
-        </p:spPr>
-        <p:txBody>
-          <a:bodyPr vert="horz" lIns="91440" tIns="45720" rIns="91440" bIns="45720" rtlCol="0" anchor="t">
-            <a:normAutofit/>
-          </a:bodyPr>
-          <a:lstStyle/>
-          <a:p>
-            <a:r>
-              <a:rPr lang="en-US" sz="3600"/>
-              <a:t>Making Artificial Worlds</a:t>
-            </a:r>
-          </a:p>
-        </p:txBody>
-      </p:sp>
-      <p:sp>
-        <p:nvSpPr>
           <p:cNvPr id="4" name="Text Placeholder 3">
             <a:extLst>
               <a:ext uri="{FF2B5EF4-FFF2-40B4-BE49-F238E27FC236}">
@@ -10691,638 +9351,11 @@
               <a:buChar char=""/>
             </a:pPr>
             <a:r>
-              <a:rPr lang="en-US"/>
+              <a:rPr lang="en-US" dirty="0"/>
               <a:t>Making artificial worlds is all about making them believable, and fit for purpose. The world needs to feel alive which is usually created through making trees move, adding birds or other creatures, and layers of perspective. </a:t>
             </a:r>
           </a:p>
         </p:txBody>
-      </p:sp>
-      <p:cxnSp>
-        <p:nvCxnSpPr>
-          <p:cNvPr id="83" name="Straight Connector 82">
-            <a:extLst>
-              <a:ext uri="{FF2B5EF4-FFF2-40B4-BE49-F238E27FC236}">
-                <a16:creationId xmlns:a16="http://schemas.microsoft.com/office/drawing/2014/main" id="{64FA5DFF-7FE6-4855-84E6-DFA78EE978BD}"/>
-              </a:ext>
-              <a:ext uri="{C183D7F6-B498-43B3-948B-1728B52AA6E4}">
-                <adec:decorative xmlns:adec="http://schemas.microsoft.com/office/drawing/2017/decorative" val="1"/>
-              </a:ext>
-            </a:extLst>
-          </p:cNvPr>
-          <p:cNvCxnSpPr>
-            <a:cxnSpLocks noGrp="1" noRot="1" noChangeAspect="1" noMove="1" noResize="1" noEditPoints="1" noAdjustHandles="1" noChangeArrowheads="1" noChangeShapeType="1"/>
-          </p:cNvCxnSpPr>
-          <p:nvPr>
-            <p:extLst>
-              <p:ext uri="{386F3935-93C4-4BCD-93E2-E3B085C9AB24}">
-                <p16:designElem xmlns:p16="http://schemas.microsoft.com/office/powerpoint/2015/main" val="1"/>
-              </p:ext>
-            </p:extLst>
-          </p:nvPr>
-        </p:nvCxnSpPr>
-        <p:spPr>
-          <a:xfrm>
-            <a:off x="9371012" y="0"/>
-            <a:ext cx="1219200" cy="6858000"/>
-          </a:xfrm>
-          <a:prstGeom prst="line">
-            <a:avLst/>
-          </a:prstGeom>
-          <a:ln w="9525">
-            <a:solidFill>
-              <a:schemeClr val="bg1">
-                <a:lumMod val="75000"/>
-              </a:schemeClr>
-            </a:solidFill>
-          </a:ln>
-        </p:spPr>
-        <p:style>
-          <a:lnRef idx="2">
-            <a:schemeClr val="accent1"/>
-          </a:lnRef>
-          <a:fillRef idx="0">
-            <a:schemeClr val="accent1"/>
-          </a:fillRef>
-          <a:effectRef idx="1">
-            <a:schemeClr val="accent1"/>
-          </a:effectRef>
-          <a:fontRef idx="minor">
-            <a:schemeClr val="tx1"/>
-          </a:fontRef>
-        </p:style>
-      </p:cxnSp>
-      <p:cxnSp>
-        <p:nvCxnSpPr>
-          <p:cNvPr id="85" name="Straight Connector 84">
-            <a:extLst>
-              <a:ext uri="{FF2B5EF4-FFF2-40B4-BE49-F238E27FC236}">
-                <a16:creationId xmlns:a16="http://schemas.microsoft.com/office/drawing/2014/main" id="{2AFD8CBA-54A3-4363-991B-B9C631BBFA74}"/>
-              </a:ext>
-              <a:ext uri="{C183D7F6-B498-43B3-948B-1728B52AA6E4}">
-                <adec:decorative xmlns:adec="http://schemas.microsoft.com/office/drawing/2017/decorative" val="1"/>
-              </a:ext>
-            </a:extLst>
-          </p:cNvPr>
-          <p:cNvCxnSpPr>
-            <a:cxnSpLocks noGrp="1" noRot="1" noChangeAspect="1" noMove="1" noResize="1" noEditPoints="1" noAdjustHandles="1" noChangeArrowheads="1" noChangeShapeType="1"/>
-          </p:cNvCxnSpPr>
-          <p:nvPr>
-            <p:extLst>
-              <p:ext uri="{386F3935-93C4-4BCD-93E2-E3B085C9AB24}">
-                <p16:designElem xmlns:p16="http://schemas.microsoft.com/office/powerpoint/2015/main" val="1"/>
-              </p:ext>
-            </p:extLst>
-          </p:nvPr>
-        </p:nvCxnSpPr>
-        <p:spPr>
-          <a:xfrm flipH="1">
-            <a:off x="7425267" y="3681413"/>
-            <a:ext cx="4763558" cy="3176587"/>
-          </a:xfrm>
-          <a:prstGeom prst="line">
-            <a:avLst/>
-          </a:prstGeom>
-          <a:ln w="9525">
-            <a:solidFill>
-              <a:schemeClr val="bg1">
-                <a:lumMod val="85000"/>
-              </a:schemeClr>
-            </a:solidFill>
-          </a:ln>
-        </p:spPr>
-        <p:style>
-          <a:lnRef idx="2">
-            <a:schemeClr val="accent1"/>
-          </a:lnRef>
-          <a:fillRef idx="0">
-            <a:schemeClr val="accent1"/>
-          </a:fillRef>
-          <a:effectRef idx="1">
-            <a:schemeClr val="accent1"/>
-          </a:effectRef>
-          <a:fontRef idx="minor">
-            <a:schemeClr val="tx1"/>
-          </a:fontRef>
-        </p:style>
-      </p:cxnSp>
-      <p:sp>
-        <p:nvSpPr>
-          <p:cNvPr id="87" name="Rectangle 23">
-            <a:extLst>
-              <a:ext uri="{FF2B5EF4-FFF2-40B4-BE49-F238E27FC236}">
-                <a16:creationId xmlns:a16="http://schemas.microsoft.com/office/drawing/2014/main" id="{3F088236-D655-4F88-B238-E16762358025}"/>
-              </a:ext>
-              <a:ext uri="{C183D7F6-B498-43B3-948B-1728B52AA6E4}">
-                <adec:decorative xmlns:adec="http://schemas.microsoft.com/office/drawing/2017/decorative" val="1"/>
-              </a:ext>
-            </a:extLst>
-          </p:cNvPr>
-          <p:cNvSpPr>
-            <a:spLocks noGrp="1" noRot="1" noChangeAspect="1" noMove="1" noResize="1" noEditPoints="1" noAdjustHandles="1" noChangeArrowheads="1" noChangeShapeType="1" noTextEdit="1"/>
-          </p:cNvSpPr>
-          <p:nvPr>
-            <p:extLst>
-              <p:ext uri="{386F3935-93C4-4BCD-93E2-E3B085C9AB24}">
-                <p16:designElem xmlns:p16="http://schemas.microsoft.com/office/powerpoint/2015/main" val="1"/>
-              </p:ext>
-            </p:extLst>
-          </p:nvPr>
-        </p:nvSpPr>
-        <p:spPr>
-          <a:xfrm>
-            <a:off x="9181476" y="-8467"/>
-            <a:ext cx="3007349" cy="6866467"/>
-          </a:xfrm>
-          <a:custGeom>
-            <a:avLst/>
-            <a:gdLst/>
-            <a:ahLst/>
-            <a:cxnLst/>
-            <a:rect l="l" t="t" r="r" b="b"/>
-            <a:pathLst>
-              <a:path w="3007349" h="6866467">
-                <a:moveTo>
-                  <a:pt x="2045532" y="0"/>
-                </a:moveTo>
-                <a:lnTo>
-                  <a:pt x="3007349" y="0"/>
-                </a:lnTo>
-                <a:lnTo>
-                  <a:pt x="3007349" y="6866467"/>
-                </a:lnTo>
-                <a:lnTo>
-                  <a:pt x="0" y="6866467"/>
-                </a:lnTo>
-                <a:lnTo>
-                  <a:pt x="2045532" y="0"/>
-                </a:lnTo>
-                <a:close/>
-              </a:path>
-            </a:pathLst>
-          </a:custGeom>
-          <a:solidFill>
-            <a:schemeClr val="accent1">
-              <a:alpha val="30000"/>
-            </a:schemeClr>
-          </a:solidFill>
-          <a:ln>
-            <a:noFill/>
-          </a:ln>
-          <a:effectLst/>
-        </p:spPr>
-        <p:style>
-          <a:lnRef idx="1">
-            <a:schemeClr val="accent1"/>
-          </a:lnRef>
-          <a:fillRef idx="3">
-            <a:schemeClr val="accent1"/>
-          </a:fillRef>
-          <a:effectRef idx="2">
-            <a:schemeClr val="accent1"/>
-          </a:effectRef>
-          <a:fontRef idx="minor">
-            <a:schemeClr val="lt1"/>
-          </a:fontRef>
-        </p:style>
-      </p:sp>
-      <p:sp>
-        <p:nvSpPr>
-          <p:cNvPr id="89" name="Rectangle 25">
-            <a:extLst>
-              <a:ext uri="{FF2B5EF4-FFF2-40B4-BE49-F238E27FC236}">
-                <a16:creationId xmlns:a16="http://schemas.microsoft.com/office/drawing/2014/main" id="{3DAC0C92-199E-475C-9390-119A9B027276}"/>
-              </a:ext>
-              <a:ext uri="{C183D7F6-B498-43B3-948B-1728B52AA6E4}">
-                <adec:decorative xmlns:adec="http://schemas.microsoft.com/office/drawing/2017/decorative" val="1"/>
-              </a:ext>
-            </a:extLst>
-          </p:cNvPr>
-          <p:cNvSpPr>
-            <a:spLocks noGrp="1" noRot="1" noChangeAspect="1" noMove="1" noResize="1" noEditPoints="1" noAdjustHandles="1" noChangeArrowheads="1" noChangeShapeType="1" noTextEdit="1"/>
-          </p:cNvSpPr>
-          <p:nvPr>
-            <p:extLst>
-              <p:ext uri="{386F3935-93C4-4BCD-93E2-E3B085C9AB24}">
-                <p16:designElem xmlns:p16="http://schemas.microsoft.com/office/powerpoint/2015/main" val="1"/>
-              </p:ext>
-            </p:extLst>
-          </p:nvPr>
-        </p:nvSpPr>
-        <p:spPr>
-          <a:xfrm>
-            <a:off x="9603442" y="-8467"/>
-            <a:ext cx="2588558" cy="6866467"/>
-          </a:xfrm>
-          <a:custGeom>
-            <a:avLst/>
-            <a:gdLst/>
-            <a:ahLst/>
-            <a:cxnLst/>
-            <a:rect l="l" t="t" r="r" b="b"/>
-            <a:pathLst>
-              <a:path w="2573311" h="6866467">
-                <a:moveTo>
-                  <a:pt x="0" y="0"/>
-                </a:moveTo>
-                <a:lnTo>
-                  <a:pt x="2573311" y="0"/>
-                </a:lnTo>
-                <a:lnTo>
-                  <a:pt x="2573311" y="6866467"/>
-                </a:lnTo>
-                <a:lnTo>
-                  <a:pt x="1202336" y="6866467"/>
-                </a:lnTo>
-                <a:lnTo>
-                  <a:pt x="0" y="0"/>
-                </a:lnTo>
-                <a:close/>
-              </a:path>
-            </a:pathLst>
-          </a:custGeom>
-          <a:solidFill>
-            <a:schemeClr val="accent1">
-              <a:alpha val="20000"/>
-            </a:schemeClr>
-          </a:solidFill>
-          <a:ln>
-            <a:noFill/>
-          </a:ln>
-          <a:effectLst/>
-        </p:spPr>
-        <p:style>
-          <a:lnRef idx="1">
-            <a:schemeClr val="accent1"/>
-          </a:lnRef>
-          <a:fillRef idx="3">
-            <a:schemeClr val="accent1"/>
-          </a:fillRef>
-          <a:effectRef idx="2">
-            <a:schemeClr val="accent1"/>
-          </a:effectRef>
-          <a:fontRef idx="minor">
-            <a:schemeClr val="lt1"/>
-          </a:fontRef>
-        </p:style>
-      </p:sp>
-      <p:sp>
-        <p:nvSpPr>
-          <p:cNvPr id="91" name="Isosceles Triangle 24">
-            <a:extLst>
-              <a:ext uri="{FF2B5EF4-FFF2-40B4-BE49-F238E27FC236}">
-                <a16:creationId xmlns:a16="http://schemas.microsoft.com/office/drawing/2014/main" id="{C4CFB339-0ED8-4FE2-9EF1-6D1375B8499B}"/>
-              </a:ext>
-              <a:ext uri="{C183D7F6-B498-43B3-948B-1728B52AA6E4}">
-                <adec:decorative xmlns:adec="http://schemas.microsoft.com/office/drawing/2017/decorative" val="1"/>
-              </a:ext>
-            </a:extLst>
-          </p:cNvPr>
-          <p:cNvSpPr>
-            <a:spLocks noGrp="1" noRot="1" noChangeAspect="1" noMove="1" noResize="1" noEditPoints="1" noAdjustHandles="1" noChangeArrowheads="1" noChangeShapeType="1" noTextEdit="1"/>
-          </p:cNvSpPr>
-          <p:nvPr>
-            <p:extLst>
-              <p:ext uri="{386F3935-93C4-4BCD-93E2-E3B085C9AB24}">
-                <p16:designElem xmlns:p16="http://schemas.microsoft.com/office/powerpoint/2015/main" val="1"/>
-              </p:ext>
-            </p:extLst>
-          </p:nvPr>
-        </p:nvSpPr>
-        <p:spPr>
-          <a:xfrm>
-            <a:off x="8932333" y="3048000"/>
-            <a:ext cx="3259667" cy="3810000"/>
-          </a:xfrm>
-          <a:prstGeom prst="triangle">
-            <a:avLst>
-              <a:gd name="adj" fmla="val 100000"/>
-            </a:avLst>
-          </a:prstGeom>
-          <a:solidFill>
-            <a:schemeClr val="accent2">
-              <a:alpha val="72000"/>
-            </a:schemeClr>
-          </a:solidFill>
-          <a:ln>
-            <a:noFill/>
-          </a:ln>
-          <a:effectLst/>
-        </p:spPr>
-        <p:style>
-          <a:lnRef idx="1">
-            <a:schemeClr val="accent1"/>
-          </a:lnRef>
-          <a:fillRef idx="3">
-            <a:schemeClr val="accent1"/>
-          </a:fillRef>
-          <a:effectRef idx="2">
-            <a:schemeClr val="accent1"/>
-          </a:effectRef>
-          <a:fontRef idx="minor">
-            <a:schemeClr val="lt1"/>
-          </a:fontRef>
-        </p:style>
-      </p:sp>
-      <p:sp>
-        <p:nvSpPr>
-          <p:cNvPr id="93" name="Rectangle 27">
-            <a:extLst>
-              <a:ext uri="{FF2B5EF4-FFF2-40B4-BE49-F238E27FC236}">
-                <a16:creationId xmlns:a16="http://schemas.microsoft.com/office/drawing/2014/main" id="{31896C80-2069-4431-9C19-83B913734490}"/>
-              </a:ext>
-              <a:ext uri="{C183D7F6-B498-43B3-948B-1728B52AA6E4}">
-                <adec:decorative xmlns:adec="http://schemas.microsoft.com/office/drawing/2017/decorative" val="1"/>
-              </a:ext>
-            </a:extLst>
-          </p:cNvPr>
-          <p:cNvSpPr>
-            <a:spLocks noGrp="1" noRot="1" noChangeAspect="1" noMove="1" noResize="1" noEditPoints="1" noAdjustHandles="1" noChangeArrowheads="1" noChangeShapeType="1" noTextEdit="1"/>
-          </p:cNvSpPr>
-          <p:nvPr>
-            <p:extLst>
-              <p:ext uri="{386F3935-93C4-4BCD-93E2-E3B085C9AB24}">
-                <p16:designElem xmlns:p16="http://schemas.microsoft.com/office/powerpoint/2015/main" val="1"/>
-              </p:ext>
-            </p:extLst>
-          </p:nvPr>
-        </p:nvSpPr>
-        <p:spPr>
-          <a:xfrm>
-            <a:off x="9334500" y="-8467"/>
-            <a:ext cx="2854326" cy="6866467"/>
-          </a:xfrm>
-          <a:custGeom>
-            <a:avLst/>
-            <a:gdLst/>
-            <a:ahLst/>
-            <a:cxnLst/>
-            <a:rect l="l" t="t" r="r" b="b"/>
-            <a:pathLst>
-              <a:path w="2858013" h="6866467">
-                <a:moveTo>
-                  <a:pt x="0" y="0"/>
-                </a:moveTo>
-                <a:lnTo>
-                  <a:pt x="2858013" y="0"/>
-                </a:lnTo>
-                <a:lnTo>
-                  <a:pt x="2858013" y="6866467"/>
-                </a:lnTo>
-                <a:lnTo>
-                  <a:pt x="2473942" y="6866467"/>
-                </a:lnTo>
-                <a:lnTo>
-                  <a:pt x="0" y="0"/>
-                </a:lnTo>
-                <a:close/>
-              </a:path>
-            </a:pathLst>
-          </a:custGeom>
-          <a:solidFill>
-            <a:schemeClr val="accent2">
-              <a:lumMod val="75000"/>
-              <a:alpha val="47000"/>
-            </a:schemeClr>
-          </a:solidFill>
-          <a:ln>
-            <a:noFill/>
-          </a:ln>
-          <a:effectLst/>
-        </p:spPr>
-        <p:style>
-          <a:lnRef idx="1">
-            <a:schemeClr val="accent1"/>
-          </a:lnRef>
-          <a:fillRef idx="3">
-            <a:schemeClr val="accent1"/>
-          </a:fillRef>
-          <a:effectRef idx="2">
-            <a:schemeClr val="accent1"/>
-          </a:effectRef>
-          <a:fontRef idx="minor">
-            <a:schemeClr val="lt1"/>
-          </a:fontRef>
-        </p:style>
-      </p:sp>
-      <p:sp>
-        <p:nvSpPr>
-          <p:cNvPr id="95" name="Rectangle 28">
-            <a:extLst>
-              <a:ext uri="{FF2B5EF4-FFF2-40B4-BE49-F238E27FC236}">
-                <a16:creationId xmlns:a16="http://schemas.microsoft.com/office/drawing/2014/main" id="{BF120A21-0841-4823-B0C4-28AEBCEF9B78}"/>
-              </a:ext>
-              <a:ext uri="{C183D7F6-B498-43B3-948B-1728B52AA6E4}">
-                <adec:decorative xmlns:adec="http://schemas.microsoft.com/office/drawing/2017/decorative" val="1"/>
-              </a:ext>
-            </a:extLst>
-          </p:cNvPr>
-          <p:cNvSpPr>
-            <a:spLocks noGrp="1" noRot="1" noChangeAspect="1" noMove="1" noResize="1" noEditPoints="1" noAdjustHandles="1" noChangeArrowheads="1" noChangeShapeType="1" noTextEdit="1"/>
-          </p:cNvSpPr>
-          <p:nvPr>
-            <p:extLst>
-              <p:ext uri="{386F3935-93C4-4BCD-93E2-E3B085C9AB24}">
-                <p16:designElem xmlns:p16="http://schemas.microsoft.com/office/powerpoint/2015/main" val="1"/>
-              </p:ext>
-            </p:extLst>
-          </p:nvPr>
-        </p:nvSpPr>
-        <p:spPr>
-          <a:xfrm>
-            <a:off x="10898730" y="-8467"/>
-            <a:ext cx="1290094" cy="6866467"/>
-          </a:xfrm>
-          <a:custGeom>
-            <a:avLst/>
-            <a:gdLst/>
-            <a:ahLst/>
-            <a:cxnLst/>
-            <a:rect l="l" t="t" r="r" b="b"/>
-            <a:pathLst>
-              <a:path w="1290094" h="6858000">
-                <a:moveTo>
-                  <a:pt x="1019735" y="0"/>
-                </a:moveTo>
-                <a:lnTo>
-                  <a:pt x="1290094" y="0"/>
-                </a:lnTo>
-                <a:lnTo>
-                  <a:pt x="1290094" y="6858000"/>
-                </a:lnTo>
-                <a:lnTo>
-                  <a:pt x="0" y="6858000"/>
-                </a:lnTo>
-                <a:lnTo>
-                  <a:pt x="1019735" y="0"/>
-                </a:lnTo>
-                <a:close/>
-              </a:path>
-            </a:pathLst>
-          </a:custGeom>
-          <a:solidFill>
-            <a:schemeClr val="accent1">
-              <a:lumMod val="60000"/>
-              <a:lumOff val="40000"/>
-              <a:alpha val="70000"/>
-            </a:schemeClr>
-          </a:solidFill>
-          <a:ln>
-            <a:noFill/>
-          </a:ln>
-          <a:effectLst/>
-        </p:spPr>
-        <p:style>
-          <a:lnRef idx="1">
-            <a:schemeClr val="accent1"/>
-          </a:lnRef>
-          <a:fillRef idx="3">
-            <a:schemeClr val="accent1"/>
-          </a:fillRef>
-          <a:effectRef idx="2">
-            <a:schemeClr val="accent1"/>
-          </a:effectRef>
-          <a:fontRef idx="minor">
-            <a:schemeClr val="lt1"/>
-          </a:fontRef>
-        </p:style>
-      </p:sp>
-      <p:sp>
-        <p:nvSpPr>
-          <p:cNvPr id="97" name="Rectangle 29">
-            <a:extLst>
-              <a:ext uri="{FF2B5EF4-FFF2-40B4-BE49-F238E27FC236}">
-                <a16:creationId xmlns:a16="http://schemas.microsoft.com/office/drawing/2014/main" id="{DBB05BAE-BBD3-4289-899F-A6851503C6B0}"/>
-              </a:ext>
-              <a:ext uri="{C183D7F6-B498-43B3-948B-1728B52AA6E4}">
-                <adec:decorative xmlns:adec="http://schemas.microsoft.com/office/drawing/2017/decorative" val="1"/>
-              </a:ext>
-            </a:extLst>
-          </p:cNvPr>
-          <p:cNvSpPr>
-            <a:spLocks noGrp="1" noRot="1" noChangeAspect="1" noMove="1" noResize="1" noEditPoints="1" noAdjustHandles="1" noChangeArrowheads="1" noChangeShapeType="1" noTextEdit="1"/>
-          </p:cNvSpPr>
-          <p:nvPr>
-            <p:extLst>
-              <p:ext uri="{386F3935-93C4-4BCD-93E2-E3B085C9AB24}">
-                <p16:designElem xmlns:p16="http://schemas.microsoft.com/office/powerpoint/2015/main" val="1"/>
-              </p:ext>
-            </p:extLst>
-          </p:nvPr>
-        </p:nvSpPr>
-        <p:spPr>
-          <a:xfrm>
-            <a:off x="10938999" y="-8467"/>
-            <a:ext cx="1249825" cy="6866467"/>
-          </a:xfrm>
-          <a:custGeom>
-            <a:avLst/>
-            <a:gdLst/>
-            <a:ahLst/>
-            <a:cxnLst/>
-            <a:rect l="l" t="t" r="r" b="b"/>
-            <a:pathLst>
-              <a:path w="1249825" h="6858000">
-                <a:moveTo>
-                  <a:pt x="0" y="0"/>
-                </a:moveTo>
-                <a:lnTo>
-                  <a:pt x="1249825" y="0"/>
-                </a:lnTo>
-                <a:lnTo>
-                  <a:pt x="1249825" y="6858000"/>
-                </a:lnTo>
-                <a:lnTo>
-                  <a:pt x="1109382" y="6858000"/>
-                </a:lnTo>
-                <a:lnTo>
-                  <a:pt x="0" y="0"/>
-                </a:lnTo>
-                <a:close/>
-              </a:path>
-            </a:pathLst>
-          </a:custGeom>
-          <a:solidFill>
-            <a:schemeClr val="accent1">
-              <a:alpha val="65000"/>
-            </a:schemeClr>
-          </a:solidFill>
-          <a:ln>
-            <a:noFill/>
-          </a:ln>
-          <a:effectLst/>
-        </p:spPr>
-        <p:style>
-          <a:lnRef idx="1">
-            <a:schemeClr val="accent1"/>
-          </a:lnRef>
-          <a:fillRef idx="3">
-            <a:schemeClr val="accent1"/>
-          </a:fillRef>
-          <a:effectRef idx="2">
-            <a:schemeClr val="accent1"/>
-          </a:effectRef>
-          <a:fontRef idx="minor">
-            <a:schemeClr val="lt1"/>
-          </a:fontRef>
-        </p:style>
-      </p:sp>
-      <p:sp>
-        <p:nvSpPr>
-          <p:cNvPr id="99" name="Isosceles Triangle 29">
-            <a:extLst>
-              <a:ext uri="{FF2B5EF4-FFF2-40B4-BE49-F238E27FC236}">
-                <a16:creationId xmlns:a16="http://schemas.microsoft.com/office/drawing/2014/main" id="{9874D11C-36F5-4BBE-A490-019A54E953B0}"/>
-              </a:ext>
-              <a:ext uri="{C183D7F6-B498-43B3-948B-1728B52AA6E4}">
-                <adec:decorative xmlns:adec="http://schemas.microsoft.com/office/drawing/2017/decorative" val="1"/>
-              </a:ext>
-            </a:extLst>
-          </p:cNvPr>
-          <p:cNvSpPr>
-            <a:spLocks noGrp="1" noRot="1" noChangeAspect="1" noMove="1" noResize="1" noEditPoints="1" noAdjustHandles="1" noChangeArrowheads="1" noChangeShapeType="1" noTextEdit="1"/>
-          </p:cNvSpPr>
-          <p:nvPr>
-            <p:extLst>
-              <p:ext uri="{386F3935-93C4-4BCD-93E2-E3B085C9AB24}">
-                <p16:designElem xmlns:p16="http://schemas.microsoft.com/office/powerpoint/2015/main" val="1"/>
-              </p:ext>
-            </p:extLst>
-          </p:nvPr>
-        </p:nvSpPr>
-        <p:spPr>
-          <a:xfrm>
-            <a:off x="10371666" y="3589867"/>
-            <a:ext cx="1817159" cy="3268133"/>
-          </a:xfrm>
-          <a:prstGeom prst="triangle">
-            <a:avLst>
-              <a:gd name="adj" fmla="val 100000"/>
-            </a:avLst>
-          </a:prstGeom>
-          <a:solidFill>
-            <a:schemeClr val="accent1">
-              <a:alpha val="80000"/>
-            </a:schemeClr>
-          </a:solidFill>
-          <a:ln>
-            <a:noFill/>
-          </a:ln>
-          <a:effectLst/>
-        </p:spPr>
-        <p:style>
-          <a:lnRef idx="1">
-            <a:schemeClr val="accent1"/>
-          </a:lnRef>
-          <a:fillRef idx="3">
-            <a:schemeClr val="accent1"/>
-          </a:fillRef>
-          <a:effectRef idx="2">
-            <a:schemeClr val="accent1"/>
-          </a:effectRef>
-          <a:fontRef idx="minor">
-            <a:schemeClr val="lt1"/>
-          </a:fontRef>
-        </p:style>
       </p:sp>
     </p:spTree>
     <p:extLst>
@@ -11362,703 +9395,6 @@
           <a:chExt cx="0" cy="0"/>
         </a:xfrm>
       </p:grpSpPr>
-      <p:grpSp>
-        <p:nvGrpSpPr>
-          <p:cNvPr id="6148" name="Group 70">
-            <a:extLst>
-              <a:ext uri="{FF2B5EF4-FFF2-40B4-BE49-F238E27FC236}">
-                <a16:creationId xmlns:a16="http://schemas.microsoft.com/office/drawing/2014/main" id="{10BE40E3-5550-4CDD-B4FD-387C33EBF157}"/>
-              </a:ext>
-              <a:ext uri="{C183D7F6-B498-43B3-948B-1728B52AA6E4}">
-                <adec:decorative xmlns:adec="http://schemas.microsoft.com/office/drawing/2017/decorative" val="1"/>
-              </a:ext>
-            </a:extLst>
-          </p:cNvPr>
-          <p:cNvGrpSpPr>
-            <a:grpSpLocks noGrp="1" noUngrp="1" noRot="1" noChangeAspect="1" noMove="1" noResize="1"/>
-          </p:cNvGrpSpPr>
-          <p:nvPr>
-            <p:extLst>
-              <p:ext uri="{386F3935-93C4-4BCD-93E2-E3B085C9AB24}">
-                <p16:designElem xmlns:p16="http://schemas.microsoft.com/office/powerpoint/2015/main" val="1"/>
-              </p:ext>
-            </p:extLst>
-          </p:nvPr>
-        </p:nvGrpSpPr>
-        <p:grpSpPr>
-          <a:xfrm>
-            <a:off x="0" y="-8467"/>
-            <a:ext cx="12192000" cy="6866467"/>
-            <a:chOff x="0" y="-8467"/>
-            <a:chExt cx="12192000" cy="6866467"/>
-          </a:xfrm>
-        </p:grpSpPr>
-        <p:cxnSp>
-          <p:nvCxnSpPr>
-            <p:cNvPr id="72" name="Straight Connector 71">
-              <a:extLst>
-                <a:ext uri="{FF2B5EF4-FFF2-40B4-BE49-F238E27FC236}">
-                  <a16:creationId xmlns:a16="http://schemas.microsoft.com/office/drawing/2014/main" id="{71A6B738-E50C-4653-B343-B9D6A5EA2771}"/>
-                </a:ext>
-                <a:ext uri="{C183D7F6-B498-43B3-948B-1728B52AA6E4}">
-                  <adec:decorative xmlns:adec="http://schemas.microsoft.com/office/drawing/2017/decorative" val="1"/>
-                </a:ext>
-              </a:extLst>
-            </p:cNvPr>
-            <p:cNvCxnSpPr/>
-            <p:nvPr>
-              <p:extLst>
-                <p:ext uri="{386F3935-93C4-4BCD-93E2-E3B085C9AB24}">
-                  <p16:designElem xmlns:p16="http://schemas.microsoft.com/office/powerpoint/2015/main" val="1"/>
-                </p:ext>
-              </p:extLst>
-            </p:nvPr>
-          </p:nvCxnSpPr>
-          <p:spPr>
-            <a:xfrm>
-              <a:off x="9371012" y="0"/>
-              <a:ext cx="1219200" cy="6858000"/>
-            </a:xfrm>
-            <a:prstGeom prst="line">
-              <a:avLst/>
-            </a:prstGeom>
-            <a:ln w="9525">
-              <a:solidFill>
-                <a:schemeClr val="bg1">
-                  <a:lumMod val="75000"/>
-                </a:schemeClr>
-              </a:solidFill>
-            </a:ln>
-          </p:spPr>
-          <p:style>
-            <a:lnRef idx="2">
-              <a:schemeClr val="accent1"/>
-            </a:lnRef>
-            <a:fillRef idx="0">
-              <a:schemeClr val="accent1"/>
-            </a:fillRef>
-            <a:effectRef idx="1">
-              <a:schemeClr val="accent1"/>
-            </a:effectRef>
-            <a:fontRef idx="minor">
-              <a:schemeClr val="tx1"/>
-            </a:fontRef>
-          </p:style>
-        </p:cxnSp>
-        <p:cxnSp>
-          <p:nvCxnSpPr>
-            <p:cNvPr id="73" name="Straight Connector 72">
-              <a:extLst>
-                <a:ext uri="{FF2B5EF4-FFF2-40B4-BE49-F238E27FC236}">
-                  <a16:creationId xmlns:a16="http://schemas.microsoft.com/office/drawing/2014/main" id="{498768D6-B28C-40A3-B381-39306F5816D5}"/>
-                </a:ext>
-                <a:ext uri="{C183D7F6-B498-43B3-948B-1728B52AA6E4}">
-                  <adec:decorative xmlns:adec="http://schemas.microsoft.com/office/drawing/2017/decorative" val="1"/>
-                </a:ext>
-              </a:extLst>
-            </p:cNvPr>
-            <p:cNvCxnSpPr/>
-            <p:nvPr>
-              <p:extLst>
-                <p:ext uri="{386F3935-93C4-4BCD-93E2-E3B085C9AB24}">
-                  <p16:designElem xmlns:p16="http://schemas.microsoft.com/office/powerpoint/2015/main" val="1"/>
-                </p:ext>
-              </p:extLst>
-            </p:nvPr>
-          </p:nvCxnSpPr>
-          <p:spPr>
-            <a:xfrm flipH="1">
-              <a:off x="7425267" y="3681413"/>
-              <a:ext cx="4763558" cy="3176587"/>
-            </a:xfrm>
-            <a:prstGeom prst="line">
-              <a:avLst/>
-            </a:prstGeom>
-            <a:ln w="9525">
-              <a:solidFill>
-                <a:schemeClr val="bg1">
-                  <a:lumMod val="85000"/>
-                </a:schemeClr>
-              </a:solidFill>
-            </a:ln>
-          </p:spPr>
-          <p:style>
-            <a:lnRef idx="2">
-              <a:schemeClr val="accent1"/>
-            </a:lnRef>
-            <a:fillRef idx="0">
-              <a:schemeClr val="accent1"/>
-            </a:fillRef>
-            <a:effectRef idx="1">
-              <a:schemeClr val="accent1"/>
-            </a:effectRef>
-            <a:fontRef idx="minor">
-              <a:schemeClr val="tx1"/>
-            </a:fontRef>
-          </p:style>
-        </p:cxnSp>
-        <p:sp>
-          <p:nvSpPr>
-            <p:cNvPr id="74" name="Rectangle 23">
-              <a:extLst>
-                <a:ext uri="{FF2B5EF4-FFF2-40B4-BE49-F238E27FC236}">
-                  <a16:creationId xmlns:a16="http://schemas.microsoft.com/office/drawing/2014/main" id="{B27C15B9-7795-4321-AB30-DF1DEF65C19E}"/>
-                </a:ext>
-                <a:ext uri="{C183D7F6-B498-43B3-948B-1728B52AA6E4}">
-                  <adec:decorative xmlns:adec="http://schemas.microsoft.com/office/drawing/2017/decorative" val="1"/>
-                </a:ext>
-              </a:extLst>
-            </p:cNvPr>
-            <p:cNvSpPr/>
-            <p:nvPr>
-              <p:extLst>
-                <p:ext uri="{386F3935-93C4-4BCD-93E2-E3B085C9AB24}">
-                  <p16:designElem xmlns:p16="http://schemas.microsoft.com/office/powerpoint/2015/main" val="1"/>
-                </p:ext>
-              </p:extLst>
-            </p:nvPr>
-          </p:nvSpPr>
-          <p:spPr>
-            <a:xfrm>
-              <a:off x="9181476" y="-8467"/>
-              <a:ext cx="3007349" cy="6866467"/>
-            </a:xfrm>
-            <a:custGeom>
-              <a:avLst/>
-              <a:gdLst/>
-              <a:ahLst/>
-              <a:cxnLst/>
-              <a:rect l="l" t="t" r="r" b="b"/>
-              <a:pathLst>
-                <a:path w="3007349" h="6866467">
-                  <a:moveTo>
-                    <a:pt x="2045532" y="0"/>
-                  </a:moveTo>
-                  <a:lnTo>
-                    <a:pt x="3007349" y="0"/>
-                  </a:lnTo>
-                  <a:lnTo>
-                    <a:pt x="3007349" y="6866467"/>
-                  </a:lnTo>
-                  <a:lnTo>
-                    <a:pt x="0" y="6866467"/>
-                  </a:lnTo>
-                  <a:lnTo>
-                    <a:pt x="2045532" y="0"/>
-                  </a:lnTo>
-                  <a:close/>
-                </a:path>
-              </a:pathLst>
-            </a:custGeom>
-            <a:solidFill>
-              <a:schemeClr val="accent1">
-                <a:alpha val="30000"/>
-              </a:schemeClr>
-            </a:solidFill>
-            <a:ln>
-              <a:noFill/>
-            </a:ln>
-            <a:effectLst/>
-          </p:spPr>
-          <p:style>
-            <a:lnRef idx="1">
-              <a:schemeClr val="accent1"/>
-            </a:lnRef>
-            <a:fillRef idx="3">
-              <a:schemeClr val="accent1"/>
-            </a:fillRef>
-            <a:effectRef idx="2">
-              <a:schemeClr val="accent1"/>
-            </a:effectRef>
-            <a:fontRef idx="minor">
-              <a:schemeClr val="lt1"/>
-            </a:fontRef>
-          </p:style>
-        </p:sp>
-        <p:sp>
-          <p:nvSpPr>
-            <p:cNvPr id="75" name="Rectangle 25">
-              <a:extLst>
-                <a:ext uri="{FF2B5EF4-FFF2-40B4-BE49-F238E27FC236}">
-                  <a16:creationId xmlns:a16="http://schemas.microsoft.com/office/drawing/2014/main" id="{578EC957-1F3F-4C00-B023-C8725C2171CB}"/>
-                </a:ext>
-                <a:ext uri="{C183D7F6-B498-43B3-948B-1728B52AA6E4}">
-                  <adec:decorative xmlns:adec="http://schemas.microsoft.com/office/drawing/2017/decorative" val="1"/>
-                </a:ext>
-              </a:extLst>
-            </p:cNvPr>
-            <p:cNvSpPr/>
-            <p:nvPr>
-              <p:extLst>
-                <p:ext uri="{386F3935-93C4-4BCD-93E2-E3B085C9AB24}">
-                  <p16:designElem xmlns:p16="http://schemas.microsoft.com/office/powerpoint/2015/main" val="1"/>
-                </p:ext>
-              </p:extLst>
-            </p:nvPr>
-          </p:nvSpPr>
-          <p:spPr>
-            <a:xfrm>
-              <a:off x="9603442" y="-8467"/>
-              <a:ext cx="2588558" cy="6866467"/>
-            </a:xfrm>
-            <a:custGeom>
-              <a:avLst/>
-              <a:gdLst/>
-              <a:ahLst/>
-              <a:cxnLst/>
-              <a:rect l="l" t="t" r="r" b="b"/>
-              <a:pathLst>
-                <a:path w="2573311" h="6866467">
-                  <a:moveTo>
-                    <a:pt x="0" y="0"/>
-                  </a:moveTo>
-                  <a:lnTo>
-                    <a:pt x="2573311" y="0"/>
-                  </a:lnTo>
-                  <a:lnTo>
-                    <a:pt x="2573311" y="6866467"/>
-                  </a:lnTo>
-                  <a:lnTo>
-                    <a:pt x="1202336" y="6866467"/>
-                  </a:lnTo>
-                  <a:lnTo>
-                    <a:pt x="0" y="0"/>
-                  </a:lnTo>
-                  <a:close/>
-                </a:path>
-              </a:pathLst>
-            </a:custGeom>
-            <a:solidFill>
-              <a:schemeClr val="accent1">
-                <a:alpha val="20000"/>
-              </a:schemeClr>
-            </a:solidFill>
-            <a:ln>
-              <a:noFill/>
-            </a:ln>
-            <a:effectLst/>
-          </p:spPr>
-          <p:style>
-            <a:lnRef idx="1">
-              <a:schemeClr val="accent1"/>
-            </a:lnRef>
-            <a:fillRef idx="3">
-              <a:schemeClr val="accent1"/>
-            </a:fillRef>
-            <a:effectRef idx="2">
-              <a:schemeClr val="accent1"/>
-            </a:effectRef>
-            <a:fontRef idx="minor">
-              <a:schemeClr val="lt1"/>
-            </a:fontRef>
-          </p:style>
-        </p:sp>
-        <p:sp>
-          <p:nvSpPr>
-            <p:cNvPr id="76" name="Isosceles Triangle 75">
-              <a:extLst>
-                <a:ext uri="{FF2B5EF4-FFF2-40B4-BE49-F238E27FC236}">
-                  <a16:creationId xmlns:a16="http://schemas.microsoft.com/office/drawing/2014/main" id="{3D642632-BBD5-46D6-A91D-9B2BF68219B7}"/>
-                </a:ext>
-                <a:ext uri="{C183D7F6-B498-43B3-948B-1728B52AA6E4}">
-                  <adec:decorative xmlns:adec="http://schemas.microsoft.com/office/drawing/2017/decorative" val="1"/>
-                </a:ext>
-              </a:extLst>
-            </p:cNvPr>
-            <p:cNvSpPr/>
-            <p:nvPr>
-              <p:extLst>
-                <p:ext uri="{386F3935-93C4-4BCD-93E2-E3B085C9AB24}">
-                  <p16:designElem xmlns:p16="http://schemas.microsoft.com/office/powerpoint/2015/main" val="1"/>
-                </p:ext>
-              </p:extLst>
-            </p:nvPr>
-          </p:nvSpPr>
-          <p:spPr>
-            <a:xfrm>
-              <a:off x="8932333" y="3048000"/>
-              <a:ext cx="3259667" cy="3810000"/>
-            </a:xfrm>
-            <a:prstGeom prst="triangle">
-              <a:avLst>
-                <a:gd name="adj" fmla="val 100000"/>
-              </a:avLst>
-            </a:prstGeom>
-            <a:solidFill>
-              <a:schemeClr val="accent2">
-                <a:alpha val="72000"/>
-              </a:schemeClr>
-            </a:solidFill>
-            <a:ln>
-              <a:noFill/>
-            </a:ln>
-            <a:effectLst/>
-          </p:spPr>
-          <p:style>
-            <a:lnRef idx="1">
-              <a:schemeClr val="accent1"/>
-            </a:lnRef>
-            <a:fillRef idx="3">
-              <a:schemeClr val="accent1"/>
-            </a:fillRef>
-            <a:effectRef idx="2">
-              <a:schemeClr val="accent1"/>
-            </a:effectRef>
-            <a:fontRef idx="minor">
-              <a:schemeClr val="lt1"/>
-            </a:fontRef>
-          </p:style>
-        </p:sp>
-        <p:sp>
-          <p:nvSpPr>
-            <p:cNvPr id="77" name="Rectangle 27">
-              <a:extLst>
-                <a:ext uri="{FF2B5EF4-FFF2-40B4-BE49-F238E27FC236}">
-                  <a16:creationId xmlns:a16="http://schemas.microsoft.com/office/drawing/2014/main" id="{BF9D518D-AFF5-4DE2-AEE2-0EC15479A9AF}"/>
-                </a:ext>
-                <a:ext uri="{C183D7F6-B498-43B3-948B-1728B52AA6E4}">
-                  <adec:decorative xmlns:adec="http://schemas.microsoft.com/office/drawing/2017/decorative" val="1"/>
-                </a:ext>
-              </a:extLst>
-            </p:cNvPr>
-            <p:cNvSpPr/>
-            <p:nvPr>
-              <p:extLst>
-                <p:ext uri="{386F3935-93C4-4BCD-93E2-E3B085C9AB24}">
-                  <p16:designElem xmlns:p16="http://schemas.microsoft.com/office/powerpoint/2015/main" val="1"/>
-                </p:ext>
-              </p:extLst>
-            </p:nvPr>
-          </p:nvSpPr>
-          <p:spPr>
-            <a:xfrm>
-              <a:off x="9334500" y="-8467"/>
-              <a:ext cx="2854326" cy="6866467"/>
-            </a:xfrm>
-            <a:custGeom>
-              <a:avLst/>
-              <a:gdLst/>
-              <a:ahLst/>
-              <a:cxnLst/>
-              <a:rect l="l" t="t" r="r" b="b"/>
-              <a:pathLst>
-                <a:path w="2858013" h="6866467">
-                  <a:moveTo>
-                    <a:pt x="0" y="0"/>
-                  </a:moveTo>
-                  <a:lnTo>
-                    <a:pt x="2858013" y="0"/>
-                  </a:lnTo>
-                  <a:lnTo>
-                    <a:pt x="2858013" y="6866467"/>
-                  </a:lnTo>
-                  <a:lnTo>
-                    <a:pt x="2473942" y="6866467"/>
-                  </a:lnTo>
-                  <a:lnTo>
-                    <a:pt x="0" y="0"/>
-                  </a:lnTo>
-                  <a:close/>
-                </a:path>
-              </a:pathLst>
-            </a:custGeom>
-            <a:solidFill>
-              <a:schemeClr val="accent2">
-                <a:lumMod val="75000"/>
-                <a:alpha val="70000"/>
-              </a:schemeClr>
-            </a:solidFill>
-            <a:ln>
-              <a:noFill/>
-            </a:ln>
-            <a:effectLst/>
-          </p:spPr>
-          <p:style>
-            <a:lnRef idx="1">
-              <a:schemeClr val="accent1"/>
-            </a:lnRef>
-            <a:fillRef idx="3">
-              <a:schemeClr val="accent1"/>
-            </a:fillRef>
-            <a:effectRef idx="2">
-              <a:schemeClr val="accent1"/>
-            </a:effectRef>
-            <a:fontRef idx="minor">
-              <a:schemeClr val="lt1"/>
-            </a:fontRef>
-          </p:style>
-        </p:sp>
-        <p:sp>
-          <p:nvSpPr>
-            <p:cNvPr id="78" name="Rectangle 28">
-              <a:extLst>
-                <a:ext uri="{FF2B5EF4-FFF2-40B4-BE49-F238E27FC236}">
-                  <a16:creationId xmlns:a16="http://schemas.microsoft.com/office/drawing/2014/main" id="{14EF979B-B00D-460C-BD56-7EEAFB7E0F98}"/>
-                </a:ext>
-                <a:ext uri="{C183D7F6-B498-43B3-948B-1728B52AA6E4}">
-                  <adec:decorative xmlns:adec="http://schemas.microsoft.com/office/drawing/2017/decorative" val="1"/>
-                </a:ext>
-              </a:extLst>
-            </p:cNvPr>
-            <p:cNvSpPr/>
-            <p:nvPr>
-              <p:extLst>
-                <p:ext uri="{386F3935-93C4-4BCD-93E2-E3B085C9AB24}">
-                  <p16:designElem xmlns:p16="http://schemas.microsoft.com/office/powerpoint/2015/main" val="1"/>
-                </p:ext>
-              </p:extLst>
-            </p:nvPr>
-          </p:nvSpPr>
-          <p:spPr>
-            <a:xfrm>
-              <a:off x="10898730" y="-8467"/>
-              <a:ext cx="1290094" cy="6866467"/>
-            </a:xfrm>
-            <a:custGeom>
-              <a:avLst/>
-              <a:gdLst/>
-              <a:ahLst/>
-              <a:cxnLst/>
-              <a:rect l="l" t="t" r="r" b="b"/>
-              <a:pathLst>
-                <a:path w="1290094" h="6858000">
-                  <a:moveTo>
-                    <a:pt x="1019735" y="0"/>
-                  </a:moveTo>
-                  <a:lnTo>
-                    <a:pt x="1290094" y="0"/>
-                  </a:lnTo>
-                  <a:lnTo>
-                    <a:pt x="1290094" y="6858000"/>
-                  </a:lnTo>
-                  <a:lnTo>
-                    <a:pt x="0" y="6858000"/>
-                  </a:lnTo>
-                  <a:lnTo>
-                    <a:pt x="1019735" y="0"/>
-                  </a:lnTo>
-                  <a:close/>
-                </a:path>
-              </a:pathLst>
-            </a:custGeom>
-            <a:solidFill>
-              <a:schemeClr val="accent1">
-                <a:lumMod val="60000"/>
-                <a:lumOff val="40000"/>
-                <a:alpha val="70000"/>
-              </a:schemeClr>
-            </a:solidFill>
-            <a:ln>
-              <a:noFill/>
-            </a:ln>
-            <a:effectLst/>
-          </p:spPr>
-          <p:style>
-            <a:lnRef idx="1">
-              <a:schemeClr val="accent1"/>
-            </a:lnRef>
-            <a:fillRef idx="3">
-              <a:schemeClr val="accent1"/>
-            </a:fillRef>
-            <a:effectRef idx="2">
-              <a:schemeClr val="accent1"/>
-            </a:effectRef>
-            <a:fontRef idx="minor">
-              <a:schemeClr val="lt1"/>
-            </a:fontRef>
-          </p:style>
-        </p:sp>
-        <p:sp>
-          <p:nvSpPr>
-            <p:cNvPr id="79" name="Rectangle 29">
-              <a:extLst>
-                <a:ext uri="{FF2B5EF4-FFF2-40B4-BE49-F238E27FC236}">
-                  <a16:creationId xmlns:a16="http://schemas.microsoft.com/office/drawing/2014/main" id="{3E40F9A1-6B82-400F-9397-26D1D36F1F04}"/>
-                </a:ext>
-                <a:ext uri="{C183D7F6-B498-43B3-948B-1728B52AA6E4}">
-                  <adec:decorative xmlns:adec="http://schemas.microsoft.com/office/drawing/2017/decorative" val="1"/>
-                </a:ext>
-              </a:extLst>
-            </p:cNvPr>
-            <p:cNvSpPr/>
-            <p:nvPr>
-              <p:extLst>
-                <p:ext uri="{386F3935-93C4-4BCD-93E2-E3B085C9AB24}">
-                  <p16:designElem xmlns:p16="http://schemas.microsoft.com/office/powerpoint/2015/main" val="1"/>
-                </p:ext>
-              </p:extLst>
-            </p:nvPr>
-          </p:nvSpPr>
-          <p:spPr>
-            <a:xfrm>
-              <a:off x="10938999" y="-8467"/>
-              <a:ext cx="1249825" cy="6866467"/>
-            </a:xfrm>
-            <a:custGeom>
-              <a:avLst/>
-              <a:gdLst/>
-              <a:ahLst/>
-              <a:cxnLst/>
-              <a:rect l="l" t="t" r="r" b="b"/>
-              <a:pathLst>
-                <a:path w="1249825" h="6858000">
-                  <a:moveTo>
-                    <a:pt x="0" y="0"/>
-                  </a:moveTo>
-                  <a:lnTo>
-                    <a:pt x="1249825" y="0"/>
-                  </a:lnTo>
-                  <a:lnTo>
-                    <a:pt x="1249825" y="6858000"/>
-                  </a:lnTo>
-                  <a:lnTo>
-                    <a:pt x="1109382" y="6858000"/>
-                  </a:lnTo>
-                  <a:lnTo>
-                    <a:pt x="0" y="0"/>
-                  </a:lnTo>
-                  <a:close/>
-                </a:path>
-              </a:pathLst>
-            </a:custGeom>
-            <a:solidFill>
-              <a:schemeClr val="accent1">
-                <a:alpha val="65000"/>
-              </a:schemeClr>
-            </a:solidFill>
-            <a:ln>
-              <a:noFill/>
-            </a:ln>
-            <a:effectLst/>
-          </p:spPr>
-          <p:style>
-            <a:lnRef idx="1">
-              <a:schemeClr val="accent1"/>
-            </a:lnRef>
-            <a:fillRef idx="3">
-              <a:schemeClr val="accent1"/>
-            </a:fillRef>
-            <a:effectRef idx="2">
-              <a:schemeClr val="accent1"/>
-            </a:effectRef>
-            <a:fontRef idx="minor">
-              <a:schemeClr val="lt1"/>
-            </a:fontRef>
-          </p:style>
-        </p:sp>
-        <p:sp>
-          <p:nvSpPr>
-            <p:cNvPr id="80" name="Isosceles Triangle 79">
-              <a:extLst>
-                <a:ext uri="{FF2B5EF4-FFF2-40B4-BE49-F238E27FC236}">
-                  <a16:creationId xmlns:a16="http://schemas.microsoft.com/office/drawing/2014/main" id="{2EF7DDF1-FF86-4CA4-B08B-8939557EBDB3}"/>
-                </a:ext>
-                <a:ext uri="{C183D7F6-B498-43B3-948B-1728B52AA6E4}">
-                  <adec:decorative xmlns:adec="http://schemas.microsoft.com/office/drawing/2017/decorative" val="1"/>
-                </a:ext>
-              </a:extLst>
-            </p:cNvPr>
-            <p:cNvSpPr/>
-            <p:nvPr>
-              <p:extLst>
-                <p:ext uri="{386F3935-93C4-4BCD-93E2-E3B085C9AB24}">
-                  <p16:designElem xmlns:p16="http://schemas.microsoft.com/office/powerpoint/2015/main" val="1"/>
-                </p:ext>
-              </p:extLst>
-            </p:nvPr>
-          </p:nvSpPr>
-          <p:spPr>
-            <a:xfrm>
-              <a:off x="10371666" y="3589867"/>
-              <a:ext cx="1817159" cy="3268133"/>
-            </a:xfrm>
-            <a:prstGeom prst="triangle">
-              <a:avLst>
-                <a:gd name="adj" fmla="val 100000"/>
-              </a:avLst>
-            </a:prstGeom>
-            <a:solidFill>
-              <a:schemeClr val="accent1">
-                <a:alpha val="80000"/>
-              </a:schemeClr>
-            </a:solidFill>
-            <a:ln>
-              <a:noFill/>
-            </a:ln>
-            <a:effectLst/>
-          </p:spPr>
-          <p:style>
-            <a:lnRef idx="1">
-              <a:schemeClr val="accent1"/>
-            </a:lnRef>
-            <a:fillRef idx="3">
-              <a:schemeClr val="accent1"/>
-            </a:fillRef>
-            <a:effectRef idx="2">
-              <a:schemeClr val="accent1"/>
-            </a:effectRef>
-            <a:fontRef idx="minor">
-              <a:schemeClr val="lt1"/>
-            </a:fontRef>
-          </p:style>
-        </p:sp>
-        <p:sp>
-          <p:nvSpPr>
-            <p:cNvPr id="81" name="Isosceles Triangle 80">
-              <a:extLst>
-                <a:ext uri="{FF2B5EF4-FFF2-40B4-BE49-F238E27FC236}">
-                  <a16:creationId xmlns:a16="http://schemas.microsoft.com/office/drawing/2014/main" id="{6D7C1F89-72B2-4FDC-B9E2-04F52D5C504C}"/>
-                </a:ext>
-                <a:ext uri="{C183D7F6-B498-43B3-948B-1728B52AA6E4}">
-                  <adec:decorative xmlns:adec="http://schemas.microsoft.com/office/drawing/2017/decorative" val="1"/>
-                </a:ext>
-              </a:extLst>
-            </p:cNvPr>
-            <p:cNvSpPr/>
-            <p:nvPr>
-              <p:extLst>
-                <p:ext uri="{386F3935-93C4-4BCD-93E2-E3B085C9AB24}">
-                  <p16:designElem xmlns:p16="http://schemas.microsoft.com/office/powerpoint/2015/main" val="1"/>
-                </p:ext>
-              </p:extLst>
-            </p:nvPr>
-          </p:nvSpPr>
-          <p:spPr>
-            <a:xfrm>
-              <a:off x="0" y="4013200"/>
-              <a:ext cx="448733" cy="2844800"/>
-            </a:xfrm>
-            <a:prstGeom prst="triangle">
-              <a:avLst>
-                <a:gd name="adj" fmla="val 0"/>
-              </a:avLst>
-            </a:prstGeom>
-            <a:solidFill>
-              <a:schemeClr val="accent1">
-                <a:alpha val="85000"/>
-              </a:schemeClr>
-            </a:solidFill>
-            <a:ln>
-              <a:noFill/>
-            </a:ln>
-            <a:effectLst/>
-          </p:spPr>
-          <p:style>
-            <a:lnRef idx="1">
-              <a:schemeClr val="accent1"/>
-            </a:lnRef>
-            <a:fillRef idx="3">
-              <a:schemeClr val="accent1"/>
-            </a:fillRef>
-            <a:effectRef idx="2">
-              <a:schemeClr val="accent1"/>
-            </a:effectRef>
-            <a:fontRef idx="minor">
-              <a:schemeClr val="lt1"/>
-            </a:fontRef>
-          </p:style>
-        </p:sp>
-      </p:grpSp>
       <p:sp>
         <p:nvSpPr>
           <p:cNvPr id="2" name="Title 1">
@@ -12088,47 +9424,8 @@
           <a:lstStyle/>
           <a:p>
             <a:r>
-              <a:rPr lang="en-US" sz="3600"/>
+              <a:rPr lang="en-US" sz="3600" dirty="0"/>
               <a:t>Interactivity </a:t>
-            </a:r>
-          </a:p>
-        </p:txBody>
-      </p:sp>
-      <p:sp>
-        <p:nvSpPr>
-          <p:cNvPr id="4" name="Text Placeholder 3">
-            <a:extLst>
-              <a:ext uri="{FF2B5EF4-FFF2-40B4-BE49-F238E27FC236}">
-                <a16:creationId xmlns:a16="http://schemas.microsoft.com/office/drawing/2014/main" id="{CF0FD29D-80E1-4CF0-920B-F94EF3177BCD}"/>
-              </a:ext>
-            </a:extLst>
-          </p:cNvPr>
-          <p:cNvSpPr>
-            <a:spLocks noGrp="1"/>
-          </p:cNvSpPr>
-          <p:nvPr>
-            <p:ph type="body" sz="half" idx="2"/>
-          </p:nvPr>
-        </p:nvSpPr>
-        <p:spPr>
-          <a:xfrm>
-            <a:off x="5209563" y="2160589"/>
-            <a:ext cx="4064439" cy="3880773"/>
-          </a:xfrm>
-        </p:spPr>
-        <p:txBody>
-          <a:bodyPr vert="horz" lIns="91440" tIns="45720" rIns="91440" bIns="45720" rtlCol="0">
-            <a:normAutofit/>
-          </a:bodyPr>
-          <a:lstStyle/>
-          <a:p>
-            <a:pPr>
-              <a:buFont typeface="Wingdings 3" charset="2"/>
-              <a:buChar char=""/>
-            </a:pPr>
-            <a:r>
-              <a:rPr lang="en-US"/>
-              <a:t>The player needs to be able to interact with may objects within the game. Whether it’s just enemies and doors, or as much as grass moving under the players feet, it all goes towards making the game believable.</a:t>
             </a:r>
           </a:p>
         </p:txBody>
@@ -12241,59 +9538,42 @@
       </p:pic>
       <p:sp>
         <p:nvSpPr>
-          <p:cNvPr id="6149" name="Isosceles Triangle 82">
+          <p:cNvPr id="4" name="Text Placeholder 3">
             <a:extLst>
               <a:ext uri="{FF2B5EF4-FFF2-40B4-BE49-F238E27FC236}">
-                <a16:creationId xmlns:a16="http://schemas.microsoft.com/office/drawing/2014/main" id="{3BCB5F6A-9EB0-40B0-9D13-3023E9A20508}"/>
-              </a:ext>
-              <a:ext uri="{C183D7F6-B498-43B3-948B-1728B52AA6E4}">
-                <adec:decorative xmlns:adec="http://schemas.microsoft.com/office/drawing/2017/decorative" val="1"/>
+                <a16:creationId xmlns:a16="http://schemas.microsoft.com/office/drawing/2014/main" id="{CF0FD29D-80E1-4CF0-920B-F94EF3177BCD}"/>
               </a:ext>
             </a:extLst>
           </p:cNvPr>
           <p:cNvSpPr>
-            <a:spLocks noGrp="1" noRot="1" noChangeAspect="1" noMove="1" noResize="1" noEditPoints="1" noAdjustHandles="1" noChangeArrowheads="1" noChangeShapeType="1" noTextEdit="1"/>
-          </p:cNvSpPr>
-          <p:nvPr>
-            <p:extLst>
-              <p:ext uri="{386F3935-93C4-4BCD-93E2-E3B085C9AB24}">
-                <p16:designElem xmlns:p16="http://schemas.microsoft.com/office/powerpoint/2015/main" val="1"/>
-              </p:ext>
-            </p:extLst>
+            <a:spLocks noGrp="1"/>
+          </p:cNvSpPr>
+          <p:nvPr>
+            <p:ph type="body" sz="half" idx="2"/>
           </p:nvPr>
         </p:nvSpPr>
         <p:spPr>
-          <a:xfrm rot="10800000">
-            <a:off x="0" y="0"/>
-            <a:ext cx="842596" cy="5666154"/>
+          <a:xfrm>
+            <a:off x="5209563" y="2160589"/>
+            <a:ext cx="4064439" cy="3880773"/>
           </a:xfrm>
-          <a:prstGeom prst="triangle">
-            <a:avLst>
-              <a:gd name="adj" fmla="val 100000"/>
-            </a:avLst>
-          </a:prstGeom>
-          <a:solidFill>
-            <a:schemeClr val="accent1"/>
-          </a:solidFill>
-          <a:ln>
-            <a:noFill/>
-          </a:ln>
-          <a:effectLst/>
         </p:spPr>
-        <p:style>
-          <a:lnRef idx="1">
-            <a:schemeClr val="accent1"/>
-          </a:lnRef>
-          <a:fillRef idx="3">
-            <a:schemeClr val="accent1"/>
-          </a:fillRef>
-          <a:effectRef idx="2">
-            <a:schemeClr val="accent1"/>
-          </a:effectRef>
-          <a:fontRef idx="minor">
-            <a:schemeClr val="lt1"/>
-          </a:fontRef>
-        </p:style>
+        <p:txBody>
+          <a:bodyPr vert="horz" lIns="91440" tIns="45720" rIns="91440" bIns="45720" rtlCol="0">
+            <a:normAutofit/>
+          </a:bodyPr>
+          <a:lstStyle/>
+          <a:p>
+            <a:pPr>
+              <a:buFont typeface="Wingdings 3" charset="2"/>
+              <a:buChar char=""/>
+            </a:pPr>
+            <a:r>
+              <a:rPr lang="en-US" dirty="0"/>
+              <a:t>The player needs to be able to interact with many objects within the game. Whether it’s just enemies and doors, or as much as grass moving under the players feet, it all goes towards making the game believable.</a:t>
+            </a:r>
+          </a:p>
+        </p:txBody>
       </p:sp>
     </p:spTree>
     <p:extLst>
@@ -12395,6 +9675,16 @@
             <a:r>
               <a:rPr lang="en-GB" dirty="0"/>
               <a:t>Non-physical objects are invisible objects that work independently to the player.</a:t>
+            </a:r>
+          </a:p>
+          <a:p>
+            <a:r>
+              <a:rPr lang="en-GB" dirty="0">
+                <a:solidFill>
+                  <a:srgbClr val="FF0000"/>
+                </a:solidFill>
+              </a:rPr>
+              <a:t>Both have an important role whether it’s the Player (Physical) or a Save Manager (Non-physical).</a:t>
             </a:r>
           </a:p>
         </p:txBody>
